--- a/STM32_Workshop.pptx
+++ b/STM32_Workshop.pptx
@@ -5,7 +5,7 @@
     <p:sldMasterId id="2147483660" r:id="rId1"/>
   </p:sldMasterIdLst>
   <p:notesMasterIdLst>
-    <p:notesMasterId r:id="rId36"/>
+    <p:notesMasterId r:id="rId35"/>
   </p:notesMasterIdLst>
   <p:sldIdLst>
     <p:sldId id="256" r:id="rId2"/>
@@ -23,25 +23,24 @@
     <p:sldId id="266" r:id="rId14"/>
     <p:sldId id="268" r:id="rId15"/>
     <p:sldId id="269" r:id="rId16"/>
-    <p:sldId id="270" r:id="rId17"/>
-    <p:sldId id="273" r:id="rId18"/>
-    <p:sldId id="275" r:id="rId19"/>
-    <p:sldId id="274" r:id="rId20"/>
-    <p:sldId id="277" r:id="rId21"/>
-    <p:sldId id="276" r:id="rId22"/>
-    <p:sldId id="278" r:id="rId23"/>
-    <p:sldId id="279" r:id="rId24"/>
-    <p:sldId id="280" r:id="rId25"/>
-    <p:sldId id="281" r:id="rId26"/>
-    <p:sldId id="282" r:id="rId27"/>
-    <p:sldId id="283" r:id="rId28"/>
-    <p:sldId id="286" r:id="rId29"/>
-    <p:sldId id="289" r:id="rId30"/>
-    <p:sldId id="288" r:id="rId31"/>
-    <p:sldId id="290" r:id="rId32"/>
-    <p:sldId id="291" r:id="rId33"/>
-    <p:sldId id="292" r:id="rId34"/>
-    <p:sldId id="293" r:id="rId35"/>
+    <p:sldId id="283" r:id="rId17"/>
+    <p:sldId id="286" r:id="rId18"/>
+    <p:sldId id="289" r:id="rId19"/>
+    <p:sldId id="288" r:id="rId20"/>
+    <p:sldId id="290" r:id="rId21"/>
+    <p:sldId id="291" r:id="rId22"/>
+    <p:sldId id="270" r:id="rId23"/>
+    <p:sldId id="273" r:id="rId24"/>
+    <p:sldId id="275" r:id="rId25"/>
+    <p:sldId id="274" r:id="rId26"/>
+    <p:sldId id="277" r:id="rId27"/>
+    <p:sldId id="276" r:id="rId28"/>
+    <p:sldId id="278" r:id="rId29"/>
+    <p:sldId id="279" r:id="rId30"/>
+    <p:sldId id="280" r:id="rId31"/>
+    <p:sldId id="281" r:id="rId32"/>
+    <p:sldId id="282" r:id="rId33"/>
+    <p:sldId id="293" r:id="rId34"/>
   </p:sldIdLst>
   <p:sldSz cx="12192000" cy="6858000"/>
   <p:notesSz cx="6858000" cy="9144000"/>
@@ -242,7 +241,7 @@
           <a:p>
             <a:fld id="{92B77A35-A630-46E0-8899-4CAF82DCD4DB}" type="datetimeFigureOut">
               <a:rPr lang="en-HK" smtClean="0"/>
-              <a:t>24/12/2021</a:t>
+              <a:t>28/12/2021</a:t>
             </a:fld>
             <a:endParaRPr lang="en-HK"/>
           </a:p>
@@ -626,6 +625,90 @@
 </p:notes>
 </file>
 
+<file path=ppt/notesSlides/notesSlide2.xml><?xml version="1.0" encoding="utf-8"?>
+<p:notes xmlns:a="http://schemas.openxmlformats.org/drawingml/2006/main" xmlns:r="http://schemas.openxmlformats.org/officeDocument/2006/relationships" xmlns:p="http://schemas.openxmlformats.org/presentationml/2006/main">
+  <p:cSld>
+    <p:spTree>
+      <p:nvGrpSpPr>
+        <p:cNvPr id="1" name=""/>
+        <p:cNvGrpSpPr/>
+        <p:nvPr/>
+      </p:nvGrpSpPr>
+      <p:grpSpPr>
+        <a:xfrm>
+          <a:off x="0" y="0"/>
+          <a:ext cx="0" cy="0"/>
+          <a:chOff x="0" y="0"/>
+          <a:chExt cx="0" cy="0"/>
+        </a:xfrm>
+      </p:grpSpPr>
+      <p:sp>
+        <p:nvSpPr>
+          <p:cNvPr id="2" name="Slide Image Placeholder 1"/>
+          <p:cNvSpPr>
+            <a:spLocks noGrp="1" noRot="1" noChangeAspect="1"/>
+          </p:cNvSpPr>
+          <p:nvPr>
+            <p:ph type="sldImg"/>
+          </p:nvPr>
+        </p:nvSpPr>
+        <p:spPr/>
+      </p:sp>
+      <p:sp>
+        <p:nvSpPr>
+          <p:cNvPr id="3" name="Notes Placeholder 2"/>
+          <p:cNvSpPr>
+            <a:spLocks noGrp="1"/>
+          </p:cNvSpPr>
+          <p:nvPr>
+            <p:ph type="body" idx="1"/>
+          </p:nvPr>
+        </p:nvSpPr>
+        <p:spPr/>
+        <p:txBody>
+          <a:bodyPr/>
+          <a:lstStyle/>
+          <a:p>
+            <a:endParaRPr lang="en-HK" dirty="0"/>
+          </a:p>
+        </p:txBody>
+      </p:sp>
+      <p:sp>
+        <p:nvSpPr>
+          <p:cNvPr id="4" name="Slide Number Placeholder 3"/>
+          <p:cNvSpPr>
+            <a:spLocks noGrp="1"/>
+          </p:cNvSpPr>
+          <p:nvPr>
+            <p:ph type="sldNum" sz="quarter" idx="5"/>
+          </p:nvPr>
+        </p:nvSpPr>
+        <p:spPr/>
+        <p:txBody>
+          <a:bodyPr/>
+          <a:lstStyle/>
+          <a:p>
+            <a:fld id="{D435C590-FAFC-44B1-9162-E755158CCB3D}" type="slidenum">
+              <a:rPr lang="en-HK" smtClean="0"/>
+              <a:t>11</a:t>
+            </a:fld>
+            <a:endParaRPr lang="en-HK"/>
+          </a:p>
+        </p:txBody>
+      </p:sp>
+    </p:spTree>
+    <p:extLst>
+      <p:ext uri="{BB962C8B-B14F-4D97-AF65-F5344CB8AC3E}">
+        <p14:creationId xmlns:p14="http://schemas.microsoft.com/office/powerpoint/2010/main" val="658430146"/>
+      </p:ext>
+    </p:extLst>
+  </p:cSld>
+  <p:clrMapOvr>
+    <a:masterClrMapping/>
+  </p:clrMapOvr>
+</p:notes>
+</file>
+
 <file path=ppt/slideLayouts/slideLayout1.xml><?xml version="1.0" encoding="utf-8"?>
 <p:sldLayout xmlns:a="http://schemas.openxmlformats.org/drawingml/2006/main" xmlns:r="http://schemas.openxmlformats.org/officeDocument/2006/relationships" xmlns:p="http://schemas.openxmlformats.org/presentationml/2006/main" type="title" preserve="1">
   <p:cSld name="Title Slide">
@@ -757,7 +840,7 @@
           <a:p>
             <a:fld id="{846CE7D5-CF57-46EF-B807-FDD0502418D4}" type="datetimeFigureOut">
               <a:rPr lang="en-US" smtClean="0"/>
-              <a:t>12/24/2021</a:t>
+              <a:t>12/28/2021</a:t>
             </a:fld>
             <a:endParaRPr lang="en-US"/>
           </a:p>
@@ -927,7 +1010,7 @@
           <a:p>
             <a:fld id="{846CE7D5-CF57-46EF-B807-FDD0502418D4}" type="datetimeFigureOut">
               <a:rPr lang="en-US" smtClean="0"/>
-              <a:t>12/24/2021</a:t>
+              <a:t>12/28/2021</a:t>
             </a:fld>
             <a:endParaRPr lang="en-US"/>
           </a:p>
@@ -1107,7 +1190,7 @@
           <a:p>
             <a:fld id="{846CE7D5-CF57-46EF-B807-FDD0502418D4}" type="datetimeFigureOut">
               <a:rPr lang="en-US" smtClean="0"/>
-              <a:t>12/24/2021</a:t>
+              <a:t>12/28/2021</a:t>
             </a:fld>
             <a:endParaRPr lang="en-US"/>
           </a:p>
@@ -1277,7 +1360,7 @@
           <a:p>
             <a:fld id="{846CE7D5-CF57-46EF-B807-FDD0502418D4}" type="datetimeFigureOut">
               <a:rPr lang="en-US" smtClean="0"/>
-              <a:t>12/24/2021</a:t>
+              <a:t>12/28/2021</a:t>
             </a:fld>
             <a:endParaRPr lang="en-US"/>
           </a:p>
@@ -1523,7 +1606,7 @@
           <a:p>
             <a:fld id="{846CE7D5-CF57-46EF-B807-FDD0502418D4}" type="datetimeFigureOut">
               <a:rPr lang="en-US" smtClean="0"/>
-              <a:t>12/24/2021</a:t>
+              <a:t>12/28/2021</a:t>
             </a:fld>
             <a:endParaRPr lang="en-US"/>
           </a:p>
@@ -1755,7 +1838,7 @@
           <a:p>
             <a:fld id="{846CE7D5-CF57-46EF-B807-FDD0502418D4}" type="datetimeFigureOut">
               <a:rPr lang="en-US" smtClean="0"/>
-              <a:t>12/24/2021</a:t>
+              <a:t>12/28/2021</a:t>
             </a:fld>
             <a:endParaRPr lang="en-US"/>
           </a:p>
@@ -2122,7 +2205,7 @@
           <a:p>
             <a:fld id="{846CE7D5-CF57-46EF-B807-FDD0502418D4}" type="datetimeFigureOut">
               <a:rPr lang="en-US" smtClean="0"/>
-              <a:t>12/24/2021</a:t>
+              <a:t>12/28/2021</a:t>
             </a:fld>
             <a:endParaRPr lang="en-US"/>
           </a:p>
@@ -2240,7 +2323,7 @@
           <a:p>
             <a:fld id="{846CE7D5-CF57-46EF-B807-FDD0502418D4}" type="datetimeFigureOut">
               <a:rPr lang="en-US" smtClean="0"/>
-              <a:t>12/24/2021</a:t>
+              <a:t>12/28/2021</a:t>
             </a:fld>
             <a:endParaRPr lang="en-US"/>
           </a:p>
@@ -2335,7 +2418,7 @@
           <a:p>
             <a:fld id="{846CE7D5-CF57-46EF-B807-FDD0502418D4}" type="datetimeFigureOut">
               <a:rPr lang="en-US" smtClean="0"/>
-              <a:t>12/24/2021</a:t>
+              <a:t>12/28/2021</a:t>
             </a:fld>
             <a:endParaRPr lang="en-US"/>
           </a:p>
@@ -2612,7 +2695,7 @@
           <a:p>
             <a:fld id="{846CE7D5-CF57-46EF-B807-FDD0502418D4}" type="datetimeFigureOut">
               <a:rPr lang="en-US" smtClean="0"/>
-              <a:t>12/24/2021</a:t>
+              <a:t>12/28/2021</a:t>
             </a:fld>
             <a:endParaRPr lang="en-US"/>
           </a:p>
@@ -2869,7 +2952,7 @@
           <a:p>
             <a:fld id="{846CE7D5-CF57-46EF-B807-FDD0502418D4}" type="datetimeFigureOut">
               <a:rPr lang="en-US" smtClean="0"/>
-              <a:t>12/24/2021</a:t>
+              <a:t>12/28/2021</a:t>
             </a:fld>
             <a:endParaRPr lang="en-US"/>
           </a:p>
@@ -3082,7 +3165,7 @@
           <a:p>
             <a:fld id="{846CE7D5-CF57-46EF-B807-FDD0502418D4}" type="datetimeFigureOut">
               <a:rPr lang="en-US" smtClean="0"/>
-              <a:t>12/24/2021</a:t>
+              <a:t>12/28/2021</a:t>
             </a:fld>
             <a:endParaRPr lang="en-US"/>
           </a:p>
@@ -4030,7 +4113,7 @@
               </a:rPr>
               <a:t>int main(void) {</a:t>
             </a:r>
-            <a:endParaRPr lang="en-US" sz="1100">
+            <a:endParaRPr lang="en-US" sz="1100" dirty="0">
               <a:latin typeface="Consolas"/>
             </a:endParaRPr>
           </a:p>
@@ -4043,7 +4126,7 @@
               </a:rPr>
               <a:t>  while (1) {</a:t>
             </a:r>
-            <a:endParaRPr lang="en-US" sz="1100">
+            <a:endParaRPr lang="en-US" sz="1100" dirty="0">
               <a:latin typeface="Consolas"/>
             </a:endParaRPr>
           </a:p>
@@ -4088,7 +4171,7 @@
               </a:rPr>
               <a:t>) == GPIO_PIN_SET) {</a:t>
             </a:r>
-            <a:endParaRPr lang="en-US" sz="1100">
+            <a:endParaRPr lang="en-US" sz="1100" dirty="0">
               <a:latin typeface="Consolas"/>
             </a:endParaRPr>
           </a:p>
@@ -4149,7 +4232,7 @@
               </a:rPr>
               <a:t>, GPIO_PIN_SET);</a:t>
             </a:r>
-            <a:endParaRPr lang="en-US" sz="1100">
+            <a:endParaRPr lang="en-US" sz="1100" dirty="0">
               <a:latin typeface="Consolas"/>
             </a:endParaRPr>
           </a:p>
@@ -4178,7 +4261,7 @@
               </a:rPr>
               <a:t>(100);</a:t>
             </a:r>
-            <a:endParaRPr lang="en-US" sz="1100">
+            <a:endParaRPr lang="en-US" sz="1100" dirty="0">
               <a:latin typeface="Consolas"/>
             </a:endParaRPr>
           </a:p>
@@ -4239,7 +4322,7 @@
               </a:rPr>
               <a:t>, GPIO_PIN_RESET);</a:t>
             </a:r>
-            <a:endParaRPr lang="en-US" sz="1100">
+            <a:endParaRPr lang="en-US" sz="1100" dirty="0">
               <a:latin typeface="Consolas"/>
             </a:endParaRPr>
           </a:p>
@@ -4268,7 +4351,7 @@
               </a:rPr>
               <a:t>(100);</a:t>
             </a:r>
-            <a:endParaRPr lang="en-US" sz="1100">
+            <a:endParaRPr lang="en-US" sz="1100" dirty="0">
               <a:latin typeface="Consolas"/>
             </a:endParaRPr>
           </a:p>
@@ -4281,7 +4364,7 @@
               </a:rPr>
               <a:t>    } else {</a:t>
             </a:r>
-            <a:endParaRPr lang="en-US" sz="1100">
+            <a:endParaRPr lang="en-US" sz="1100" dirty="0">
               <a:latin typeface="Consolas"/>
             </a:endParaRPr>
           </a:p>
@@ -4342,7 +4425,7 @@
               </a:rPr>
               <a:t>, GPIO_PIN_SET);</a:t>
             </a:r>
-            <a:endParaRPr lang="en-US" sz="1100">
+            <a:endParaRPr lang="en-US" sz="1100" dirty="0">
               <a:latin typeface="Consolas"/>
             </a:endParaRPr>
           </a:p>
@@ -4371,7 +4454,7 @@
               </a:rPr>
               <a:t>(500);</a:t>
             </a:r>
-            <a:endParaRPr lang="en-US" sz="1100">
+            <a:endParaRPr lang="en-US" sz="1100" dirty="0">
               <a:latin typeface="Consolas"/>
             </a:endParaRPr>
           </a:p>
@@ -4432,7 +4515,7 @@
               </a:rPr>
               <a:t>, GPIO_PIN_RESET);</a:t>
             </a:r>
-            <a:endParaRPr lang="en-US" sz="1100">
+            <a:endParaRPr lang="en-US" sz="1100" dirty="0">
               <a:latin typeface="Consolas"/>
             </a:endParaRPr>
           </a:p>
@@ -4461,7 +4544,7 @@
               </a:rPr>
               <a:t>(500);</a:t>
             </a:r>
-            <a:endParaRPr lang="en-US" sz="1100">
+            <a:endParaRPr lang="en-US" sz="1100" dirty="0">
               <a:latin typeface="Consolas"/>
             </a:endParaRPr>
           </a:p>
@@ -4474,7 +4557,7 @@
               </a:rPr>
               <a:t>    }</a:t>
             </a:r>
-            <a:endParaRPr lang="en-US" sz="1100">
+            <a:endParaRPr lang="en-US" sz="1100" dirty="0">
               <a:latin typeface="Consolas"/>
             </a:endParaRPr>
           </a:p>
@@ -4487,7 +4570,7 @@
               </a:rPr>
               <a:t>  }</a:t>
             </a:r>
-            <a:endParaRPr lang="en-US" sz="1100">
+            <a:endParaRPr lang="en-US" sz="1100" dirty="0">
               <a:latin typeface="Consolas"/>
             </a:endParaRPr>
           </a:p>
@@ -5636,7 +5719,7 @@
           <p:cNvPr id="4" name="Title 3">
             <a:extLst>
               <a:ext uri="{FF2B5EF4-FFF2-40B4-BE49-F238E27FC236}">
-                <a16:creationId xmlns:a16="http://schemas.microsoft.com/office/drawing/2014/main" id="{357A928F-4C02-479F-87B5-613DD6B7E5D5}"/>
+                <a16:creationId xmlns:a16="http://schemas.microsoft.com/office/drawing/2014/main" id="{84CA475F-3AE0-456D-9A63-2387951201FC}"/>
               </a:ext>
             </a:extLst>
           </p:cNvPr>
@@ -5654,7 +5737,7 @@
           <a:p>
             <a:r>
               <a:rPr lang="en-US" dirty="0"/>
-              <a:t>Timer and PWM</a:t>
+              <a:t>UART</a:t>
             </a:r>
             <a:endParaRPr lang="en-HK" dirty="0"/>
           </a:p>
@@ -5665,7 +5748,7 @@
           <p:cNvPr id="5" name="Text Placeholder 4">
             <a:extLst>
               <a:ext uri="{FF2B5EF4-FFF2-40B4-BE49-F238E27FC236}">
-                <a16:creationId xmlns:a16="http://schemas.microsoft.com/office/drawing/2014/main" id="{1B5DE4E2-1ED4-4CBD-90B7-28E13EB45C1B}"/>
+                <a16:creationId xmlns:a16="http://schemas.microsoft.com/office/drawing/2014/main" id="{6E55FA59-493C-4320-9EFF-8F509D4F9BC6}"/>
               </a:ext>
             </a:extLst>
           </p:cNvPr>
@@ -5688,7 +5771,7 @@
     </p:spTree>
     <p:extLst>
       <p:ext uri="{BB962C8B-B14F-4D97-AF65-F5344CB8AC3E}">
-        <p14:creationId xmlns:p14="http://schemas.microsoft.com/office/powerpoint/2010/main" val="2386921782"/>
+        <p14:creationId xmlns:p14="http://schemas.microsoft.com/office/powerpoint/2010/main" val="2313483707"/>
       </p:ext>
     </p:extLst>
   </p:cSld>
@@ -5717,6 +5800,1933 @@
       </p:grpSpPr>
       <p:sp>
         <p:nvSpPr>
+          <p:cNvPr id="4" name="Title 3">
+            <a:extLst>
+              <a:ext uri="{FF2B5EF4-FFF2-40B4-BE49-F238E27FC236}">
+                <a16:creationId xmlns:a16="http://schemas.microsoft.com/office/drawing/2014/main" id="{AB0CE8B8-0CEF-45D2-BA8B-2EF195922D36}"/>
+              </a:ext>
+            </a:extLst>
+          </p:cNvPr>
+          <p:cNvSpPr>
+            <a:spLocks noGrp="1"/>
+          </p:cNvSpPr>
+          <p:nvPr>
+            <p:ph type="title"/>
+          </p:nvPr>
+        </p:nvSpPr>
+        <p:spPr/>
+        <p:txBody>
+          <a:bodyPr/>
+          <a:lstStyle/>
+          <a:p>
+            <a:r>
+              <a:rPr lang="en-US" dirty="0"/>
+              <a:t>Setup UART</a:t>
+            </a:r>
+            <a:endParaRPr lang="en-HK" dirty="0"/>
+          </a:p>
+        </p:txBody>
+      </p:sp>
+      <p:sp>
+        <p:nvSpPr>
+          <p:cNvPr id="5" name="Content Placeholder 4">
+            <a:extLst>
+              <a:ext uri="{FF2B5EF4-FFF2-40B4-BE49-F238E27FC236}">
+                <a16:creationId xmlns:a16="http://schemas.microsoft.com/office/drawing/2014/main" id="{FA049857-2EC5-4A90-8E77-884E4053CF5B}"/>
+              </a:ext>
+            </a:extLst>
+          </p:cNvPr>
+          <p:cNvSpPr>
+            <a:spLocks noGrp="1"/>
+          </p:cNvSpPr>
+          <p:nvPr>
+            <p:ph idx="1"/>
+          </p:nvPr>
+        </p:nvSpPr>
+        <p:spPr>
+          <a:xfrm>
+            <a:off x="838200" y="1825625"/>
+            <a:ext cx="4949414" cy="4351338"/>
+          </a:xfrm>
+        </p:spPr>
+        <p:txBody>
+          <a:bodyPr/>
+          <a:lstStyle/>
+          <a:p>
+            <a:r>
+              <a:rPr lang="en-US" dirty="0"/>
+              <a:t>Enable USART1 and set the Baud Rate to </a:t>
+            </a:r>
+            <a:r>
+              <a:rPr lang="en-US" dirty="0">
+                <a:solidFill>
+                  <a:srgbClr val="C00000"/>
+                </a:solidFill>
+              </a:rPr>
+              <a:t>9600</a:t>
+            </a:r>
+          </a:p>
+          <a:p>
+            <a:endParaRPr lang="en-HK" dirty="0"/>
+          </a:p>
+        </p:txBody>
+      </p:sp>
+      <p:pic>
+        <p:nvPicPr>
+          <p:cNvPr id="7" name="Picture 6">
+            <a:extLst>
+              <a:ext uri="{FF2B5EF4-FFF2-40B4-BE49-F238E27FC236}">
+                <a16:creationId xmlns:a16="http://schemas.microsoft.com/office/drawing/2014/main" id="{AC078ED6-4CB1-47B8-9B63-AB9CE8A8FFD3}"/>
+              </a:ext>
+            </a:extLst>
+          </p:cNvPr>
+          <p:cNvPicPr>
+            <a:picLocks noChangeAspect="1"/>
+          </p:cNvPicPr>
+          <p:nvPr/>
+        </p:nvPicPr>
+        <p:blipFill rotWithShape="1">
+          <a:blip r:embed="rId2"/>
+          <a:srcRect b="14009"/>
+          <a:stretch/>
+        </p:blipFill>
+        <p:spPr>
+          <a:xfrm>
+            <a:off x="6245678" y="260244"/>
+            <a:ext cx="5764338" cy="5897264"/>
+          </a:xfrm>
+          <a:prstGeom prst="rect">
+            <a:avLst/>
+          </a:prstGeom>
+        </p:spPr>
+      </p:pic>
+      <p:sp>
+        <p:nvSpPr>
+          <p:cNvPr id="8" name="Rectangle: Rounded Corners 7">
+            <a:extLst>
+              <a:ext uri="{FF2B5EF4-FFF2-40B4-BE49-F238E27FC236}">
+                <a16:creationId xmlns:a16="http://schemas.microsoft.com/office/drawing/2014/main" id="{CB068638-A407-44E8-9274-BE966AF84620}"/>
+              </a:ext>
+            </a:extLst>
+          </p:cNvPr>
+          <p:cNvSpPr/>
+          <p:nvPr/>
+        </p:nvSpPr>
+        <p:spPr>
+          <a:xfrm>
+            <a:off x="7957713" y="729675"/>
+            <a:ext cx="3944186" cy="205222"/>
+          </a:xfrm>
+          <a:prstGeom prst="roundRect">
+            <a:avLst/>
+          </a:prstGeom>
+          <a:noFill/>
+          <a:ln w="57150">
+            <a:solidFill>
+              <a:srgbClr val="C00000"/>
+            </a:solidFill>
+          </a:ln>
+        </p:spPr>
+        <p:style>
+          <a:lnRef idx="2">
+            <a:schemeClr val="accent1">
+              <a:shade val="50000"/>
+            </a:schemeClr>
+          </a:lnRef>
+          <a:fillRef idx="1">
+            <a:schemeClr val="accent1"/>
+          </a:fillRef>
+          <a:effectRef idx="0">
+            <a:schemeClr val="accent1"/>
+          </a:effectRef>
+          <a:fontRef idx="minor">
+            <a:schemeClr val="lt1"/>
+          </a:fontRef>
+        </p:style>
+        <p:txBody>
+          <a:bodyPr rtlCol="0" anchor="ctr"/>
+          <a:lstStyle/>
+          <a:p>
+            <a:pPr algn="ctr"/>
+            <a:endParaRPr lang="en-US" dirty="0"/>
+          </a:p>
+        </p:txBody>
+      </p:sp>
+      <p:sp>
+        <p:nvSpPr>
+          <p:cNvPr id="9" name="Rectangle: Rounded Corners 8">
+            <a:extLst>
+              <a:ext uri="{FF2B5EF4-FFF2-40B4-BE49-F238E27FC236}">
+                <a16:creationId xmlns:a16="http://schemas.microsoft.com/office/drawing/2014/main" id="{ACE22CE4-9AF0-44C9-8AFE-57BF85E66C4B}"/>
+              </a:ext>
+            </a:extLst>
+          </p:cNvPr>
+          <p:cNvSpPr/>
+          <p:nvPr/>
+        </p:nvSpPr>
+        <p:spPr>
+          <a:xfrm>
+            <a:off x="8012836" y="3304262"/>
+            <a:ext cx="3944186" cy="205222"/>
+          </a:xfrm>
+          <a:prstGeom prst="roundRect">
+            <a:avLst/>
+          </a:prstGeom>
+          <a:noFill/>
+          <a:ln w="57150">
+            <a:solidFill>
+              <a:srgbClr val="C00000"/>
+            </a:solidFill>
+          </a:ln>
+        </p:spPr>
+        <p:style>
+          <a:lnRef idx="2">
+            <a:schemeClr val="accent1">
+              <a:shade val="50000"/>
+            </a:schemeClr>
+          </a:lnRef>
+          <a:fillRef idx="1">
+            <a:schemeClr val="accent1"/>
+          </a:fillRef>
+          <a:effectRef idx="0">
+            <a:schemeClr val="accent1"/>
+          </a:effectRef>
+          <a:fontRef idx="minor">
+            <a:schemeClr val="lt1"/>
+          </a:fontRef>
+        </p:style>
+        <p:txBody>
+          <a:bodyPr rtlCol="0" anchor="ctr"/>
+          <a:lstStyle/>
+          <a:p>
+            <a:pPr algn="ctr"/>
+            <a:endParaRPr lang="en-US" dirty="0"/>
+          </a:p>
+        </p:txBody>
+      </p:sp>
+    </p:spTree>
+    <p:extLst>
+      <p:ext uri="{BB962C8B-B14F-4D97-AF65-F5344CB8AC3E}">
+        <p14:creationId xmlns:p14="http://schemas.microsoft.com/office/powerpoint/2010/main" val="2804101608"/>
+      </p:ext>
+    </p:extLst>
+  </p:cSld>
+  <p:clrMapOvr>
+    <a:masterClrMapping/>
+  </p:clrMapOvr>
+</p:sld>
+</file>
+
+<file path=ppt/slides/slide18.xml><?xml version="1.0" encoding="utf-8"?>
+<p:sld xmlns:a="http://schemas.openxmlformats.org/drawingml/2006/main" xmlns:r="http://schemas.openxmlformats.org/officeDocument/2006/relationships" xmlns:p="http://schemas.openxmlformats.org/presentationml/2006/main">
+  <p:cSld>
+    <p:spTree>
+      <p:nvGrpSpPr>
+        <p:cNvPr id="1" name=""/>
+        <p:cNvGrpSpPr/>
+        <p:nvPr/>
+      </p:nvGrpSpPr>
+      <p:grpSpPr>
+        <a:xfrm>
+          <a:off x="0" y="0"/>
+          <a:ext cx="0" cy="0"/>
+          <a:chOff x="0" y="0"/>
+          <a:chExt cx="0" cy="0"/>
+        </a:xfrm>
+      </p:grpSpPr>
+      <p:sp>
+        <p:nvSpPr>
+          <p:cNvPr id="2" name="Title 1">
+            <a:extLst>
+              <a:ext uri="{FF2B5EF4-FFF2-40B4-BE49-F238E27FC236}">
+                <a16:creationId xmlns:a16="http://schemas.microsoft.com/office/drawing/2014/main" id="{A400DC82-111E-4040-925C-93EB13EEF5D4}"/>
+              </a:ext>
+            </a:extLst>
+          </p:cNvPr>
+          <p:cNvSpPr>
+            <a:spLocks noGrp="1"/>
+          </p:cNvSpPr>
+          <p:nvPr>
+            <p:ph type="title"/>
+          </p:nvPr>
+        </p:nvSpPr>
+        <p:spPr/>
+        <p:txBody>
+          <a:bodyPr/>
+          <a:lstStyle/>
+          <a:p>
+            <a:endParaRPr lang="en-HK"/>
+          </a:p>
+        </p:txBody>
+      </p:sp>
+      <p:sp>
+        <p:nvSpPr>
+          <p:cNvPr id="3" name="Content Placeholder 2">
+            <a:extLst>
+              <a:ext uri="{FF2B5EF4-FFF2-40B4-BE49-F238E27FC236}">
+                <a16:creationId xmlns:a16="http://schemas.microsoft.com/office/drawing/2014/main" id="{A4E7449E-E1B6-414B-9E6B-843E157F45CC}"/>
+              </a:ext>
+            </a:extLst>
+          </p:cNvPr>
+          <p:cNvSpPr>
+            <a:spLocks noGrp="1"/>
+          </p:cNvSpPr>
+          <p:nvPr>
+            <p:ph idx="1"/>
+          </p:nvPr>
+        </p:nvSpPr>
+        <p:spPr>
+          <a:xfrm>
+            <a:off x="838200" y="1825625"/>
+            <a:ext cx="4784387" cy="4351338"/>
+          </a:xfrm>
+        </p:spPr>
+        <p:txBody>
+          <a:bodyPr/>
+          <a:lstStyle/>
+          <a:p>
+            <a:r>
+              <a:rPr lang="en-US" dirty="0"/>
+              <a:t>Enable interrupt in </a:t>
+            </a:r>
+            <a:r>
+              <a:rPr lang="en-US" dirty="0">
+                <a:solidFill>
+                  <a:srgbClr val="C00000"/>
+                </a:solidFill>
+              </a:rPr>
+              <a:t>NVIC Settings</a:t>
+            </a:r>
+          </a:p>
+          <a:p>
+            <a:r>
+              <a:rPr lang="en-US" dirty="0"/>
+              <a:t>Save and generate code</a:t>
+            </a:r>
+            <a:endParaRPr lang="en-HK" dirty="0">
+              <a:solidFill>
+                <a:srgbClr val="C00000"/>
+              </a:solidFill>
+            </a:endParaRPr>
+          </a:p>
+        </p:txBody>
+      </p:sp>
+      <p:pic>
+        <p:nvPicPr>
+          <p:cNvPr id="5" name="Picture 4">
+            <a:extLst>
+              <a:ext uri="{FF2B5EF4-FFF2-40B4-BE49-F238E27FC236}">
+                <a16:creationId xmlns:a16="http://schemas.microsoft.com/office/drawing/2014/main" id="{FBC0CB78-88BB-4142-8FAE-3D01C208D521}"/>
+              </a:ext>
+            </a:extLst>
+          </p:cNvPr>
+          <p:cNvPicPr>
+            <a:picLocks noChangeAspect="1"/>
+          </p:cNvPicPr>
+          <p:nvPr/>
+        </p:nvPicPr>
+        <p:blipFill>
+          <a:blip r:embed="rId2"/>
+          <a:stretch>
+            <a:fillRect/>
+          </a:stretch>
+        </p:blipFill>
+        <p:spPr>
+          <a:xfrm>
+            <a:off x="6569415" y="1960266"/>
+            <a:ext cx="4915586" cy="2314898"/>
+          </a:xfrm>
+          <a:prstGeom prst="rect">
+            <a:avLst/>
+          </a:prstGeom>
+        </p:spPr>
+      </p:pic>
+      <p:sp>
+        <p:nvSpPr>
+          <p:cNvPr id="6" name="Rectangle: Rounded Corners 5">
+            <a:extLst>
+              <a:ext uri="{FF2B5EF4-FFF2-40B4-BE49-F238E27FC236}">
+                <a16:creationId xmlns:a16="http://schemas.microsoft.com/office/drawing/2014/main" id="{F3F34E05-69A2-423A-B9F2-01F878DD2240}"/>
+              </a:ext>
+            </a:extLst>
+          </p:cNvPr>
+          <p:cNvSpPr/>
+          <p:nvPr/>
+        </p:nvSpPr>
+        <p:spPr>
+          <a:xfrm>
+            <a:off x="6534231" y="2983248"/>
+            <a:ext cx="4950770" cy="217151"/>
+          </a:xfrm>
+          <a:prstGeom prst="roundRect">
+            <a:avLst/>
+          </a:prstGeom>
+          <a:noFill/>
+          <a:ln w="57150">
+            <a:solidFill>
+              <a:srgbClr val="C00000"/>
+            </a:solidFill>
+          </a:ln>
+        </p:spPr>
+        <p:style>
+          <a:lnRef idx="2">
+            <a:schemeClr val="accent1">
+              <a:shade val="50000"/>
+            </a:schemeClr>
+          </a:lnRef>
+          <a:fillRef idx="1">
+            <a:schemeClr val="accent1"/>
+          </a:fillRef>
+          <a:effectRef idx="0">
+            <a:schemeClr val="accent1"/>
+          </a:effectRef>
+          <a:fontRef idx="minor">
+            <a:schemeClr val="lt1"/>
+          </a:fontRef>
+        </p:style>
+        <p:txBody>
+          <a:bodyPr rtlCol="0" anchor="ctr"/>
+          <a:lstStyle/>
+          <a:p>
+            <a:pPr algn="ctr"/>
+            <a:endParaRPr lang="en-US" dirty="0"/>
+          </a:p>
+        </p:txBody>
+      </p:sp>
+    </p:spTree>
+    <p:extLst>
+      <p:ext uri="{BB962C8B-B14F-4D97-AF65-F5344CB8AC3E}">
+        <p14:creationId xmlns:p14="http://schemas.microsoft.com/office/powerpoint/2010/main" val="2324313033"/>
+      </p:ext>
+    </p:extLst>
+  </p:cSld>
+  <p:clrMapOvr>
+    <a:masterClrMapping/>
+  </p:clrMapOvr>
+</p:sld>
+</file>
+
+<file path=ppt/slides/slide19.xml><?xml version="1.0" encoding="utf-8"?>
+<p:sld xmlns:a="http://schemas.openxmlformats.org/drawingml/2006/main" xmlns:r="http://schemas.openxmlformats.org/officeDocument/2006/relationships" xmlns:p="http://schemas.openxmlformats.org/presentationml/2006/main">
+  <p:cSld>
+    <p:spTree>
+      <p:nvGrpSpPr>
+        <p:cNvPr id="1" name=""/>
+        <p:cNvGrpSpPr/>
+        <p:nvPr/>
+      </p:nvGrpSpPr>
+      <p:grpSpPr>
+        <a:xfrm>
+          <a:off x="0" y="0"/>
+          <a:ext cx="0" cy="0"/>
+          <a:chOff x="0" y="0"/>
+          <a:chExt cx="0" cy="0"/>
+        </a:xfrm>
+      </p:grpSpPr>
+      <p:sp>
+        <p:nvSpPr>
+          <p:cNvPr id="2" name="Title 1">
+            <a:extLst>
+              <a:ext uri="{FF2B5EF4-FFF2-40B4-BE49-F238E27FC236}">
+                <a16:creationId xmlns:a16="http://schemas.microsoft.com/office/drawing/2014/main" id="{D80A04A1-8B10-4302-BE33-66ACDCE7C052}"/>
+              </a:ext>
+            </a:extLst>
+          </p:cNvPr>
+          <p:cNvSpPr>
+            <a:spLocks noGrp="1"/>
+          </p:cNvSpPr>
+          <p:nvPr>
+            <p:ph type="title"/>
+          </p:nvPr>
+        </p:nvSpPr>
+        <p:spPr/>
+        <p:txBody>
+          <a:bodyPr/>
+          <a:lstStyle/>
+          <a:p>
+            <a:endParaRPr lang="en-HK" dirty="0"/>
+          </a:p>
+        </p:txBody>
+      </p:sp>
+      <p:sp>
+        <p:nvSpPr>
+          <p:cNvPr id="3" name="Content Placeholder 2">
+            <a:extLst>
+              <a:ext uri="{FF2B5EF4-FFF2-40B4-BE49-F238E27FC236}">
+                <a16:creationId xmlns:a16="http://schemas.microsoft.com/office/drawing/2014/main" id="{051F9865-59C7-4910-BBF2-0F86D6F95DF8}"/>
+              </a:ext>
+            </a:extLst>
+          </p:cNvPr>
+          <p:cNvSpPr>
+            <a:spLocks noGrp="1"/>
+          </p:cNvSpPr>
+          <p:nvPr>
+            <p:ph idx="1"/>
+          </p:nvPr>
+        </p:nvSpPr>
+        <p:spPr>
+          <a:xfrm>
+            <a:off x="838200" y="1825625"/>
+            <a:ext cx="5045765" cy="2464273"/>
+          </a:xfrm>
+        </p:spPr>
+        <p:txBody>
+          <a:bodyPr/>
+          <a:lstStyle/>
+          <a:p>
+            <a:r>
+              <a:rPr lang="en-US" dirty="0"/>
+              <a:t>Enable float formatting in setting by right click the project-&gt; Properties -&gt; C/C++ Build -&gt; Settings -&gt; MCU settings -&gt; check </a:t>
+            </a:r>
+            <a:r>
+              <a:rPr lang="en-US" dirty="0">
+                <a:solidFill>
+                  <a:srgbClr val="C00000"/>
+                </a:solidFill>
+              </a:rPr>
+              <a:t>Use float with </a:t>
+            </a:r>
+            <a:r>
+              <a:rPr lang="en-US" dirty="0" err="1">
+                <a:solidFill>
+                  <a:srgbClr val="C00000"/>
+                </a:solidFill>
+              </a:rPr>
+              <a:t>printf</a:t>
+            </a:r>
+            <a:r>
+              <a:rPr lang="en-US" dirty="0">
+                <a:solidFill>
+                  <a:srgbClr val="C00000"/>
+                </a:solidFill>
+              </a:rPr>
+              <a:t>…</a:t>
+            </a:r>
+          </a:p>
+          <a:p>
+            <a:pPr marL="0" indent="0">
+              <a:buNone/>
+            </a:pPr>
+            <a:endParaRPr lang="en-HK" dirty="0">
+              <a:solidFill>
+                <a:srgbClr val="C00000"/>
+              </a:solidFill>
+            </a:endParaRPr>
+          </a:p>
+        </p:txBody>
+      </p:sp>
+      <p:pic>
+        <p:nvPicPr>
+          <p:cNvPr id="5" name="Picture 4">
+            <a:extLst>
+              <a:ext uri="{FF2B5EF4-FFF2-40B4-BE49-F238E27FC236}">
+                <a16:creationId xmlns:a16="http://schemas.microsoft.com/office/drawing/2014/main" id="{04E1E1ED-ADC4-46BC-A359-068E30F0B246}"/>
+              </a:ext>
+            </a:extLst>
+          </p:cNvPr>
+          <p:cNvPicPr>
+            <a:picLocks noChangeAspect="1"/>
+          </p:cNvPicPr>
+          <p:nvPr/>
+        </p:nvPicPr>
+        <p:blipFill>
+          <a:blip r:embed="rId2"/>
+          <a:stretch>
+            <a:fillRect/>
+          </a:stretch>
+        </p:blipFill>
+        <p:spPr>
+          <a:xfrm>
+            <a:off x="6001966" y="0"/>
+            <a:ext cx="6584323" cy="6858000"/>
+          </a:xfrm>
+          <a:prstGeom prst="rect">
+            <a:avLst/>
+          </a:prstGeom>
+        </p:spPr>
+      </p:pic>
+      <p:sp>
+        <p:nvSpPr>
+          <p:cNvPr id="6" name="Rectangle: Rounded Corners 5">
+            <a:extLst>
+              <a:ext uri="{FF2B5EF4-FFF2-40B4-BE49-F238E27FC236}">
+                <a16:creationId xmlns:a16="http://schemas.microsoft.com/office/drawing/2014/main" id="{3BD06AB0-4265-414D-AC64-52692C6C3540}"/>
+              </a:ext>
+            </a:extLst>
+          </p:cNvPr>
+          <p:cNvSpPr/>
+          <p:nvPr/>
+        </p:nvSpPr>
+        <p:spPr>
+          <a:xfrm>
+            <a:off x="9309369" y="2817879"/>
+            <a:ext cx="2723745" cy="178240"/>
+          </a:xfrm>
+          <a:prstGeom prst="roundRect">
+            <a:avLst/>
+          </a:prstGeom>
+          <a:noFill/>
+          <a:ln w="57150">
+            <a:solidFill>
+              <a:srgbClr val="C00000"/>
+            </a:solidFill>
+          </a:ln>
+        </p:spPr>
+        <p:style>
+          <a:lnRef idx="2">
+            <a:schemeClr val="accent1">
+              <a:shade val="50000"/>
+            </a:schemeClr>
+          </a:lnRef>
+          <a:fillRef idx="1">
+            <a:schemeClr val="accent1"/>
+          </a:fillRef>
+          <a:effectRef idx="0">
+            <a:schemeClr val="accent1"/>
+          </a:effectRef>
+          <a:fontRef idx="minor">
+            <a:schemeClr val="lt1"/>
+          </a:fontRef>
+        </p:style>
+        <p:txBody>
+          <a:bodyPr rtlCol="0" anchor="ctr"/>
+          <a:lstStyle/>
+          <a:p>
+            <a:pPr algn="ctr"/>
+            <a:endParaRPr lang="en-US" dirty="0"/>
+          </a:p>
+        </p:txBody>
+      </p:sp>
+    </p:spTree>
+    <p:extLst>
+      <p:ext uri="{BB962C8B-B14F-4D97-AF65-F5344CB8AC3E}">
+        <p14:creationId xmlns:p14="http://schemas.microsoft.com/office/powerpoint/2010/main" val="1242472313"/>
+      </p:ext>
+    </p:extLst>
+  </p:cSld>
+  <p:clrMapOvr>
+    <a:masterClrMapping/>
+  </p:clrMapOvr>
+</p:sld>
+</file>
+
+<file path=ppt/slides/slide2.xml><?xml version="1.0" encoding="utf-8"?>
+<p:sld xmlns:a="http://schemas.openxmlformats.org/drawingml/2006/main" xmlns:r="http://schemas.openxmlformats.org/officeDocument/2006/relationships" xmlns:p="http://schemas.openxmlformats.org/presentationml/2006/main">
+  <p:cSld>
+    <p:spTree>
+      <p:nvGrpSpPr>
+        <p:cNvPr id="1" name=""/>
+        <p:cNvGrpSpPr/>
+        <p:nvPr/>
+      </p:nvGrpSpPr>
+      <p:grpSpPr>
+        <a:xfrm>
+          <a:off x="0" y="0"/>
+          <a:ext cx="0" cy="0"/>
+          <a:chOff x="0" y="0"/>
+          <a:chExt cx="0" cy="0"/>
+        </a:xfrm>
+      </p:grpSpPr>
+      <p:sp>
+        <p:nvSpPr>
+          <p:cNvPr id="2" name="Title 1">
+            <a:extLst>
+              <a:ext uri="{FF2B5EF4-FFF2-40B4-BE49-F238E27FC236}">
+                <a16:creationId xmlns:a16="http://schemas.microsoft.com/office/drawing/2014/main" id="{085754C1-5ECC-4873-AAF0-B72294E10908}"/>
+              </a:ext>
+            </a:extLst>
+          </p:cNvPr>
+          <p:cNvSpPr>
+            <a:spLocks noGrp="1"/>
+          </p:cNvSpPr>
+          <p:nvPr>
+            <p:ph type="title"/>
+          </p:nvPr>
+        </p:nvSpPr>
+        <p:spPr/>
+        <p:txBody>
+          <a:bodyPr/>
+          <a:lstStyle/>
+          <a:p>
+            <a:r>
+              <a:rPr lang="en-US" dirty="0"/>
+              <a:t>Rundown</a:t>
+            </a:r>
+            <a:endParaRPr lang="en-HK" dirty="0"/>
+          </a:p>
+        </p:txBody>
+      </p:sp>
+      <p:sp>
+        <p:nvSpPr>
+          <p:cNvPr id="3" name="Content Placeholder 2">
+            <a:extLst>
+              <a:ext uri="{FF2B5EF4-FFF2-40B4-BE49-F238E27FC236}">
+                <a16:creationId xmlns:a16="http://schemas.microsoft.com/office/drawing/2014/main" id="{56D51CC8-D686-4382-BD47-7BC1625EA3A1}"/>
+              </a:ext>
+            </a:extLst>
+          </p:cNvPr>
+          <p:cNvSpPr>
+            <a:spLocks noGrp="1"/>
+          </p:cNvSpPr>
+          <p:nvPr>
+            <p:ph idx="1"/>
+          </p:nvPr>
+        </p:nvSpPr>
+        <p:spPr/>
+        <p:txBody>
+          <a:bodyPr/>
+          <a:lstStyle/>
+          <a:p>
+            <a:r>
+              <a:rPr lang="en-US" dirty="0"/>
+              <a:t>GPIO</a:t>
+            </a:r>
+            <a:r>
+              <a:rPr lang="en-HK" dirty="0"/>
+              <a:t> with blinking LED example</a:t>
+            </a:r>
+          </a:p>
+          <a:p>
+            <a:r>
+              <a:rPr lang="en-US" dirty="0"/>
+              <a:t>UART sending and receiving in interrupt mode</a:t>
+            </a:r>
+            <a:endParaRPr lang="en-HK" dirty="0"/>
+          </a:p>
+          <a:p>
+            <a:r>
+              <a:rPr lang="en-US" dirty="0"/>
+              <a:t>Timer and PWM with ultrasonic sensor example</a:t>
+            </a:r>
+          </a:p>
+          <a:p>
+            <a:endParaRPr lang="en-US" dirty="0"/>
+          </a:p>
+        </p:txBody>
+      </p:sp>
+    </p:spTree>
+    <p:extLst>
+      <p:ext uri="{BB962C8B-B14F-4D97-AF65-F5344CB8AC3E}">
+        <p14:creationId xmlns:p14="http://schemas.microsoft.com/office/powerpoint/2010/main" val="4117617884"/>
+      </p:ext>
+    </p:extLst>
+  </p:cSld>
+  <p:clrMapOvr>
+    <a:masterClrMapping/>
+  </p:clrMapOvr>
+</p:sld>
+</file>
+
+<file path=ppt/slides/slide20.xml><?xml version="1.0" encoding="utf-8"?>
+<p:sld xmlns:a="http://schemas.openxmlformats.org/drawingml/2006/main" xmlns:r="http://schemas.openxmlformats.org/officeDocument/2006/relationships" xmlns:p="http://schemas.openxmlformats.org/presentationml/2006/main">
+  <p:cSld>
+    <p:spTree>
+      <p:nvGrpSpPr>
+        <p:cNvPr id="1" name=""/>
+        <p:cNvGrpSpPr/>
+        <p:nvPr/>
+      </p:nvGrpSpPr>
+      <p:grpSpPr>
+        <a:xfrm>
+          <a:off x="0" y="0"/>
+          <a:ext cx="0" cy="0"/>
+          <a:chOff x="0" y="0"/>
+          <a:chExt cx="0" cy="0"/>
+        </a:xfrm>
+      </p:grpSpPr>
+      <p:sp>
+        <p:nvSpPr>
+          <p:cNvPr id="2" name="Title 1">
+            <a:extLst>
+              <a:ext uri="{FF2B5EF4-FFF2-40B4-BE49-F238E27FC236}">
+                <a16:creationId xmlns:a16="http://schemas.microsoft.com/office/drawing/2014/main" id="{10A6F85C-53F3-4486-91F8-3F6406982767}"/>
+              </a:ext>
+            </a:extLst>
+          </p:cNvPr>
+          <p:cNvSpPr>
+            <a:spLocks noGrp="1"/>
+          </p:cNvSpPr>
+          <p:nvPr>
+            <p:ph type="title"/>
+          </p:nvPr>
+        </p:nvSpPr>
+        <p:spPr/>
+        <p:txBody>
+          <a:bodyPr/>
+          <a:lstStyle/>
+          <a:p>
+            <a:r>
+              <a:rPr lang="en-US" dirty="0"/>
+              <a:t>Send data with interrupt	</a:t>
+            </a:r>
+            <a:endParaRPr lang="en-HK" dirty="0"/>
+          </a:p>
+        </p:txBody>
+      </p:sp>
+      <p:sp>
+        <p:nvSpPr>
+          <p:cNvPr id="3" name="Content Placeholder 2">
+            <a:extLst>
+              <a:ext uri="{FF2B5EF4-FFF2-40B4-BE49-F238E27FC236}">
+                <a16:creationId xmlns:a16="http://schemas.microsoft.com/office/drawing/2014/main" id="{9EB07193-79DD-4B34-9190-28DF3BA63888}"/>
+              </a:ext>
+            </a:extLst>
+          </p:cNvPr>
+          <p:cNvSpPr>
+            <a:spLocks noGrp="1"/>
+          </p:cNvSpPr>
+          <p:nvPr>
+            <p:ph idx="1"/>
+          </p:nvPr>
+        </p:nvSpPr>
+        <p:spPr>
+          <a:xfrm>
+            <a:off x="838200" y="1825625"/>
+            <a:ext cx="5257800" cy="4351338"/>
+          </a:xfrm>
+        </p:spPr>
+        <p:txBody>
+          <a:bodyPr/>
+          <a:lstStyle/>
+          <a:p>
+            <a:r>
+              <a:rPr lang="en-US" dirty="0"/>
+              <a:t>Use </a:t>
+            </a:r>
+            <a:r>
+              <a:rPr lang="en-US" dirty="0" err="1">
+                <a:solidFill>
+                  <a:srgbClr val="C00000"/>
+                </a:solidFill>
+              </a:rPr>
+              <a:t>HAL_UART_Transmit_IT</a:t>
+            </a:r>
+            <a:r>
+              <a:rPr lang="en-US" dirty="0">
+                <a:solidFill>
+                  <a:srgbClr val="C00000"/>
+                </a:solidFill>
+              </a:rPr>
+              <a:t>() </a:t>
+            </a:r>
+            <a:r>
+              <a:rPr lang="en-US" dirty="0"/>
+              <a:t>function to send data.</a:t>
+            </a:r>
+          </a:p>
+          <a:p>
+            <a:endParaRPr lang="en-HK" dirty="0"/>
+          </a:p>
+        </p:txBody>
+      </p:sp>
+      <p:sp>
+        <p:nvSpPr>
+          <p:cNvPr id="5" name="TextBox 4">
+            <a:extLst>
+              <a:ext uri="{FF2B5EF4-FFF2-40B4-BE49-F238E27FC236}">
+                <a16:creationId xmlns:a16="http://schemas.microsoft.com/office/drawing/2014/main" id="{31DF5A58-63A5-4136-B8B0-925CF3A2AF64}"/>
+              </a:ext>
+            </a:extLst>
+          </p:cNvPr>
+          <p:cNvSpPr txBox="1"/>
+          <p:nvPr/>
+        </p:nvSpPr>
+        <p:spPr>
+          <a:xfrm>
+            <a:off x="5797686" y="1815261"/>
+            <a:ext cx="6264612" cy="2800767"/>
+          </a:xfrm>
+          <a:prstGeom prst="rect">
+            <a:avLst/>
+          </a:prstGeom>
+          <a:noFill/>
+        </p:spPr>
+        <p:txBody>
+          <a:bodyPr rot="0" spcFirstLastPara="0" vertOverflow="overflow" horzOverflow="overflow" vert="horz" wrap="square" lIns="91440" tIns="45720" rIns="91440" bIns="45720" numCol="1" spcCol="0" rtlCol="0" fromWordArt="0" anchor="t" anchorCtr="0" forceAA="0" compatLnSpc="1">
+            <a:prstTxWarp prst="textNoShape">
+              <a:avLst/>
+            </a:prstTxWarp>
+            <a:spAutoFit/>
+          </a:bodyPr>
+          <a:lstStyle/>
+          <a:p>
+            <a:r>
+              <a:rPr lang="en-US" sz="1100" dirty="0">
+                <a:latin typeface="Consolas"/>
+                <a:ea typeface="+mn-lt"/>
+                <a:cs typeface="+mn-lt"/>
+              </a:rPr>
+              <a:t>char counter = 0;</a:t>
+            </a:r>
+          </a:p>
+          <a:p>
+            <a:r>
+              <a:rPr lang="en-US" sz="1100" dirty="0">
+                <a:latin typeface="Consolas"/>
+                <a:ea typeface="+mn-lt"/>
+                <a:cs typeface="+mn-lt"/>
+              </a:rPr>
+              <a:t>char buffer[16] = { 0 }; </a:t>
+            </a:r>
+          </a:p>
+          <a:p>
+            <a:endParaRPr lang="en-US" sz="1100" dirty="0">
+              <a:latin typeface="Consolas"/>
+              <a:ea typeface="+mn-lt"/>
+              <a:cs typeface="+mn-lt"/>
+            </a:endParaRPr>
+          </a:p>
+          <a:p>
+            <a:endParaRPr lang="en-US" sz="1100" dirty="0">
+              <a:latin typeface="Consolas"/>
+              <a:ea typeface="+mn-lt"/>
+              <a:cs typeface="+mn-lt"/>
+            </a:endParaRPr>
+          </a:p>
+          <a:p>
+            <a:r>
+              <a:rPr lang="en-US" sz="1100" dirty="0">
+                <a:latin typeface="Consolas"/>
+                <a:ea typeface="+mn-lt"/>
+                <a:cs typeface="+mn-lt"/>
+              </a:rPr>
+              <a:t>int main() {</a:t>
+            </a:r>
+          </a:p>
+          <a:p>
+            <a:r>
+              <a:rPr lang="en-US" sz="1100" dirty="0">
+                <a:latin typeface="Consolas"/>
+                <a:ea typeface="+mn-lt"/>
+                <a:cs typeface="+mn-lt"/>
+              </a:rPr>
+              <a:t>    char pause = 0;</a:t>
+            </a:r>
+          </a:p>
+          <a:p>
+            <a:endParaRPr lang="en-US" sz="1100" dirty="0">
+              <a:latin typeface="Consolas"/>
+              <a:ea typeface="+mn-lt"/>
+              <a:cs typeface="+mn-lt"/>
+            </a:endParaRPr>
+          </a:p>
+          <a:p>
+            <a:r>
+              <a:rPr lang="en-US" sz="1100" dirty="0">
+                <a:latin typeface="Consolas"/>
+                <a:ea typeface="+mn-lt"/>
+                <a:cs typeface="+mn-lt"/>
+              </a:rPr>
+              <a:t>    while(1) {</a:t>
+            </a:r>
+          </a:p>
+          <a:p>
+            <a:r>
+              <a:rPr lang="en-US" sz="1100" dirty="0">
+                <a:latin typeface="Consolas"/>
+                <a:ea typeface="+mn-lt"/>
+                <a:cs typeface="+mn-lt"/>
+              </a:rPr>
+              <a:t>        if (pause == 0) {</a:t>
+            </a:r>
+          </a:p>
+          <a:p>
+            <a:r>
+              <a:rPr lang="en-US" sz="1100" dirty="0">
+                <a:latin typeface="Consolas"/>
+                <a:ea typeface="+mn-lt"/>
+                <a:cs typeface="+mn-lt"/>
+              </a:rPr>
+              <a:t>            </a:t>
+            </a:r>
+            <a:r>
+              <a:rPr lang="en-US" sz="1100" dirty="0" err="1">
+                <a:latin typeface="Consolas"/>
+                <a:ea typeface="+mn-lt"/>
+                <a:cs typeface="+mn-lt"/>
+              </a:rPr>
+              <a:t>sprintf</a:t>
+            </a:r>
+            <a:r>
+              <a:rPr lang="en-US" sz="1100" dirty="0">
+                <a:latin typeface="Consolas"/>
+                <a:ea typeface="+mn-lt"/>
+                <a:cs typeface="+mn-lt"/>
+              </a:rPr>
+              <a:t>(buffer, "counter=%03d\n\r", counter++);</a:t>
+            </a:r>
+          </a:p>
+          <a:p>
+            <a:r>
+              <a:rPr lang="en-US" sz="1100" dirty="0">
+                <a:latin typeface="Consolas"/>
+                <a:ea typeface="+mn-lt"/>
+                <a:cs typeface="+mn-lt"/>
+              </a:rPr>
+              <a:t>	</a:t>
+            </a:r>
+            <a:r>
+              <a:rPr lang="en-US" sz="1100" dirty="0" err="1">
+                <a:latin typeface="Consolas"/>
+                <a:ea typeface="+mn-lt"/>
+                <a:cs typeface="+mn-lt"/>
+              </a:rPr>
+              <a:t>HAL_UART_Transmit_IT</a:t>
+            </a:r>
+            <a:r>
+              <a:rPr lang="en-US" sz="1100" dirty="0">
+                <a:latin typeface="Consolas"/>
+                <a:ea typeface="+mn-lt"/>
+                <a:cs typeface="+mn-lt"/>
+              </a:rPr>
+              <a:t>(&amp;huart1, (uint8_t*) buffer, </a:t>
+            </a:r>
+            <a:r>
+              <a:rPr lang="en-US" sz="1100" dirty="0" err="1">
+                <a:latin typeface="Consolas"/>
+                <a:ea typeface="+mn-lt"/>
+                <a:cs typeface="+mn-lt"/>
+              </a:rPr>
+              <a:t>strlen</a:t>
+            </a:r>
+            <a:r>
+              <a:rPr lang="en-US" sz="1100" dirty="0">
+                <a:latin typeface="Consolas"/>
+                <a:ea typeface="+mn-lt"/>
+                <a:cs typeface="+mn-lt"/>
+              </a:rPr>
+              <a:t>(buffer));</a:t>
+            </a:r>
+          </a:p>
+          <a:p>
+            <a:r>
+              <a:rPr lang="en-US" sz="1100" dirty="0">
+                <a:latin typeface="Consolas"/>
+                <a:ea typeface="+mn-lt"/>
+                <a:cs typeface="+mn-lt"/>
+              </a:rPr>
+              <a:t>        }</a:t>
+            </a:r>
+          </a:p>
+          <a:p>
+            <a:r>
+              <a:rPr lang="en-US" sz="1100" dirty="0">
+                <a:latin typeface="Consolas"/>
+                <a:ea typeface="+mn-lt"/>
+                <a:cs typeface="+mn-lt"/>
+              </a:rPr>
+              <a:t>        </a:t>
+            </a:r>
+            <a:r>
+              <a:rPr lang="en-US" sz="1100" dirty="0" err="1">
+                <a:latin typeface="Consolas"/>
+                <a:ea typeface="+mn-lt"/>
+                <a:cs typeface="+mn-lt"/>
+              </a:rPr>
+              <a:t>HAL_Delay</a:t>
+            </a:r>
+            <a:r>
+              <a:rPr lang="en-US" sz="1100" dirty="0">
+                <a:latin typeface="Consolas"/>
+                <a:ea typeface="+mn-lt"/>
+                <a:cs typeface="+mn-lt"/>
+              </a:rPr>
+              <a:t>(1000);</a:t>
+            </a:r>
+          </a:p>
+          <a:p>
+            <a:r>
+              <a:rPr lang="en-US" sz="1100" dirty="0">
+                <a:latin typeface="Consolas"/>
+                <a:ea typeface="+mn-lt"/>
+                <a:cs typeface="+mn-lt"/>
+              </a:rPr>
+              <a:t>    }</a:t>
+            </a:r>
+          </a:p>
+          <a:p>
+            <a:r>
+              <a:rPr lang="en-US" sz="1100" dirty="0">
+                <a:latin typeface="Consolas"/>
+                <a:ea typeface="+mn-lt"/>
+                <a:cs typeface="+mn-lt"/>
+              </a:rPr>
+              <a:t>}</a:t>
+            </a:r>
+          </a:p>
+          <a:p>
+            <a:endParaRPr lang="en-US" sz="1100" dirty="0">
+              <a:latin typeface="Consolas"/>
+              <a:ea typeface="+mn-lt"/>
+              <a:cs typeface="+mn-lt"/>
+            </a:endParaRPr>
+          </a:p>
+        </p:txBody>
+      </p:sp>
+    </p:spTree>
+    <p:extLst>
+      <p:ext uri="{BB962C8B-B14F-4D97-AF65-F5344CB8AC3E}">
+        <p14:creationId xmlns:p14="http://schemas.microsoft.com/office/powerpoint/2010/main" val="2966078274"/>
+      </p:ext>
+    </p:extLst>
+  </p:cSld>
+  <p:clrMapOvr>
+    <a:masterClrMapping/>
+  </p:clrMapOvr>
+</p:sld>
+</file>
+
+<file path=ppt/slides/slide21.xml><?xml version="1.0" encoding="utf-8"?>
+<p:sld xmlns:a="http://schemas.openxmlformats.org/drawingml/2006/main" xmlns:r="http://schemas.openxmlformats.org/officeDocument/2006/relationships" xmlns:p="http://schemas.openxmlformats.org/presentationml/2006/main">
+  <p:cSld>
+    <p:spTree>
+      <p:nvGrpSpPr>
+        <p:cNvPr id="1" name=""/>
+        <p:cNvGrpSpPr/>
+        <p:nvPr/>
+      </p:nvGrpSpPr>
+      <p:grpSpPr>
+        <a:xfrm>
+          <a:off x="0" y="0"/>
+          <a:ext cx="0" cy="0"/>
+          <a:chOff x="0" y="0"/>
+          <a:chExt cx="0" cy="0"/>
+        </a:xfrm>
+      </p:grpSpPr>
+      <p:sp>
+        <p:nvSpPr>
+          <p:cNvPr id="2" name="Title 1">
+            <a:extLst>
+              <a:ext uri="{FF2B5EF4-FFF2-40B4-BE49-F238E27FC236}">
+                <a16:creationId xmlns:a16="http://schemas.microsoft.com/office/drawing/2014/main" id="{3C6FAF5D-CFC7-46EE-A19A-05119836CAE4}"/>
+              </a:ext>
+            </a:extLst>
+          </p:cNvPr>
+          <p:cNvSpPr>
+            <a:spLocks noGrp="1"/>
+          </p:cNvSpPr>
+          <p:nvPr>
+            <p:ph type="title"/>
+          </p:nvPr>
+        </p:nvSpPr>
+        <p:spPr/>
+        <p:txBody>
+          <a:bodyPr/>
+          <a:lstStyle/>
+          <a:p>
+            <a:r>
+              <a:rPr lang="en-US" dirty="0"/>
+              <a:t>Receive data with interrupt</a:t>
+            </a:r>
+            <a:endParaRPr lang="en-HK" dirty="0"/>
+          </a:p>
+        </p:txBody>
+      </p:sp>
+      <p:sp>
+        <p:nvSpPr>
+          <p:cNvPr id="3" name="Content Placeholder 2">
+            <a:extLst>
+              <a:ext uri="{FF2B5EF4-FFF2-40B4-BE49-F238E27FC236}">
+                <a16:creationId xmlns:a16="http://schemas.microsoft.com/office/drawing/2014/main" id="{1B953A5A-CC88-429E-9D89-DDE601F3F297}"/>
+              </a:ext>
+            </a:extLst>
+          </p:cNvPr>
+          <p:cNvSpPr>
+            <a:spLocks noGrp="1"/>
+          </p:cNvSpPr>
+          <p:nvPr>
+            <p:ph idx="1"/>
+          </p:nvPr>
+        </p:nvSpPr>
+        <p:spPr>
+          <a:xfrm>
+            <a:off x="838200" y="1825625"/>
+            <a:ext cx="4764932" cy="4351338"/>
+          </a:xfrm>
+        </p:spPr>
+        <p:txBody>
+          <a:bodyPr/>
+          <a:lstStyle/>
+          <a:p>
+            <a:r>
+              <a:rPr lang="en-US" dirty="0"/>
+              <a:t>Use </a:t>
+            </a:r>
+            <a:r>
+              <a:rPr lang="en-US" dirty="0" err="1">
+                <a:solidFill>
+                  <a:srgbClr val="C00000"/>
+                </a:solidFill>
+              </a:rPr>
+              <a:t>HAL_UART_Receive_IT</a:t>
+            </a:r>
+            <a:r>
+              <a:rPr lang="en-US" dirty="0">
+                <a:solidFill>
+                  <a:srgbClr val="C00000"/>
+                </a:solidFill>
+              </a:rPr>
+              <a:t>() </a:t>
+            </a:r>
+            <a:r>
+              <a:rPr lang="en-US" dirty="0"/>
+              <a:t>to read data</a:t>
+            </a:r>
+          </a:p>
+          <a:p>
+            <a:r>
+              <a:rPr lang="en-HK" dirty="0"/>
+              <a:t>Interrupt will issue when the receiver get enough byte and run </a:t>
+            </a:r>
+            <a:r>
+              <a:rPr lang="en-HK" dirty="0" err="1">
+                <a:solidFill>
+                  <a:srgbClr val="C00000"/>
+                </a:solidFill>
+              </a:rPr>
+              <a:t>HAL_UART_RxCpltCallback</a:t>
+            </a:r>
+            <a:r>
+              <a:rPr lang="en-HK" dirty="0">
+                <a:solidFill>
+                  <a:srgbClr val="C00000"/>
+                </a:solidFill>
+              </a:rPr>
+              <a:t>() </a:t>
+            </a:r>
+            <a:r>
+              <a:rPr lang="en-HK" dirty="0"/>
+              <a:t>function</a:t>
+            </a:r>
+          </a:p>
+        </p:txBody>
+      </p:sp>
+      <p:sp>
+        <p:nvSpPr>
+          <p:cNvPr id="4" name="TextBox 3">
+            <a:extLst>
+              <a:ext uri="{FF2B5EF4-FFF2-40B4-BE49-F238E27FC236}">
+                <a16:creationId xmlns:a16="http://schemas.microsoft.com/office/drawing/2014/main" id="{717A612C-D66A-43E2-8609-DE8DED68F76B}"/>
+              </a:ext>
+            </a:extLst>
+          </p:cNvPr>
+          <p:cNvSpPr txBox="1"/>
+          <p:nvPr/>
+        </p:nvSpPr>
+        <p:spPr>
+          <a:xfrm>
+            <a:off x="5700409" y="1387244"/>
+            <a:ext cx="6264612" cy="5847755"/>
+          </a:xfrm>
+          <a:prstGeom prst="rect">
+            <a:avLst/>
+          </a:prstGeom>
+          <a:noFill/>
+        </p:spPr>
+        <p:txBody>
+          <a:bodyPr rot="0" spcFirstLastPara="0" vertOverflow="overflow" horzOverflow="overflow" vert="horz" wrap="square" lIns="91440" tIns="45720" rIns="91440" bIns="45720" numCol="1" spcCol="0" rtlCol="0" fromWordArt="0" anchor="t" anchorCtr="0" forceAA="0" compatLnSpc="1">
+            <a:prstTxWarp prst="textNoShape">
+              <a:avLst/>
+            </a:prstTxWarp>
+            <a:spAutoFit/>
+          </a:bodyPr>
+          <a:lstStyle/>
+          <a:p>
+            <a:r>
+              <a:rPr lang="en-US" sz="1100" dirty="0">
+                <a:latin typeface="Consolas"/>
+                <a:ea typeface="+mn-lt"/>
+                <a:cs typeface="+mn-lt"/>
+              </a:rPr>
+              <a:t>char counter = 0;</a:t>
+            </a:r>
+          </a:p>
+          <a:p>
+            <a:r>
+              <a:rPr lang="en-US" sz="1100" dirty="0">
+                <a:latin typeface="Consolas"/>
+                <a:ea typeface="+mn-lt"/>
+                <a:cs typeface="+mn-lt"/>
+              </a:rPr>
+              <a:t>char buffer[16] = { 0 }; </a:t>
+            </a:r>
+          </a:p>
+          <a:p>
+            <a:r>
+              <a:rPr lang="en-US" sz="1100" dirty="0">
+                <a:latin typeface="Consolas"/>
+                <a:ea typeface="+mn-lt"/>
+                <a:cs typeface="+mn-lt"/>
+              </a:rPr>
+              <a:t>char </a:t>
+            </a:r>
+            <a:r>
+              <a:rPr lang="en-US" sz="1100" dirty="0" err="1">
+                <a:latin typeface="Consolas"/>
+                <a:ea typeface="+mn-lt"/>
+                <a:cs typeface="+mn-lt"/>
+              </a:rPr>
+              <a:t>rx_buffer</a:t>
+            </a:r>
+            <a:r>
+              <a:rPr lang="en-US" sz="1100" dirty="0">
+                <a:latin typeface="Consolas"/>
+                <a:ea typeface="+mn-lt"/>
+                <a:cs typeface="+mn-lt"/>
+              </a:rPr>
+              <a:t>[16] = {0};</a:t>
+            </a:r>
+          </a:p>
+          <a:p>
+            <a:r>
+              <a:rPr lang="en-US" sz="1100" dirty="0">
+                <a:latin typeface="Consolas"/>
+                <a:ea typeface="+mn-lt"/>
+                <a:cs typeface="+mn-lt"/>
+              </a:rPr>
+              <a:t>_Bool </a:t>
+            </a:r>
+            <a:r>
+              <a:rPr lang="en-US" sz="1100" dirty="0" err="1">
+                <a:latin typeface="Consolas"/>
+                <a:ea typeface="+mn-lt"/>
+                <a:cs typeface="+mn-lt"/>
+              </a:rPr>
+              <a:t>uart_rx_int</a:t>
+            </a:r>
+            <a:r>
+              <a:rPr lang="en-US" sz="1100" dirty="0">
+                <a:latin typeface="Consolas"/>
+                <a:ea typeface="+mn-lt"/>
+                <a:cs typeface="+mn-lt"/>
+              </a:rPr>
+              <a:t> = 0;</a:t>
+            </a:r>
+          </a:p>
+          <a:p>
+            <a:endParaRPr lang="en-US" sz="1100" dirty="0">
+              <a:latin typeface="Consolas"/>
+              <a:ea typeface="+mn-lt"/>
+              <a:cs typeface="+mn-lt"/>
+            </a:endParaRPr>
+          </a:p>
+          <a:p>
+            <a:endParaRPr lang="en-US" sz="1100" dirty="0">
+              <a:latin typeface="Consolas"/>
+              <a:ea typeface="+mn-lt"/>
+              <a:cs typeface="+mn-lt"/>
+            </a:endParaRPr>
+          </a:p>
+          <a:p>
+            <a:r>
+              <a:rPr lang="en-US" sz="1100" dirty="0">
+                <a:latin typeface="Consolas"/>
+                <a:ea typeface="+mn-lt"/>
+                <a:cs typeface="+mn-lt"/>
+              </a:rPr>
+              <a:t>void </a:t>
+            </a:r>
+            <a:r>
+              <a:rPr lang="en-US" sz="1100" dirty="0" err="1">
+                <a:latin typeface="Consolas"/>
+                <a:ea typeface="+mn-lt"/>
+                <a:cs typeface="+mn-lt"/>
+              </a:rPr>
+              <a:t>HAL_UART_RxCpltCallback</a:t>
+            </a:r>
+            <a:r>
+              <a:rPr lang="en-US" sz="1100" dirty="0">
+                <a:latin typeface="Consolas"/>
+                <a:ea typeface="+mn-lt"/>
+                <a:cs typeface="+mn-lt"/>
+              </a:rPr>
+              <a:t>(</a:t>
+            </a:r>
+            <a:r>
+              <a:rPr lang="en-US" sz="1100" dirty="0" err="1">
+                <a:latin typeface="Consolas"/>
+                <a:ea typeface="+mn-lt"/>
+                <a:cs typeface="+mn-lt"/>
+              </a:rPr>
+              <a:t>UART_HandleTypeDef</a:t>
+            </a:r>
+            <a:r>
+              <a:rPr lang="en-US" sz="1100" dirty="0">
+                <a:latin typeface="Consolas"/>
+                <a:ea typeface="+mn-lt"/>
+                <a:cs typeface="+mn-lt"/>
+              </a:rPr>
+              <a:t> *</a:t>
+            </a:r>
+            <a:r>
+              <a:rPr lang="en-US" sz="1100" dirty="0" err="1">
+                <a:latin typeface="Consolas"/>
+                <a:ea typeface="+mn-lt"/>
+                <a:cs typeface="+mn-lt"/>
+              </a:rPr>
+              <a:t>huart</a:t>
+            </a:r>
+            <a:r>
+              <a:rPr lang="en-US" sz="1100" dirty="0">
+                <a:latin typeface="Consolas"/>
+                <a:ea typeface="+mn-lt"/>
+                <a:cs typeface="+mn-lt"/>
+              </a:rPr>
+              <a:t>) {</a:t>
+            </a:r>
+          </a:p>
+          <a:p>
+            <a:r>
+              <a:rPr lang="en-US" sz="1100" dirty="0">
+                <a:latin typeface="Consolas"/>
+                <a:ea typeface="+mn-lt"/>
+                <a:cs typeface="+mn-lt"/>
+              </a:rPr>
+              <a:t>    if (</a:t>
+            </a:r>
+            <a:r>
+              <a:rPr lang="en-US" sz="1100" dirty="0" err="1">
+                <a:latin typeface="Consolas"/>
+                <a:ea typeface="+mn-lt"/>
+                <a:cs typeface="+mn-lt"/>
+              </a:rPr>
+              <a:t>huart</a:t>
+            </a:r>
+            <a:r>
+              <a:rPr lang="en-US" sz="1100" dirty="0">
+                <a:latin typeface="Consolas"/>
+                <a:ea typeface="+mn-lt"/>
+                <a:cs typeface="+mn-lt"/>
+              </a:rPr>
+              <a:t> == &amp;huart1) { </a:t>
+            </a:r>
+            <a:r>
+              <a:rPr lang="en-US" sz="1100" dirty="0" err="1">
+                <a:latin typeface="Consolas"/>
+                <a:ea typeface="+mn-lt"/>
+                <a:cs typeface="+mn-lt"/>
+              </a:rPr>
+              <a:t>uart_rx_int</a:t>
+            </a:r>
+            <a:r>
+              <a:rPr lang="en-US" sz="1100" dirty="0">
+                <a:latin typeface="Consolas"/>
+                <a:ea typeface="+mn-lt"/>
+                <a:cs typeface="+mn-lt"/>
+              </a:rPr>
+              <a:t> = 1; }</a:t>
+            </a:r>
+          </a:p>
+          <a:p>
+            <a:r>
+              <a:rPr lang="en-US" sz="1100" dirty="0">
+                <a:latin typeface="Consolas"/>
+                <a:ea typeface="+mn-lt"/>
+                <a:cs typeface="+mn-lt"/>
+              </a:rPr>
+              <a:t>}</a:t>
+            </a:r>
+          </a:p>
+          <a:p>
+            <a:endParaRPr lang="en-US" sz="1100" dirty="0">
+              <a:latin typeface="Consolas"/>
+              <a:ea typeface="+mn-lt"/>
+              <a:cs typeface="+mn-lt"/>
+            </a:endParaRPr>
+          </a:p>
+          <a:p>
+            <a:r>
+              <a:rPr lang="en-US" sz="1100" dirty="0">
+                <a:latin typeface="Consolas"/>
+                <a:ea typeface="+mn-lt"/>
+                <a:cs typeface="+mn-lt"/>
+              </a:rPr>
+              <a:t>int main() {</a:t>
+            </a:r>
+          </a:p>
+          <a:p>
+            <a:r>
+              <a:rPr lang="en-US" sz="1100" dirty="0">
+                <a:latin typeface="Consolas"/>
+                <a:ea typeface="+mn-lt"/>
+                <a:cs typeface="+mn-lt"/>
+              </a:rPr>
+              <a:t>    _Bool pause = 0;</a:t>
+            </a:r>
+          </a:p>
+          <a:p>
+            <a:endParaRPr lang="en-US" sz="1100" dirty="0">
+              <a:latin typeface="Consolas"/>
+              <a:ea typeface="+mn-lt"/>
+              <a:cs typeface="+mn-lt"/>
+            </a:endParaRPr>
+          </a:p>
+          <a:p>
+            <a:r>
+              <a:rPr lang="en-US" sz="1100" dirty="0">
+                <a:latin typeface="Consolas"/>
+                <a:ea typeface="+mn-lt"/>
+                <a:cs typeface="+mn-lt"/>
+              </a:rPr>
+              <a:t>    while(1) {</a:t>
+            </a:r>
+          </a:p>
+          <a:p>
+            <a:r>
+              <a:rPr lang="en-US" sz="1100" dirty="0">
+                <a:latin typeface="Consolas"/>
+                <a:ea typeface="+mn-lt"/>
+                <a:cs typeface="+mn-lt"/>
+              </a:rPr>
+              <a:t>        if (pause == 0) {</a:t>
+            </a:r>
+          </a:p>
+          <a:p>
+            <a:r>
+              <a:rPr lang="en-US" sz="1100" dirty="0">
+                <a:latin typeface="Consolas"/>
+                <a:ea typeface="+mn-lt"/>
+                <a:cs typeface="+mn-lt"/>
+              </a:rPr>
+              <a:t>            </a:t>
+            </a:r>
+            <a:r>
+              <a:rPr lang="en-US" sz="1100" dirty="0" err="1">
+                <a:latin typeface="Consolas"/>
+                <a:ea typeface="+mn-lt"/>
+                <a:cs typeface="+mn-lt"/>
+              </a:rPr>
+              <a:t>sprintf</a:t>
+            </a:r>
+            <a:r>
+              <a:rPr lang="en-US" sz="1100" dirty="0">
+                <a:latin typeface="Consolas"/>
+                <a:ea typeface="+mn-lt"/>
+                <a:cs typeface="+mn-lt"/>
+              </a:rPr>
+              <a:t>(buffer, "counter=%03d\n\r", counter++);</a:t>
+            </a:r>
+          </a:p>
+          <a:p>
+            <a:r>
+              <a:rPr lang="en-US" sz="1100" dirty="0">
+                <a:latin typeface="Consolas"/>
+                <a:ea typeface="+mn-lt"/>
+                <a:cs typeface="+mn-lt"/>
+              </a:rPr>
+              <a:t>	</a:t>
+            </a:r>
+            <a:r>
+              <a:rPr lang="en-US" sz="1100" dirty="0" err="1">
+                <a:latin typeface="Consolas"/>
+                <a:ea typeface="+mn-lt"/>
+                <a:cs typeface="+mn-lt"/>
+              </a:rPr>
+              <a:t>HAL_UART_Transmit_IT</a:t>
+            </a:r>
+            <a:r>
+              <a:rPr lang="en-US" sz="1100" dirty="0">
+                <a:latin typeface="Consolas"/>
+                <a:ea typeface="+mn-lt"/>
+                <a:cs typeface="+mn-lt"/>
+              </a:rPr>
+              <a:t>(&amp;huart1, (uint8_t*) buffer, </a:t>
+            </a:r>
+            <a:r>
+              <a:rPr lang="en-US" sz="1100" dirty="0" err="1">
+                <a:latin typeface="Consolas"/>
+                <a:ea typeface="+mn-lt"/>
+                <a:cs typeface="+mn-lt"/>
+              </a:rPr>
+              <a:t>strlen</a:t>
+            </a:r>
+            <a:r>
+              <a:rPr lang="en-US" sz="1100" dirty="0">
+                <a:latin typeface="Consolas"/>
+                <a:ea typeface="+mn-lt"/>
+                <a:cs typeface="+mn-lt"/>
+              </a:rPr>
+              <a:t>(buffer));</a:t>
+            </a:r>
+          </a:p>
+          <a:p>
+            <a:r>
+              <a:rPr lang="en-US" sz="1100" dirty="0">
+                <a:latin typeface="Consolas"/>
+                <a:ea typeface="+mn-lt"/>
+                <a:cs typeface="+mn-lt"/>
+              </a:rPr>
+              <a:t>        }</a:t>
+            </a:r>
+          </a:p>
+          <a:p>
+            <a:r>
+              <a:rPr lang="en-US" sz="1100" dirty="0">
+                <a:latin typeface="Consolas"/>
+                <a:ea typeface="+mn-lt"/>
+                <a:cs typeface="+mn-lt"/>
+              </a:rPr>
+              <a:t>        if (</a:t>
+            </a:r>
+            <a:r>
+              <a:rPr lang="en-US" sz="1100" dirty="0" err="1">
+                <a:latin typeface="Consolas"/>
+                <a:ea typeface="+mn-lt"/>
+                <a:cs typeface="+mn-lt"/>
+              </a:rPr>
+              <a:t>uart_rx_int</a:t>
+            </a:r>
+            <a:r>
+              <a:rPr lang="en-US" sz="1100" dirty="0">
+                <a:latin typeface="Consolas"/>
+                <a:ea typeface="+mn-lt"/>
+                <a:cs typeface="+mn-lt"/>
+              </a:rPr>
+              <a:t> == 1) {</a:t>
+            </a:r>
+          </a:p>
+          <a:p>
+            <a:r>
+              <a:rPr lang="en-US" sz="1100" dirty="0">
+                <a:latin typeface="Consolas"/>
+                <a:ea typeface="+mn-lt"/>
+                <a:cs typeface="+mn-lt"/>
+              </a:rPr>
+              <a:t>            </a:t>
+            </a:r>
+            <a:r>
+              <a:rPr lang="en-US" sz="1100" dirty="0" err="1">
+                <a:latin typeface="Consolas"/>
+                <a:ea typeface="+mn-lt"/>
+                <a:cs typeface="+mn-lt"/>
+              </a:rPr>
+              <a:t>uart_rx_int</a:t>
+            </a:r>
+            <a:r>
+              <a:rPr lang="en-US" sz="1100" dirty="0">
+                <a:latin typeface="Consolas"/>
+                <a:ea typeface="+mn-lt"/>
+                <a:cs typeface="+mn-lt"/>
+              </a:rPr>
+              <a:t> = 0;</a:t>
+            </a:r>
+          </a:p>
+          <a:p>
+            <a:r>
+              <a:rPr lang="en-US" sz="1100" dirty="0">
+                <a:latin typeface="Consolas"/>
+                <a:ea typeface="+mn-lt"/>
+                <a:cs typeface="+mn-lt"/>
+              </a:rPr>
+              <a:t>            if (</a:t>
+            </a:r>
+            <a:r>
+              <a:rPr lang="en-US" sz="1100" dirty="0" err="1">
+                <a:latin typeface="Consolas"/>
+                <a:ea typeface="+mn-lt"/>
+                <a:cs typeface="+mn-lt"/>
+              </a:rPr>
+              <a:t>strncmp</a:t>
+            </a:r>
+            <a:r>
+              <a:rPr lang="en-US" sz="1100" dirty="0">
+                <a:latin typeface="Consolas"/>
+                <a:ea typeface="+mn-lt"/>
+                <a:cs typeface="+mn-lt"/>
+              </a:rPr>
+              <a:t>(command, "stop", 4) == 0) </a:t>
+            </a:r>
+          </a:p>
+          <a:p>
+            <a:r>
+              <a:rPr lang="en-US" sz="1100" dirty="0">
+                <a:latin typeface="Consolas"/>
+                <a:ea typeface="+mn-lt"/>
+                <a:cs typeface="+mn-lt"/>
+              </a:rPr>
+              <a:t>            {</a:t>
+            </a:r>
+          </a:p>
+          <a:p>
+            <a:r>
+              <a:rPr lang="en-US" sz="1100" dirty="0">
+                <a:latin typeface="Consolas"/>
+                <a:ea typeface="+mn-lt"/>
+                <a:cs typeface="+mn-lt"/>
+              </a:rPr>
+              <a:t>                pause = 1;</a:t>
+            </a:r>
+          </a:p>
+          <a:p>
+            <a:r>
+              <a:rPr lang="en-US" sz="1100" dirty="0">
+                <a:latin typeface="Consolas"/>
+                <a:ea typeface="+mn-lt"/>
+                <a:cs typeface="+mn-lt"/>
+              </a:rPr>
+              <a:t>            } else if (</a:t>
+            </a:r>
+            <a:r>
+              <a:rPr lang="en-US" sz="1100" dirty="0" err="1">
+                <a:latin typeface="Consolas"/>
+                <a:ea typeface="+mn-lt"/>
+                <a:cs typeface="+mn-lt"/>
+              </a:rPr>
+              <a:t>strncmp</a:t>
+            </a:r>
+            <a:r>
+              <a:rPr lang="en-US" sz="1100" dirty="0">
+                <a:latin typeface="Consolas"/>
+                <a:ea typeface="+mn-lt"/>
+                <a:cs typeface="+mn-lt"/>
+              </a:rPr>
+              <a:t>(command, "resume", 6) == 0) </a:t>
+            </a:r>
+          </a:p>
+          <a:p>
+            <a:r>
+              <a:rPr lang="en-US" sz="1100" dirty="0">
+                <a:latin typeface="Consolas"/>
+                <a:ea typeface="+mn-lt"/>
+                <a:cs typeface="+mn-lt"/>
+              </a:rPr>
+              <a:t>            {</a:t>
+            </a:r>
+          </a:p>
+          <a:p>
+            <a:r>
+              <a:rPr lang="en-US" sz="1100" dirty="0">
+                <a:latin typeface="Consolas"/>
+                <a:ea typeface="+mn-lt"/>
+                <a:cs typeface="+mn-lt"/>
+              </a:rPr>
+              <a:t>                pause = 0; </a:t>
+            </a:r>
+          </a:p>
+          <a:p>
+            <a:r>
+              <a:rPr lang="en-US" sz="1100" dirty="0">
+                <a:latin typeface="Consolas"/>
+                <a:ea typeface="+mn-lt"/>
+                <a:cs typeface="+mn-lt"/>
+              </a:rPr>
+              <a:t>            }</a:t>
+            </a:r>
+          </a:p>
+          <a:p>
+            <a:r>
+              <a:rPr lang="en-US" sz="1100" dirty="0">
+                <a:latin typeface="Consolas"/>
+                <a:ea typeface="+mn-lt"/>
+                <a:cs typeface="+mn-lt"/>
+              </a:rPr>
+              <a:t>        }</a:t>
+            </a:r>
+          </a:p>
+          <a:p>
+            <a:r>
+              <a:rPr lang="en-US" sz="1100" dirty="0">
+                <a:latin typeface="Consolas"/>
+                <a:ea typeface="+mn-lt"/>
+                <a:cs typeface="+mn-lt"/>
+              </a:rPr>
+              <a:t>        </a:t>
+            </a:r>
+            <a:r>
+              <a:rPr lang="en-US" sz="1100" dirty="0" err="1">
+                <a:latin typeface="Consolas"/>
+                <a:ea typeface="+mn-lt"/>
+                <a:cs typeface="+mn-lt"/>
+              </a:rPr>
+              <a:t>HAL_UART_Receive_IT</a:t>
+            </a:r>
+            <a:r>
+              <a:rPr lang="en-US" sz="1100" dirty="0">
+                <a:latin typeface="Consolas"/>
+                <a:ea typeface="+mn-lt"/>
+                <a:cs typeface="+mn-lt"/>
+              </a:rPr>
+              <a:t>(&amp;huart1, (uint8_t*) command, 6);</a:t>
+            </a:r>
+          </a:p>
+          <a:p>
+            <a:r>
+              <a:rPr lang="en-US" sz="1100" dirty="0">
+                <a:latin typeface="Consolas"/>
+                <a:ea typeface="+mn-lt"/>
+                <a:cs typeface="+mn-lt"/>
+              </a:rPr>
+              <a:t>        </a:t>
+            </a:r>
+            <a:r>
+              <a:rPr lang="en-US" sz="1100" dirty="0" err="1">
+                <a:latin typeface="Consolas"/>
+                <a:ea typeface="+mn-lt"/>
+                <a:cs typeface="+mn-lt"/>
+              </a:rPr>
+              <a:t>HAL_Delay</a:t>
+            </a:r>
+            <a:r>
+              <a:rPr lang="en-US" sz="1100" dirty="0">
+                <a:latin typeface="Consolas"/>
+                <a:ea typeface="+mn-lt"/>
+                <a:cs typeface="+mn-lt"/>
+              </a:rPr>
+              <a:t>(1000);</a:t>
+            </a:r>
+          </a:p>
+          <a:p>
+            <a:r>
+              <a:rPr lang="en-US" sz="1100" dirty="0">
+                <a:latin typeface="Consolas"/>
+                <a:ea typeface="+mn-lt"/>
+                <a:cs typeface="+mn-lt"/>
+              </a:rPr>
+              <a:t>    }</a:t>
+            </a:r>
+          </a:p>
+          <a:p>
+            <a:r>
+              <a:rPr lang="en-US" sz="1100" dirty="0">
+                <a:latin typeface="Consolas"/>
+                <a:ea typeface="+mn-lt"/>
+                <a:cs typeface="+mn-lt"/>
+              </a:rPr>
+              <a:t>}</a:t>
+            </a:r>
+          </a:p>
+          <a:p>
+            <a:endParaRPr lang="en-US" sz="1100" dirty="0">
+              <a:latin typeface="Consolas"/>
+              <a:ea typeface="+mn-lt"/>
+              <a:cs typeface="+mn-lt"/>
+            </a:endParaRPr>
+          </a:p>
+          <a:p>
+            <a:endParaRPr lang="en-US" sz="1100" dirty="0">
+              <a:latin typeface="Consolas"/>
+              <a:ea typeface="+mn-lt"/>
+              <a:cs typeface="+mn-lt"/>
+            </a:endParaRPr>
+          </a:p>
+        </p:txBody>
+      </p:sp>
+    </p:spTree>
+    <p:extLst>
+      <p:ext uri="{BB962C8B-B14F-4D97-AF65-F5344CB8AC3E}">
+        <p14:creationId xmlns:p14="http://schemas.microsoft.com/office/powerpoint/2010/main" val="847657413"/>
+      </p:ext>
+    </p:extLst>
+  </p:cSld>
+  <p:clrMapOvr>
+    <a:masterClrMapping/>
+  </p:clrMapOvr>
+</p:sld>
+</file>
+
+<file path=ppt/slides/slide22.xml><?xml version="1.0" encoding="utf-8"?>
+<p:sld xmlns:a="http://schemas.openxmlformats.org/drawingml/2006/main" xmlns:r="http://schemas.openxmlformats.org/officeDocument/2006/relationships" xmlns:p="http://schemas.openxmlformats.org/presentationml/2006/main">
+  <p:cSld>
+    <p:spTree>
+      <p:nvGrpSpPr>
+        <p:cNvPr id="1" name=""/>
+        <p:cNvGrpSpPr/>
+        <p:nvPr/>
+      </p:nvGrpSpPr>
+      <p:grpSpPr>
+        <a:xfrm>
+          <a:off x="0" y="0"/>
+          <a:ext cx="0" cy="0"/>
+          <a:chOff x="0" y="0"/>
+          <a:chExt cx="0" cy="0"/>
+        </a:xfrm>
+      </p:grpSpPr>
+      <p:sp>
+        <p:nvSpPr>
+          <p:cNvPr id="4" name="Title 3">
+            <a:extLst>
+              <a:ext uri="{FF2B5EF4-FFF2-40B4-BE49-F238E27FC236}">
+                <a16:creationId xmlns:a16="http://schemas.microsoft.com/office/drawing/2014/main" id="{357A928F-4C02-479F-87B5-613DD6B7E5D5}"/>
+              </a:ext>
+            </a:extLst>
+          </p:cNvPr>
+          <p:cNvSpPr>
+            <a:spLocks noGrp="1"/>
+          </p:cNvSpPr>
+          <p:nvPr>
+            <p:ph type="title"/>
+          </p:nvPr>
+        </p:nvSpPr>
+        <p:spPr/>
+        <p:txBody>
+          <a:bodyPr/>
+          <a:lstStyle/>
+          <a:p>
+            <a:r>
+              <a:rPr lang="en-US" dirty="0"/>
+              <a:t>Timer and PWM</a:t>
+            </a:r>
+            <a:endParaRPr lang="en-HK" dirty="0"/>
+          </a:p>
+        </p:txBody>
+      </p:sp>
+      <p:sp>
+        <p:nvSpPr>
+          <p:cNvPr id="5" name="Text Placeholder 4">
+            <a:extLst>
+              <a:ext uri="{FF2B5EF4-FFF2-40B4-BE49-F238E27FC236}">
+                <a16:creationId xmlns:a16="http://schemas.microsoft.com/office/drawing/2014/main" id="{1B5DE4E2-1ED4-4CBD-90B7-28E13EB45C1B}"/>
+              </a:ext>
+            </a:extLst>
+          </p:cNvPr>
+          <p:cNvSpPr>
+            <a:spLocks noGrp="1"/>
+          </p:cNvSpPr>
+          <p:nvPr>
+            <p:ph type="body" idx="1"/>
+          </p:nvPr>
+        </p:nvSpPr>
+        <p:spPr/>
+        <p:txBody>
+          <a:bodyPr/>
+          <a:lstStyle/>
+          <a:p>
+            <a:endParaRPr lang="en-HK"/>
+          </a:p>
+        </p:txBody>
+      </p:sp>
+    </p:spTree>
+    <p:extLst>
+      <p:ext uri="{BB962C8B-B14F-4D97-AF65-F5344CB8AC3E}">
+        <p14:creationId xmlns:p14="http://schemas.microsoft.com/office/powerpoint/2010/main" val="2386921782"/>
+      </p:ext>
+    </p:extLst>
+  </p:cSld>
+  <p:clrMapOvr>
+    <a:masterClrMapping/>
+  </p:clrMapOvr>
+</p:sld>
+</file>
+
+<file path=ppt/slides/slide23.xml><?xml version="1.0" encoding="utf-8"?>
+<p:sld xmlns:a="http://schemas.openxmlformats.org/drawingml/2006/main" xmlns:r="http://schemas.openxmlformats.org/officeDocument/2006/relationships" xmlns:p="http://schemas.openxmlformats.org/presentationml/2006/main">
+  <p:cSld>
+    <p:spTree>
+      <p:nvGrpSpPr>
+        <p:cNvPr id="1" name=""/>
+        <p:cNvGrpSpPr/>
+        <p:nvPr/>
+      </p:nvGrpSpPr>
+      <p:grpSpPr>
+        <a:xfrm>
+          <a:off x="0" y="0"/>
+          <a:ext cx="0" cy="0"/>
+          <a:chOff x="0" y="0"/>
+          <a:chExt cx="0" cy="0"/>
+        </a:xfrm>
+      </p:grpSpPr>
+      <p:sp>
+        <p:nvSpPr>
           <p:cNvPr id="2" name="Title 1">
             <a:extLst>
               <a:ext uri="{FF2B5EF4-FFF2-40B4-BE49-F238E27FC236}">
@@ -5944,7 +7954,7 @@
 </p:sld>
 </file>
 
-<file path=ppt/slides/slide18.xml><?xml version="1.0" encoding="utf-8"?>
+<file path=ppt/slides/slide24.xml><?xml version="1.0" encoding="utf-8"?>
 <p:sld xmlns:a="http://schemas.openxmlformats.org/drawingml/2006/main" xmlns:r="http://schemas.openxmlformats.org/officeDocument/2006/relationships" xmlns:p="http://schemas.openxmlformats.org/presentationml/2006/main">
   <p:cSld>
     <p:spTree>
@@ -6126,7 +8136,7 @@
 </p:sld>
 </file>
 
-<file path=ppt/slides/slide19.xml><?xml version="1.0" encoding="utf-8"?>
+<file path=ppt/slides/slide25.xml><?xml version="1.0" encoding="utf-8"?>
 <p:sld xmlns:a="http://schemas.openxmlformats.org/drawingml/2006/main" xmlns:r="http://schemas.openxmlformats.org/officeDocument/2006/relationships" xmlns:p="http://schemas.openxmlformats.org/presentationml/2006/main">
   <p:cSld>
     <p:spTree>
@@ -6455,113 +8465,7 @@
 </p:sld>
 </file>
 
-<file path=ppt/slides/slide2.xml><?xml version="1.0" encoding="utf-8"?>
-<p:sld xmlns:a="http://schemas.openxmlformats.org/drawingml/2006/main" xmlns:r="http://schemas.openxmlformats.org/officeDocument/2006/relationships" xmlns:p="http://schemas.openxmlformats.org/presentationml/2006/main">
-  <p:cSld>
-    <p:spTree>
-      <p:nvGrpSpPr>
-        <p:cNvPr id="1" name=""/>
-        <p:cNvGrpSpPr/>
-        <p:nvPr/>
-      </p:nvGrpSpPr>
-      <p:grpSpPr>
-        <a:xfrm>
-          <a:off x="0" y="0"/>
-          <a:ext cx="0" cy="0"/>
-          <a:chOff x="0" y="0"/>
-          <a:chExt cx="0" cy="0"/>
-        </a:xfrm>
-      </p:grpSpPr>
-      <p:sp>
-        <p:nvSpPr>
-          <p:cNvPr id="2" name="Title 1">
-            <a:extLst>
-              <a:ext uri="{FF2B5EF4-FFF2-40B4-BE49-F238E27FC236}">
-                <a16:creationId xmlns:a16="http://schemas.microsoft.com/office/drawing/2014/main" id="{085754C1-5ECC-4873-AAF0-B72294E10908}"/>
-              </a:ext>
-            </a:extLst>
-          </p:cNvPr>
-          <p:cNvSpPr>
-            <a:spLocks noGrp="1"/>
-          </p:cNvSpPr>
-          <p:nvPr>
-            <p:ph type="title"/>
-          </p:nvPr>
-        </p:nvSpPr>
-        <p:spPr/>
-        <p:txBody>
-          <a:bodyPr/>
-          <a:lstStyle/>
-          <a:p>
-            <a:r>
-              <a:rPr lang="en-US" dirty="0"/>
-              <a:t>Rundown</a:t>
-            </a:r>
-            <a:endParaRPr lang="en-HK" dirty="0"/>
-          </a:p>
-        </p:txBody>
-      </p:sp>
-      <p:sp>
-        <p:nvSpPr>
-          <p:cNvPr id="3" name="Content Placeholder 2">
-            <a:extLst>
-              <a:ext uri="{FF2B5EF4-FFF2-40B4-BE49-F238E27FC236}">
-                <a16:creationId xmlns:a16="http://schemas.microsoft.com/office/drawing/2014/main" id="{56D51CC8-D686-4382-BD47-7BC1625EA3A1}"/>
-              </a:ext>
-            </a:extLst>
-          </p:cNvPr>
-          <p:cNvSpPr>
-            <a:spLocks noGrp="1"/>
-          </p:cNvSpPr>
-          <p:nvPr>
-            <p:ph idx="1"/>
-          </p:nvPr>
-        </p:nvSpPr>
-        <p:spPr/>
-        <p:txBody>
-          <a:bodyPr/>
-          <a:lstStyle/>
-          <a:p>
-            <a:r>
-              <a:rPr lang="en-US" dirty="0"/>
-              <a:t>GPIO</a:t>
-            </a:r>
-            <a:r>
-              <a:rPr lang="en-HK" dirty="0"/>
-              <a:t> with blinking LED example</a:t>
-            </a:r>
-          </a:p>
-          <a:p>
-            <a:r>
-              <a:rPr lang="en-US" dirty="0"/>
-              <a:t>Timer and PWM with ultrasonic sensor example</a:t>
-            </a:r>
-          </a:p>
-          <a:p>
-            <a:r>
-              <a:rPr lang="en-US" dirty="0"/>
-              <a:t>UART sending and receiving in interrupt mode</a:t>
-            </a:r>
-          </a:p>
-          <a:p>
-            <a:endParaRPr lang="en-US" dirty="0"/>
-          </a:p>
-        </p:txBody>
-      </p:sp>
-    </p:spTree>
-    <p:extLst>
-      <p:ext uri="{BB962C8B-B14F-4D97-AF65-F5344CB8AC3E}">
-        <p14:creationId xmlns:p14="http://schemas.microsoft.com/office/powerpoint/2010/main" val="4117617884"/>
-      </p:ext>
-    </p:extLst>
-  </p:cSld>
-  <p:clrMapOvr>
-    <a:masterClrMapping/>
-  </p:clrMapOvr>
-</p:sld>
-</file>
-
-<file path=ppt/slides/slide20.xml><?xml version="1.0" encoding="utf-8"?>
+<file path=ppt/slides/slide26.xml><?xml version="1.0" encoding="utf-8"?>
 <p:sld xmlns:a="http://schemas.openxmlformats.org/drawingml/2006/main" xmlns:r="http://schemas.openxmlformats.org/officeDocument/2006/relationships" xmlns:p="http://schemas.openxmlformats.org/presentationml/2006/main">
   <p:cSld>
     <p:spTree>
@@ -6800,7 +8704,7 @@
 </p:sld>
 </file>
 
-<file path=ppt/slides/slide21.xml><?xml version="1.0" encoding="utf-8"?>
+<file path=ppt/slides/slide27.xml><?xml version="1.0" encoding="utf-8"?>
 <p:sld xmlns:a="http://schemas.openxmlformats.org/drawingml/2006/main" xmlns:r="http://schemas.openxmlformats.org/officeDocument/2006/relationships" xmlns:p="http://schemas.openxmlformats.org/presentationml/2006/main">
   <p:cSld>
     <p:spTree>
@@ -7310,7 +9214,7 @@
 </p:sld>
 </file>
 
-<file path=ppt/slides/slide22.xml><?xml version="1.0" encoding="utf-8"?>
+<file path=ppt/slides/slide28.xml><?xml version="1.0" encoding="utf-8"?>
 <p:sld xmlns:a="http://schemas.openxmlformats.org/drawingml/2006/main" xmlns:r="http://schemas.openxmlformats.org/officeDocument/2006/relationships" xmlns:p="http://schemas.openxmlformats.org/presentationml/2006/main">
   <p:cSld>
     <p:spTree>
@@ -7732,2092 +9636,6 @@
 </p:sld>
 </file>
 
-<file path=ppt/slides/slide23.xml><?xml version="1.0" encoding="utf-8"?>
-<p:sld xmlns:a="http://schemas.openxmlformats.org/drawingml/2006/main" xmlns:r="http://schemas.openxmlformats.org/officeDocument/2006/relationships" xmlns:p="http://schemas.openxmlformats.org/presentationml/2006/main">
-  <p:cSld>
-    <p:spTree>
-      <p:nvGrpSpPr>
-        <p:cNvPr id="1" name=""/>
-        <p:cNvGrpSpPr/>
-        <p:nvPr/>
-      </p:nvGrpSpPr>
-      <p:grpSpPr>
-        <a:xfrm>
-          <a:off x="0" y="0"/>
-          <a:ext cx="0" cy="0"/>
-          <a:chOff x="0" y="0"/>
-          <a:chExt cx="0" cy="0"/>
-        </a:xfrm>
-      </p:grpSpPr>
-      <p:sp>
-        <p:nvSpPr>
-          <p:cNvPr id="2" name="Title 1">
-            <a:extLst>
-              <a:ext uri="{FF2B5EF4-FFF2-40B4-BE49-F238E27FC236}">
-                <a16:creationId xmlns:a16="http://schemas.microsoft.com/office/drawing/2014/main" id="{257C2BD4-224D-4FFE-9670-BA8B38A7DFCC}"/>
-              </a:ext>
-            </a:extLst>
-          </p:cNvPr>
-          <p:cNvSpPr>
-            <a:spLocks noGrp="1"/>
-          </p:cNvSpPr>
-          <p:nvPr>
-            <p:ph type="title"/>
-          </p:nvPr>
-        </p:nvSpPr>
-        <p:spPr/>
-        <p:txBody>
-          <a:bodyPr/>
-          <a:lstStyle/>
-          <a:p>
-            <a:r>
-              <a:rPr lang="en-US" dirty="0"/>
-              <a:t>User code</a:t>
-            </a:r>
-            <a:endParaRPr lang="en-HK" dirty="0"/>
-          </a:p>
-        </p:txBody>
-      </p:sp>
-      <p:sp>
-        <p:nvSpPr>
-          <p:cNvPr id="3" name="Content Placeholder 2">
-            <a:extLst>
-              <a:ext uri="{FF2B5EF4-FFF2-40B4-BE49-F238E27FC236}">
-                <a16:creationId xmlns:a16="http://schemas.microsoft.com/office/drawing/2014/main" id="{E459DE43-5923-4F9A-81BE-C3FB48871B92}"/>
-              </a:ext>
-            </a:extLst>
-          </p:cNvPr>
-          <p:cNvSpPr>
-            <a:spLocks noGrp="1"/>
-          </p:cNvSpPr>
-          <p:nvPr>
-            <p:ph idx="1"/>
-          </p:nvPr>
-        </p:nvSpPr>
-        <p:spPr>
-          <a:xfrm>
-            <a:off x="838200" y="1825625"/>
-            <a:ext cx="5400230" cy="4351338"/>
-          </a:xfrm>
-        </p:spPr>
-        <p:txBody>
-          <a:bodyPr/>
-          <a:lstStyle/>
-          <a:p>
-            <a:r>
-              <a:rPr lang="en-US" dirty="0"/>
-              <a:t>Enable the PWM generation as the configuration</a:t>
-            </a:r>
-            <a:endParaRPr lang="en-HK" dirty="0"/>
-          </a:p>
-        </p:txBody>
-      </p:sp>
-      <p:sp>
-        <p:nvSpPr>
-          <p:cNvPr id="4" name="TextBox 3">
-            <a:extLst>
-              <a:ext uri="{FF2B5EF4-FFF2-40B4-BE49-F238E27FC236}">
-                <a16:creationId xmlns:a16="http://schemas.microsoft.com/office/drawing/2014/main" id="{3D24EAA8-65B8-405C-81B0-07DA3FE7DEE7}"/>
-              </a:ext>
-            </a:extLst>
-          </p:cNvPr>
-          <p:cNvSpPr txBox="1"/>
-          <p:nvPr/>
-        </p:nvSpPr>
-        <p:spPr>
-          <a:xfrm>
-            <a:off x="6388768" y="2132596"/>
-            <a:ext cx="5049252" cy="938719"/>
-          </a:xfrm>
-          <a:prstGeom prst="rect">
-            <a:avLst/>
-          </a:prstGeom>
-          <a:noFill/>
-        </p:spPr>
-        <p:txBody>
-          <a:bodyPr rot="0" spcFirstLastPara="0" vertOverflow="overflow" horzOverflow="overflow" vert="horz" wrap="square" lIns="91440" tIns="45720" rIns="91440" bIns="45720" numCol="1" spcCol="0" rtlCol="0" fromWordArt="0" anchor="t" anchorCtr="0" forceAA="0" compatLnSpc="1">
-            <a:prstTxWarp prst="textNoShape">
-              <a:avLst/>
-            </a:prstTxWarp>
-            <a:spAutoFit/>
-          </a:bodyPr>
-          <a:lstStyle/>
-          <a:p>
-            <a:r>
-              <a:rPr lang="en-US" sz="1100" dirty="0">
-                <a:latin typeface="Consolas"/>
-                <a:ea typeface="+mn-lt"/>
-                <a:cs typeface="+mn-lt"/>
-              </a:rPr>
-              <a:t>int main() {</a:t>
-            </a:r>
-          </a:p>
-          <a:p>
-            <a:r>
-              <a:rPr lang="en-US" sz="1100" dirty="0">
-                <a:latin typeface="Consolas"/>
-                <a:ea typeface="+mn-lt"/>
-                <a:cs typeface="+mn-lt"/>
-              </a:rPr>
-              <a:t>    ...</a:t>
-            </a:r>
-          </a:p>
-          <a:p>
-            <a:r>
-              <a:rPr lang="en-US" sz="1100" dirty="0">
-                <a:latin typeface="Consolas"/>
-                <a:ea typeface="+mn-lt"/>
-                <a:cs typeface="+mn-lt"/>
-              </a:rPr>
-              <a:t>    </a:t>
-            </a:r>
-            <a:r>
-              <a:rPr lang="en-US" sz="1100" dirty="0" err="1">
-                <a:latin typeface="Consolas"/>
-                <a:ea typeface="+mn-lt"/>
-                <a:cs typeface="+mn-lt"/>
-              </a:rPr>
-              <a:t>HAL_TIM_PWM_Start</a:t>
-            </a:r>
-            <a:r>
-              <a:rPr lang="en-US" sz="1100" dirty="0">
-                <a:latin typeface="Consolas"/>
-                <a:ea typeface="+mn-lt"/>
-                <a:cs typeface="+mn-lt"/>
-              </a:rPr>
-              <a:t>(&amp;htim3, TIM_CHANNEL_3);</a:t>
-            </a:r>
-          </a:p>
-          <a:p>
-            <a:r>
-              <a:rPr lang="en-US" sz="1100" dirty="0">
-                <a:latin typeface="Consolas"/>
-                <a:ea typeface="+mn-lt"/>
-                <a:cs typeface="+mn-lt"/>
-              </a:rPr>
-              <a:t>    while (1){...}</a:t>
-            </a:r>
-          </a:p>
-          <a:p>
-            <a:r>
-              <a:rPr lang="en-US" sz="1100" dirty="0">
-                <a:latin typeface="Consolas"/>
-                <a:ea typeface="+mn-lt"/>
-                <a:cs typeface="+mn-lt"/>
-              </a:rPr>
-              <a:t>}</a:t>
-            </a:r>
-            <a:endParaRPr lang="en-US" dirty="0">
-              <a:ea typeface="+mn-lt"/>
-              <a:cs typeface="+mn-lt"/>
-            </a:endParaRPr>
-          </a:p>
-        </p:txBody>
-      </p:sp>
-    </p:spTree>
-    <p:extLst>
-      <p:ext uri="{BB962C8B-B14F-4D97-AF65-F5344CB8AC3E}">
-        <p14:creationId xmlns:p14="http://schemas.microsoft.com/office/powerpoint/2010/main" val="149410324"/>
-      </p:ext>
-    </p:extLst>
-  </p:cSld>
-  <p:clrMapOvr>
-    <a:masterClrMapping/>
-  </p:clrMapOvr>
-</p:sld>
-</file>
-
-<file path=ppt/slides/slide24.xml><?xml version="1.0" encoding="utf-8"?>
-<p:sld xmlns:a="http://schemas.openxmlformats.org/drawingml/2006/main" xmlns:r="http://schemas.openxmlformats.org/officeDocument/2006/relationships" xmlns:p="http://schemas.openxmlformats.org/presentationml/2006/main">
-  <p:cSld>
-    <p:spTree>
-      <p:nvGrpSpPr>
-        <p:cNvPr id="1" name=""/>
-        <p:cNvGrpSpPr/>
-        <p:nvPr/>
-      </p:nvGrpSpPr>
-      <p:grpSpPr>
-        <a:xfrm>
-          <a:off x="0" y="0"/>
-          <a:ext cx="0" cy="0"/>
-          <a:chOff x="0" y="0"/>
-          <a:chExt cx="0" cy="0"/>
-        </a:xfrm>
-      </p:grpSpPr>
-      <p:sp>
-        <p:nvSpPr>
-          <p:cNvPr id="2" name="Title 1">
-            <a:extLst>
-              <a:ext uri="{FF2B5EF4-FFF2-40B4-BE49-F238E27FC236}">
-                <a16:creationId xmlns:a16="http://schemas.microsoft.com/office/drawing/2014/main" id="{F18289CD-877E-4C34-A08D-AC71531CFB2B}"/>
-              </a:ext>
-            </a:extLst>
-          </p:cNvPr>
-          <p:cNvSpPr>
-            <a:spLocks noGrp="1"/>
-          </p:cNvSpPr>
-          <p:nvPr>
-            <p:ph type="title"/>
-          </p:nvPr>
-        </p:nvSpPr>
-        <p:spPr/>
-        <p:txBody>
-          <a:bodyPr/>
-          <a:lstStyle/>
-          <a:p>
-            <a:r>
-              <a:rPr lang="en-US" dirty="0"/>
-              <a:t>Setup Timer for Input Capture</a:t>
-            </a:r>
-            <a:endParaRPr lang="en-HK" dirty="0"/>
-          </a:p>
-        </p:txBody>
-      </p:sp>
-      <p:sp>
-        <p:nvSpPr>
-          <p:cNvPr id="3" name="Content Placeholder 2">
-            <a:extLst>
-              <a:ext uri="{FF2B5EF4-FFF2-40B4-BE49-F238E27FC236}">
-                <a16:creationId xmlns:a16="http://schemas.microsoft.com/office/drawing/2014/main" id="{9310D425-FA22-4D96-BA50-660F87CB1557}"/>
-              </a:ext>
-            </a:extLst>
-          </p:cNvPr>
-          <p:cNvSpPr>
-            <a:spLocks noGrp="1"/>
-          </p:cNvSpPr>
-          <p:nvPr>
-            <p:ph idx="1"/>
-          </p:nvPr>
-        </p:nvSpPr>
-        <p:spPr>
-          <a:xfrm>
-            <a:off x="838200" y="1825625"/>
-            <a:ext cx="5101840" cy="4351338"/>
-          </a:xfrm>
-        </p:spPr>
-        <p:txBody>
-          <a:bodyPr/>
-          <a:lstStyle/>
-          <a:p>
-            <a:r>
-              <a:rPr lang="en-US" dirty="0"/>
-              <a:t>Change TIM1 Channel 1 to </a:t>
-            </a:r>
-            <a:r>
-              <a:rPr lang="en-US" dirty="0">
-                <a:solidFill>
-                  <a:srgbClr val="C00000"/>
-                </a:solidFill>
-              </a:rPr>
-              <a:t>Input Capture direct mode</a:t>
-            </a:r>
-          </a:p>
-          <a:p>
-            <a:r>
-              <a:rPr lang="en-HK" dirty="0"/>
-              <a:t>Configure </a:t>
-            </a:r>
-            <a:r>
-              <a:rPr lang="en-HK" dirty="0">
-                <a:solidFill>
-                  <a:srgbClr val="C00000"/>
-                </a:solidFill>
-              </a:rPr>
-              <a:t>Pre-scaler</a:t>
-            </a:r>
-            <a:r>
-              <a:rPr lang="en-HK" dirty="0"/>
-              <a:t> to 48 – 1 and </a:t>
-            </a:r>
-            <a:r>
-              <a:rPr lang="en-HK" dirty="0">
-                <a:solidFill>
-                  <a:srgbClr val="C00000"/>
-                </a:solidFill>
-              </a:rPr>
-              <a:t>Counter Period</a:t>
-            </a:r>
-            <a:r>
-              <a:rPr lang="en-HK" dirty="0"/>
-              <a:t> to 0xffff – 1</a:t>
-            </a:r>
-          </a:p>
-          <a:p>
-            <a:endParaRPr lang="en-HK" dirty="0"/>
-          </a:p>
-          <a:p>
-            <a:endParaRPr lang="en-HK" dirty="0"/>
-          </a:p>
-        </p:txBody>
-      </p:sp>
-      <p:pic>
-        <p:nvPicPr>
-          <p:cNvPr id="5" name="Picture 4">
-            <a:extLst>
-              <a:ext uri="{FF2B5EF4-FFF2-40B4-BE49-F238E27FC236}">
-                <a16:creationId xmlns:a16="http://schemas.microsoft.com/office/drawing/2014/main" id="{A61DD11B-60CC-473C-8321-6443752808A6}"/>
-              </a:ext>
-            </a:extLst>
-          </p:cNvPr>
-          <p:cNvPicPr>
-            <a:picLocks noChangeAspect="1"/>
-          </p:cNvPicPr>
-          <p:nvPr/>
-        </p:nvPicPr>
-        <p:blipFill>
-          <a:blip r:embed="rId2"/>
-          <a:stretch>
-            <a:fillRect/>
-          </a:stretch>
-        </p:blipFill>
-        <p:spPr>
-          <a:xfrm>
-            <a:off x="6096000" y="1391055"/>
-            <a:ext cx="5198706" cy="5466945"/>
-          </a:xfrm>
-          <a:prstGeom prst="rect">
-            <a:avLst/>
-          </a:prstGeom>
-        </p:spPr>
-      </p:pic>
-      <p:sp>
-        <p:nvSpPr>
-          <p:cNvPr id="6" name="Rectangle: Rounded Corners 5">
-            <a:extLst>
-              <a:ext uri="{FF2B5EF4-FFF2-40B4-BE49-F238E27FC236}">
-                <a16:creationId xmlns:a16="http://schemas.microsoft.com/office/drawing/2014/main" id="{77A1155F-9932-43B0-A3D1-D21EF173BD4C}"/>
-              </a:ext>
-            </a:extLst>
-          </p:cNvPr>
-          <p:cNvSpPr/>
-          <p:nvPr/>
-        </p:nvSpPr>
-        <p:spPr>
-          <a:xfrm>
-            <a:off x="8546129" y="4950438"/>
-            <a:ext cx="2636770" cy="145900"/>
-          </a:xfrm>
-          <a:prstGeom prst="roundRect">
-            <a:avLst/>
-          </a:prstGeom>
-          <a:noFill/>
-          <a:ln w="57150">
-            <a:solidFill>
-              <a:srgbClr val="C00000"/>
-            </a:solidFill>
-          </a:ln>
-        </p:spPr>
-        <p:style>
-          <a:lnRef idx="2">
-            <a:schemeClr val="accent1">
-              <a:shade val="50000"/>
-            </a:schemeClr>
-          </a:lnRef>
-          <a:fillRef idx="1">
-            <a:schemeClr val="accent1"/>
-          </a:fillRef>
-          <a:effectRef idx="0">
-            <a:schemeClr val="accent1"/>
-          </a:effectRef>
-          <a:fontRef idx="minor">
-            <a:schemeClr val="lt1"/>
-          </a:fontRef>
-        </p:style>
-        <p:txBody>
-          <a:bodyPr rtlCol="0" anchor="ctr"/>
-          <a:lstStyle/>
-          <a:p>
-            <a:pPr algn="ctr"/>
-            <a:endParaRPr lang="en-US" dirty="0"/>
-          </a:p>
-        </p:txBody>
-      </p:sp>
-      <p:sp>
-        <p:nvSpPr>
-          <p:cNvPr id="7" name="Rectangle: Rounded Corners 6">
-            <a:extLst>
-              <a:ext uri="{FF2B5EF4-FFF2-40B4-BE49-F238E27FC236}">
-                <a16:creationId xmlns:a16="http://schemas.microsoft.com/office/drawing/2014/main" id="{95147C30-B37D-4C53-827B-D8D3F9279BDC}"/>
-              </a:ext>
-            </a:extLst>
-          </p:cNvPr>
-          <p:cNvSpPr/>
-          <p:nvPr/>
-        </p:nvSpPr>
-        <p:spPr>
-          <a:xfrm>
-            <a:off x="8546129" y="5220751"/>
-            <a:ext cx="2672438" cy="145900"/>
-          </a:xfrm>
-          <a:prstGeom prst="roundRect">
-            <a:avLst/>
-          </a:prstGeom>
-          <a:noFill/>
-          <a:ln w="57150">
-            <a:solidFill>
-              <a:srgbClr val="C00000"/>
-            </a:solidFill>
-          </a:ln>
-        </p:spPr>
-        <p:style>
-          <a:lnRef idx="2">
-            <a:schemeClr val="accent1">
-              <a:shade val="50000"/>
-            </a:schemeClr>
-          </a:lnRef>
-          <a:fillRef idx="1">
-            <a:schemeClr val="accent1"/>
-          </a:fillRef>
-          <a:effectRef idx="0">
-            <a:schemeClr val="accent1"/>
-          </a:effectRef>
-          <a:fontRef idx="minor">
-            <a:schemeClr val="lt1"/>
-          </a:fontRef>
-        </p:style>
-        <p:txBody>
-          <a:bodyPr rtlCol="0" anchor="ctr"/>
-          <a:lstStyle/>
-          <a:p>
-            <a:pPr algn="ctr"/>
-            <a:endParaRPr lang="en-US" dirty="0"/>
-          </a:p>
-        </p:txBody>
-      </p:sp>
-      <p:sp>
-        <p:nvSpPr>
-          <p:cNvPr id="8" name="Rectangle: Rounded Corners 7">
-            <a:extLst>
-              <a:ext uri="{FF2B5EF4-FFF2-40B4-BE49-F238E27FC236}">
-                <a16:creationId xmlns:a16="http://schemas.microsoft.com/office/drawing/2014/main" id="{C253D7B2-A1F1-41F4-8607-399E1649AA48}"/>
-              </a:ext>
-            </a:extLst>
-          </p:cNvPr>
-          <p:cNvSpPr/>
-          <p:nvPr/>
-        </p:nvSpPr>
-        <p:spPr>
-          <a:xfrm>
-            <a:off x="8501976" y="2274181"/>
-            <a:ext cx="2636770" cy="145900"/>
-          </a:xfrm>
-          <a:prstGeom prst="roundRect">
-            <a:avLst/>
-          </a:prstGeom>
-          <a:noFill/>
-          <a:ln w="57150">
-            <a:solidFill>
-              <a:srgbClr val="C00000"/>
-            </a:solidFill>
-          </a:ln>
-        </p:spPr>
-        <p:style>
-          <a:lnRef idx="2">
-            <a:schemeClr val="accent1">
-              <a:shade val="50000"/>
-            </a:schemeClr>
-          </a:lnRef>
-          <a:fillRef idx="1">
-            <a:schemeClr val="accent1"/>
-          </a:fillRef>
-          <a:effectRef idx="0">
-            <a:schemeClr val="accent1"/>
-          </a:effectRef>
-          <a:fontRef idx="minor">
-            <a:schemeClr val="lt1"/>
-          </a:fontRef>
-        </p:style>
-        <p:txBody>
-          <a:bodyPr rtlCol="0" anchor="ctr"/>
-          <a:lstStyle/>
-          <a:p>
-            <a:pPr algn="ctr"/>
-            <a:endParaRPr lang="en-US" dirty="0"/>
-          </a:p>
-        </p:txBody>
-      </p:sp>
-    </p:spTree>
-    <p:extLst>
-      <p:ext uri="{BB962C8B-B14F-4D97-AF65-F5344CB8AC3E}">
-        <p14:creationId xmlns:p14="http://schemas.microsoft.com/office/powerpoint/2010/main" val="1833161037"/>
-      </p:ext>
-    </p:extLst>
-  </p:cSld>
-  <p:clrMapOvr>
-    <a:masterClrMapping/>
-  </p:clrMapOvr>
-</p:sld>
-</file>
-
-<file path=ppt/slides/slide25.xml><?xml version="1.0" encoding="utf-8"?>
-<p:sld xmlns:a="http://schemas.openxmlformats.org/drawingml/2006/main" xmlns:r="http://schemas.openxmlformats.org/officeDocument/2006/relationships" xmlns:p="http://schemas.openxmlformats.org/presentationml/2006/main">
-  <p:cSld>
-    <p:spTree>
-      <p:nvGrpSpPr>
-        <p:cNvPr id="1" name=""/>
-        <p:cNvGrpSpPr/>
-        <p:nvPr/>
-      </p:nvGrpSpPr>
-      <p:grpSpPr>
-        <a:xfrm>
-          <a:off x="0" y="0"/>
-          <a:ext cx="0" cy="0"/>
-          <a:chOff x="0" y="0"/>
-          <a:chExt cx="0" cy="0"/>
-        </a:xfrm>
-      </p:grpSpPr>
-      <p:sp>
-        <p:nvSpPr>
-          <p:cNvPr id="2" name="Title 1">
-            <a:extLst>
-              <a:ext uri="{FF2B5EF4-FFF2-40B4-BE49-F238E27FC236}">
-                <a16:creationId xmlns:a16="http://schemas.microsoft.com/office/drawing/2014/main" id="{1DDED15C-D0F8-4012-9AE3-5EDF5984AA8E}"/>
-              </a:ext>
-            </a:extLst>
-          </p:cNvPr>
-          <p:cNvSpPr>
-            <a:spLocks noGrp="1"/>
-          </p:cNvSpPr>
-          <p:nvPr>
-            <p:ph type="title"/>
-          </p:nvPr>
-        </p:nvSpPr>
-        <p:spPr/>
-        <p:txBody>
-          <a:bodyPr/>
-          <a:lstStyle/>
-          <a:p>
-            <a:r>
-              <a:rPr lang="en-US" dirty="0"/>
-              <a:t>User code for ultrasonic sensor</a:t>
-            </a:r>
-            <a:endParaRPr lang="en-HK" dirty="0"/>
-          </a:p>
-        </p:txBody>
-      </p:sp>
-      <p:sp>
-        <p:nvSpPr>
-          <p:cNvPr id="3" name="Content Placeholder 2">
-            <a:extLst>
-              <a:ext uri="{FF2B5EF4-FFF2-40B4-BE49-F238E27FC236}">
-                <a16:creationId xmlns:a16="http://schemas.microsoft.com/office/drawing/2014/main" id="{F131E356-A846-4ABF-81E9-4825C8637467}"/>
-              </a:ext>
-            </a:extLst>
-          </p:cNvPr>
-          <p:cNvSpPr>
-            <a:spLocks noGrp="1"/>
-          </p:cNvSpPr>
-          <p:nvPr>
-            <p:ph idx="1"/>
-          </p:nvPr>
-        </p:nvSpPr>
-        <p:spPr>
-          <a:xfrm>
-            <a:off x="838200" y="1825625"/>
-            <a:ext cx="5468596" cy="4351338"/>
-          </a:xfrm>
-        </p:spPr>
-        <p:txBody>
-          <a:bodyPr>
-            <a:normAutofit lnSpcReduction="10000"/>
-          </a:bodyPr>
-          <a:lstStyle/>
-          <a:p>
-            <a:r>
-              <a:rPr lang="en-US" dirty="0"/>
-              <a:t>Enable Input Capture interrupt</a:t>
-            </a:r>
-          </a:p>
-          <a:p>
-            <a:endParaRPr lang="en-US" dirty="0"/>
-          </a:p>
-          <a:p>
-            <a:r>
-              <a:rPr lang="en-US" dirty="0"/>
-              <a:t>Create a function for delay in us</a:t>
-            </a:r>
-          </a:p>
-          <a:p>
-            <a:endParaRPr lang="en-US" dirty="0"/>
-          </a:p>
-          <a:p>
-            <a:r>
-              <a:rPr lang="en-US" dirty="0"/>
-              <a:t>Create a function for sending trigger pulse to the ultrasonic sensor</a:t>
-            </a:r>
-          </a:p>
-          <a:p>
-            <a:endParaRPr lang="en-HK" dirty="0"/>
-          </a:p>
-          <a:p>
-            <a:r>
-              <a:rPr lang="en-HK" dirty="0"/>
-              <a:t>Override the interrupt </a:t>
-            </a:r>
-            <a:r>
-              <a:rPr lang="en-HK" dirty="0" err="1"/>
-              <a:t>callback</a:t>
-            </a:r>
-            <a:r>
-              <a:rPr lang="en-HK" dirty="0"/>
-              <a:t> function</a:t>
-            </a:r>
-          </a:p>
-        </p:txBody>
-      </p:sp>
-      <p:sp>
-        <p:nvSpPr>
-          <p:cNvPr id="4" name="TextBox 3">
-            <a:extLst>
-              <a:ext uri="{FF2B5EF4-FFF2-40B4-BE49-F238E27FC236}">
-                <a16:creationId xmlns:a16="http://schemas.microsoft.com/office/drawing/2014/main" id="{BD685E0F-4480-4B4C-851D-04AD27006D20}"/>
-              </a:ext>
-            </a:extLst>
-          </p:cNvPr>
-          <p:cNvSpPr txBox="1"/>
-          <p:nvPr/>
-        </p:nvSpPr>
-        <p:spPr>
-          <a:xfrm>
-            <a:off x="6489895" y="2878554"/>
-            <a:ext cx="5049252" cy="938719"/>
-          </a:xfrm>
-          <a:prstGeom prst="rect">
-            <a:avLst/>
-          </a:prstGeom>
-          <a:noFill/>
-        </p:spPr>
-        <p:txBody>
-          <a:bodyPr rot="0" spcFirstLastPara="0" vertOverflow="overflow" horzOverflow="overflow" vert="horz" wrap="square" lIns="91440" tIns="45720" rIns="91440" bIns="45720" numCol="1" spcCol="0" rtlCol="0" fromWordArt="0" anchor="t" anchorCtr="0" forceAA="0" compatLnSpc="1">
-            <a:prstTxWarp prst="textNoShape">
-              <a:avLst/>
-            </a:prstTxWarp>
-            <a:spAutoFit/>
-          </a:bodyPr>
-          <a:lstStyle/>
-          <a:p>
-            <a:r>
-              <a:rPr lang="en-US" sz="1100" dirty="0">
-                <a:latin typeface="Consolas"/>
-                <a:ea typeface="+mn-lt"/>
-                <a:cs typeface="+mn-lt"/>
-              </a:rPr>
-              <a:t>void delay (uint16_t time)</a:t>
-            </a:r>
-          </a:p>
-          <a:p>
-            <a:r>
-              <a:rPr lang="en-US" sz="1100" dirty="0">
-                <a:latin typeface="Consolas"/>
-                <a:ea typeface="+mn-lt"/>
-                <a:cs typeface="+mn-lt"/>
-              </a:rPr>
-              <a:t>{</a:t>
-            </a:r>
-          </a:p>
-          <a:p>
-            <a:r>
-              <a:rPr lang="en-US" sz="1100" dirty="0">
-                <a:latin typeface="Consolas"/>
-                <a:ea typeface="+mn-lt"/>
-                <a:cs typeface="+mn-lt"/>
-              </a:rPr>
-              <a:t>    __HAL_TIM_SET_COUNTER(&amp;htim1, 0);</a:t>
-            </a:r>
-          </a:p>
-          <a:p>
-            <a:r>
-              <a:rPr lang="en-US" sz="1100" dirty="0">
-                <a:latin typeface="Consolas"/>
-                <a:ea typeface="+mn-lt"/>
-                <a:cs typeface="+mn-lt"/>
-              </a:rPr>
-              <a:t>    while (__HAL_TIM_GET_COUNTER (&amp;htim1) &lt; time);</a:t>
-            </a:r>
-          </a:p>
-          <a:p>
-            <a:r>
-              <a:rPr lang="en-US" sz="1100" dirty="0">
-                <a:latin typeface="Consolas"/>
-                <a:ea typeface="+mn-lt"/>
-                <a:cs typeface="+mn-lt"/>
-              </a:rPr>
-              <a:t>}</a:t>
-            </a:r>
-            <a:endParaRPr lang="en-US" dirty="0">
-              <a:ea typeface="+mn-lt"/>
-              <a:cs typeface="+mn-lt"/>
-            </a:endParaRPr>
-          </a:p>
-        </p:txBody>
-      </p:sp>
-      <p:sp>
-        <p:nvSpPr>
-          <p:cNvPr id="5" name="TextBox 4">
-            <a:extLst>
-              <a:ext uri="{FF2B5EF4-FFF2-40B4-BE49-F238E27FC236}">
-                <a16:creationId xmlns:a16="http://schemas.microsoft.com/office/drawing/2014/main" id="{595DCC0F-50E7-4B57-84E6-A444B8C26F90}"/>
-              </a:ext>
-            </a:extLst>
-          </p:cNvPr>
-          <p:cNvSpPr txBox="1"/>
-          <p:nvPr/>
-        </p:nvSpPr>
-        <p:spPr>
-          <a:xfrm>
-            <a:off x="6558260" y="4147506"/>
-            <a:ext cx="5633739" cy="1446550"/>
-          </a:xfrm>
-          <a:prstGeom prst="rect">
-            <a:avLst/>
-          </a:prstGeom>
-          <a:noFill/>
-        </p:spPr>
-        <p:txBody>
-          <a:bodyPr rot="0" spcFirstLastPara="0" vertOverflow="overflow" horzOverflow="overflow" vert="horz" wrap="square" lIns="91440" tIns="45720" rIns="91440" bIns="45720" numCol="1" spcCol="0" rtlCol="0" fromWordArt="0" anchor="t" anchorCtr="0" forceAA="0" compatLnSpc="1">
-            <a:prstTxWarp prst="textNoShape">
-              <a:avLst/>
-            </a:prstTxWarp>
-            <a:spAutoFit/>
-          </a:bodyPr>
-          <a:lstStyle/>
-          <a:p>
-            <a:r>
-              <a:rPr lang="en-US" sz="1100" dirty="0">
-                <a:latin typeface="Consolas"/>
-                <a:ea typeface="+mn-lt"/>
-                <a:cs typeface="+mn-lt"/>
-              </a:rPr>
-              <a:t>void </a:t>
-            </a:r>
-            <a:r>
-              <a:rPr lang="en-US" sz="1100" dirty="0" err="1">
-                <a:latin typeface="Consolas"/>
-                <a:ea typeface="+mn-lt"/>
-                <a:cs typeface="+mn-lt"/>
-              </a:rPr>
-              <a:t>Ultrasonic_Read</a:t>
-            </a:r>
-            <a:r>
-              <a:rPr lang="en-US" sz="1100" dirty="0">
-                <a:latin typeface="Consolas"/>
-                <a:ea typeface="+mn-lt"/>
-                <a:cs typeface="+mn-lt"/>
-              </a:rPr>
-              <a:t>()</a:t>
-            </a:r>
-          </a:p>
-          <a:p>
-            <a:r>
-              <a:rPr lang="en-US" sz="1100" dirty="0">
-                <a:latin typeface="Consolas"/>
-                <a:ea typeface="+mn-lt"/>
-                <a:cs typeface="+mn-lt"/>
-              </a:rPr>
-              <a:t>{</a:t>
-            </a:r>
-          </a:p>
-          <a:p>
-            <a:r>
-              <a:rPr lang="en-US" sz="1100" dirty="0">
-                <a:latin typeface="Consolas"/>
-                <a:ea typeface="+mn-lt"/>
-                <a:cs typeface="+mn-lt"/>
-              </a:rPr>
-              <a:t>    </a:t>
-            </a:r>
-            <a:r>
-              <a:rPr lang="en-US" sz="1100" dirty="0" err="1">
-                <a:latin typeface="Consolas"/>
-                <a:ea typeface="+mn-lt"/>
-                <a:cs typeface="+mn-lt"/>
-              </a:rPr>
-              <a:t>HAL_GPIO_WritePin</a:t>
-            </a:r>
-            <a:r>
-              <a:rPr lang="en-US" sz="1100" dirty="0">
-                <a:latin typeface="Consolas"/>
-                <a:ea typeface="+mn-lt"/>
-                <a:cs typeface="+mn-lt"/>
-              </a:rPr>
-              <a:t>(</a:t>
-            </a:r>
-            <a:r>
-              <a:rPr lang="en-US" sz="1100" dirty="0" err="1">
-                <a:latin typeface="Consolas"/>
-                <a:ea typeface="+mn-lt"/>
-                <a:cs typeface="+mn-lt"/>
-              </a:rPr>
-              <a:t>US_TRIG_GPIO_Port</a:t>
-            </a:r>
-            <a:r>
-              <a:rPr lang="en-US" sz="1100" dirty="0">
-                <a:latin typeface="Consolas"/>
-                <a:ea typeface="+mn-lt"/>
-                <a:cs typeface="+mn-lt"/>
-              </a:rPr>
-              <a:t>, </a:t>
-            </a:r>
-            <a:r>
-              <a:rPr lang="en-US" sz="1100" dirty="0" err="1">
-                <a:latin typeface="Consolas"/>
-                <a:ea typeface="+mn-lt"/>
-                <a:cs typeface="+mn-lt"/>
-              </a:rPr>
-              <a:t>US_TRIG_Pin</a:t>
-            </a:r>
-            <a:r>
-              <a:rPr lang="en-US" sz="1100" dirty="0">
-                <a:latin typeface="Consolas"/>
-                <a:ea typeface="+mn-lt"/>
-                <a:cs typeface="+mn-lt"/>
-              </a:rPr>
-              <a:t>, GPIO_PIN_SET);</a:t>
-            </a:r>
-          </a:p>
-          <a:p>
-            <a:r>
-              <a:rPr lang="en-US" sz="1100" dirty="0">
-                <a:latin typeface="Consolas"/>
-                <a:ea typeface="+mn-lt"/>
-                <a:cs typeface="+mn-lt"/>
-              </a:rPr>
-              <a:t>    delay(10);</a:t>
-            </a:r>
-          </a:p>
-          <a:p>
-            <a:r>
-              <a:rPr lang="en-US" sz="1100" dirty="0">
-                <a:latin typeface="Consolas"/>
-                <a:ea typeface="+mn-lt"/>
-                <a:cs typeface="+mn-lt"/>
-              </a:rPr>
-              <a:t>    </a:t>
-            </a:r>
-            <a:r>
-              <a:rPr lang="en-US" sz="1100" dirty="0" err="1">
-                <a:latin typeface="Consolas"/>
-                <a:ea typeface="+mn-lt"/>
-                <a:cs typeface="+mn-lt"/>
-              </a:rPr>
-              <a:t>HAL_GPIO_WritePin</a:t>
-            </a:r>
-            <a:r>
-              <a:rPr lang="en-US" sz="1100" dirty="0">
-                <a:latin typeface="Consolas"/>
-                <a:ea typeface="+mn-lt"/>
-                <a:cs typeface="+mn-lt"/>
-              </a:rPr>
-              <a:t>(</a:t>
-            </a:r>
-            <a:r>
-              <a:rPr lang="en-US" sz="1100" dirty="0" err="1">
-                <a:latin typeface="Consolas"/>
-                <a:ea typeface="+mn-lt"/>
-                <a:cs typeface="+mn-lt"/>
-              </a:rPr>
-              <a:t>US_TRIG_GPIO_Port</a:t>
-            </a:r>
-            <a:r>
-              <a:rPr lang="en-US" sz="1100" dirty="0">
-                <a:latin typeface="Consolas"/>
-                <a:ea typeface="+mn-lt"/>
-                <a:cs typeface="+mn-lt"/>
-              </a:rPr>
-              <a:t>, </a:t>
-            </a:r>
-            <a:r>
-              <a:rPr lang="en-US" sz="1100" dirty="0" err="1">
-                <a:latin typeface="Consolas"/>
-                <a:ea typeface="+mn-lt"/>
-                <a:cs typeface="+mn-lt"/>
-              </a:rPr>
-              <a:t>US_TRIG_Pin</a:t>
-            </a:r>
-            <a:r>
-              <a:rPr lang="en-US" sz="1100" dirty="0">
-                <a:latin typeface="Consolas"/>
-                <a:ea typeface="+mn-lt"/>
-                <a:cs typeface="+mn-lt"/>
-              </a:rPr>
-              <a:t>, GPIO_PIN_RESET);</a:t>
-            </a:r>
-          </a:p>
-          <a:p>
-            <a:r>
-              <a:rPr lang="en-US" sz="1100" dirty="0">
-                <a:latin typeface="Consolas"/>
-                <a:ea typeface="+mn-lt"/>
-                <a:cs typeface="+mn-lt"/>
-              </a:rPr>
-              <a:t>    __HAL_TIM_ENABLE_IT(&amp;htim1, TIM_IT_CC1);</a:t>
-            </a:r>
-          </a:p>
-          <a:p>
-            <a:endParaRPr lang="en-US" sz="1100" dirty="0">
-              <a:latin typeface="Consolas"/>
-              <a:ea typeface="+mn-lt"/>
-              <a:cs typeface="+mn-lt"/>
-            </a:endParaRPr>
-          </a:p>
-          <a:p>
-            <a:r>
-              <a:rPr lang="en-US" sz="1100" dirty="0">
-                <a:latin typeface="Consolas"/>
-                <a:ea typeface="+mn-lt"/>
-                <a:cs typeface="+mn-lt"/>
-              </a:rPr>
-              <a:t>}</a:t>
-            </a:r>
-            <a:endParaRPr lang="en-US" dirty="0">
-              <a:ea typeface="+mn-lt"/>
-              <a:cs typeface="+mn-lt"/>
-            </a:endParaRPr>
-          </a:p>
-        </p:txBody>
-      </p:sp>
-      <p:sp>
-        <p:nvSpPr>
-          <p:cNvPr id="7" name="TextBox 6">
-            <a:extLst>
-              <a:ext uri="{FF2B5EF4-FFF2-40B4-BE49-F238E27FC236}">
-                <a16:creationId xmlns:a16="http://schemas.microsoft.com/office/drawing/2014/main" id="{5654F973-1616-4F66-B30C-ED3D92A01814}"/>
-              </a:ext>
-            </a:extLst>
-          </p:cNvPr>
-          <p:cNvSpPr txBox="1"/>
-          <p:nvPr/>
-        </p:nvSpPr>
-        <p:spPr>
-          <a:xfrm>
-            <a:off x="6489895" y="1815261"/>
-            <a:ext cx="5049252" cy="938719"/>
-          </a:xfrm>
-          <a:prstGeom prst="rect">
-            <a:avLst/>
-          </a:prstGeom>
-          <a:noFill/>
-        </p:spPr>
-        <p:txBody>
-          <a:bodyPr rot="0" spcFirstLastPara="0" vertOverflow="overflow" horzOverflow="overflow" vert="horz" wrap="square" lIns="91440" tIns="45720" rIns="91440" bIns="45720" numCol="1" spcCol="0" rtlCol="0" fromWordArt="0" anchor="t" anchorCtr="0" forceAA="0" compatLnSpc="1">
-            <a:prstTxWarp prst="textNoShape">
-              <a:avLst/>
-            </a:prstTxWarp>
-            <a:spAutoFit/>
-          </a:bodyPr>
-          <a:lstStyle/>
-          <a:p>
-            <a:r>
-              <a:rPr lang="en-US" sz="1100" dirty="0">
-                <a:latin typeface="Consolas"/>
-                <a:ea typeface="+mn-lt"/>
-                <a:cs typeface="+mn-lt"/>
-              </a:rPr>
-              <a:t>int main() {</a:t>
-            </a:r>
-          </a:p>
-          <a:p>
-            <a:r>
-              <a:rPr lang="en-US" sz="1100" dirty="0">
-                <a:latin typeface="Consolas"/>
-                <a:ea typeface="+mn-lt"/>
-                <a:cs typeface="+mn-lt"/>
-              </a:rPr>
-              <a:t>    ...</a:t>
-            </a:r>
-          </a:p>
-          <a:p>
-            <a:r>
-              <a:rPr lang="en-US" sz="1100" dirty="0">
-                <a:latin typeface="Consolas"/>
-                <a:ea typeface="+mn-lt"/>
-                <a:cs typeface="+mn-lt"/>
-              </a:rPr>
-              <a:t>    </a:t>
-            </a:r>
-            <a:r>
-              <a:rPr lang="en-US" sz="1100" dirty="0" err="1">
-                <a:latin typeface="Consolas"/>
-                <a:ea typeface="+mn-lt"/>
-                <a:cs typeface="+mn-lt"/>
-              </a:rPr>
-              <a:t>HAL_TIM_IC_Start_IT</a:t>
-            </a:r>
-            <a:r>
-              <a:rPr lang="en-US" sz="1100" dirty="0">
-                <a:latin typeface="Consolas"/>
-                <a:ea typeface="+mn-lt"/>
-                <a:cs typeface="+mn-lt"/>
-              </a:rPr>
-              <a:t>(&amp;htim1, TIM_CHANNEL_1);</a:t>
-            </a:r>
-          </a:p>
-          <a:p>
-            <a:r>
-              <a:rPr lang="en-US" sz="1100" dirty="0">
-                <a:latin typeface="Consolas"/>
-                <a:ea typeface="+mn-lt"/>
-                <a:cs typeface="+mn-lt"/>
-              </a:rPr>
-              <a:t>    while (1){...}</a:t>
-            </a:r>
-          </a:p>
-          <a:p>
-            <a:r>
-              <a:rPr lang="en-US" sz="1100" dirty="0">
-                <a:latin typeface="Consolas"/>
-                <a:ea typeface="+mn-lt"/>
-                <a:cs typeface="+mn-lt"/>
-              </a:rPr>
-              <a:t>}</a:t>
-            </a:r>
-            <a:endParaRPr lang="en-US" dirty="0">
-              <a:ea typeface="+mn-lt"/>
-              <a:cs typeface="+mn-lt"/>
-            </a:endParaRPr>
-          </a:p>
-        </p:txBody>
-      </p:sp>
-    </p:spTree>
-    <p:extLst>
-      <p:ext uri="{BB962C8B-B14F-4D97-AF65-F5344CB8AC3E}">
-        <p14:creationId xmlns:p14="http://schemas.microsoft.com/office/powerpoint/2010/main" val="2112451957"/>
-      </p:ext>
-    </p:extLst>
-  </p:cSld>
-  <p:clrMapOvr>
-    <a:masterClrMapping/>
-  </p:clrMapOvr>
-</p:sld>
-</file>
-
-<file path=ppt/slides/slide26.xml><?xml version="1.0" encoding="utf-8"?>
-<p:sld xmlns:a="http://schemas.openxmlformats.org/drawingml/2006/main" xmlns:r="http://schemas.openxmlformats.org/officeDocument/2006/relationships" xmlns:p="http://schemas.openxmlformats.org/presentationml/2006/main">
-  <p:cSld>
-    <p:spTree>
-      <p:nvGrpSpPr>
-        <p:cNvPr id="1" name=""/>
-        <p:cNvGrpSpPr/>
-        <p:nvPr/>
-      </p:nvGrpSpPr>
-      <p:grpSpPr>
-        <a:xfrm>
-          <a:off x="0" y="0"/>
-          <a:ext cx="0" cy="0"/>
-          <a:chOff x="0" y="0"/>
-          <a:chExt cx="0" cy="0"/>
-        </a:xfrm>
-      </p:grpSpPr>
-      <p:sp>
-        <p:nvSpPr>
-          <p:cNvPr id="4" name="TextBox 3">
-            <a:extLst>
-              <a:ext uri="{FF2B5EF4-FFF2-40B4-BE49-F238E27FC236}">
-                <a16:creationId xmlns:a16="http://schemas.microsoft.com/office/drawing/2014/main" id="{694B5067-AEFB-484F-AA56-21AD37052456}"/>
-              </a:ext>
-            </a:extLst>
-          </p:cNvPr>
-          <p:cNvSpPr txBox="1"/>
-          <p:nvPr/>
-        </p:nvSpPr>
-        <p:spPr>
-          <a:xfrm>
-            <a:off x="571500" y="181445"/>
-            <a:ext cx="10777094" cy="6186309"/>
-          </a:xfrm>
-          <a:prstGeom prst="rect">
-            <a:avLst/>
-          </a:prstGeom>
-          <a:noFill/>
-        </p:spPr>
-        <p:txBody>
-          <a:bodyPr rot="0" spcFirstLastPara="0" vertOverflow="overflow" horzOverflow="overflow" vert="horz" wrap="square" lIns="91440" tIns="45720" rIns="91440" bIns="45720" numCol="1" spcCol="0" rtlCol="0" fromWordArt="0" anchor="t" anchorCtr="0" forceAA="0" compatLnSpc="1">
-            <a:prstTxWarp prst="textNoShape">
-              <a:avLst/>
-            </a:prstTxWarp>
-            <a:spAutoFit/>
-          </a:bodyPr>
-          <a:lstStyle/>
-          <a:p>
-            <a:r>
-              <a:rPr lang="en-HK" sz="1100" b="0" dirty="0">
-                <a:effectLst/>
-                <a:latin typeface="Consolas" panose="020B0609020204030204" pitchFamily="49" charset="0"/>
-              </a:rPr>
-              <a:t>void </a:t>
-            </a:r>
-            <a:r>
-              <a:rPr lang="en-HK" sz="1100" b="0" dirty="0" err="1">
-                <a:effectLst/>
-                <a:latin typeface="Consolas" panose="020B0609020204030204" pitchFamily="49" charset="0"/>
-              </a:rPr>
-              <a:t>HAL_TIM_IC_CaptureCallback</a:t>
-            </a:r>
-            <a:r>
-              <a:rPr lang="en-HK" sz="1100" b="0" dirty="0">
-                <a:effectLst/>
-                <a:latin typeface="Consolas" panose="020B0609020204030204" pitchFamily="49" charset="0"/>
-              </a:rPr>
-              <a:t>(</a:t>
-            </a:r>
-            <a:r>
-              <a:rPr lang="en-HK" sz="1100" b="0" dirty="0" err="1">
-                <a:effectLst/>
-                <a:latin typeface="Consolas" panose="020B0609020204030204" pitchFamily="49" charset="0"/>
-              </a:rPr>
-              <a:t>TIM_HandleTypeDef</a:t>
-            </a:r>
-            <a:r>
-              <a:rPr lang="en-HK" sz="1100" b="0" dirty="0">
-                <a:effectLst/>
-                <a:latin typeface="Consolas" panose="020B0609020204030204" pitchFamily="49" charset="0"/>
-              </a:rPr>
-              <a:t> *</a:t>
-            </a:r>
-            <a:r>
-              <a:rPr lang="en-HK" sz="1100" b="0" dirty="0" err="1">
-                <a:effectLst/>
-                <a:latin typeface="Consolas" panose="020B0609020204030204" pitchFamily="49" charset="0"/>
-              </a:rPr>
-              <a:t>htim</a:t>
-            </a:r>
-            <a:r>
-              <a:rPr lang="en-HK" sz="1100" b="0" dirty="0">
-                <a:effectLst/>
-                <a:latin typeface="Consolas" panose="020B0609020204030204" pitchFamily="49" charset="0"/>
-              </a:rPr>
-              <a:t>)</a:t>
-            </a:r>
-          </a:p>
-          <a:p>
-            <a:r>
-              <a:rPr lang="en-HK" sz="1100" b="0" dirty="0">
-                <a:effectLst/>
-                <a:latin typeface="Consolas" panose="020B0609020204030204" pitchFamily="49" charset="0"/>
-              </a:rPr>
-              <a:t>{</a:t>
-            </a:r>
-          </a:p>
-          <a:p>
-            <a:r>
-              <a:rPr lang="en-HK" sz="1100" b="0" dirty="0">
-                <a:effectLst/>
-                <a:latin typeface="Consolas" panose="020B0609020204030204" pitchFamily="49" charset="0"/>
-              </a:rPr>
-              <a:t>    if((</a:t>
-            </a:r>
-            <a:r>
-              <a:rPr lang="en-HK" sz="1100" b="0" dirty="0" err="1">
-                <a:effectLst/>
-                <a:latin typeface="Consolas" panose="020B0609020204030204" pitchFamily="49" charset="0"/>
-              </a:rPr>
-              <a:t>htim</a:t>
-            </a:r>
-            <a:r>
-              <a:rPr lang="en-HK" sz="1100" b="0" dirty="0">
-                <a:effectLst/>
-                <a:latin typeface="Consolas" panose="020B0609020204030204" pitchFamily="49" charset="0"/>
-              </a:rPr>
-              <a:t>-&gt;Instance == TIM1) &amp;&amp; (</a:t>
-            </a:r>
-            <a:r>
-              <a:rPr lang="en-HK" sz="1100" b="0" dirty="0" err="1">
-                <a:effectLst/>
-                <a:latin typeface="Consolas" panose="020B0609020204030204" pitchFamily="49" charset="0"/>
-              </a:rPr>
-              <a:t>htim</a:t>
-            </a:r>
-            <a:r>
-              <a:rPr lang="en-HK" sz="1100" b="0" dirty="0">
-                <a:effectLst/>
-                <a:latin typeface="Consolas" panose="020B0609020204030204" pitchFamily="49" charset="0"/>
-              </a:rPr>
-              <a:t>-&gt; Channel == HAL_TIM_ACTIVE_CHANNEL_1))    // if the interrupt source is channel1</a:t>
-            </a:r>
-          </a:p>
-          <a:p>
-            <a:r>
-              <a:rPr lang="en-HK" sz="1100" b="0" dirty="0">
-                <a:effectLst/>
-                <a:latin typeface="Consolas" panose="020B0609020204030204" pitchFamily="49" charset="0"/>
-              </a:rPr>
-              <a:t>    {</a:t>
-            </a:r>
-          </a:p>
-          <a:p>
-            <a:r>
-              <a:rPr lang="en-HK" sz="1100" b="0" dirty="0">
-                <a:effectLst/>
-                <a:latin typeface="Consolas" panose="020B0609020204030204" pitchFamily="49" charset="0"/>
-              </a:rPr>
-              <a:t>        if (!</a:t>
-            </a:r>
-            <a:r>
-              <a:rPr lang="en-HK" sz="1100" b="0" dirty="0" err="1">
-                <a:effectLst/>
-                <a:latin typeface="Consolas" panose="020B0609020204030204" pitchFamily="49" charset="0"/>
-              </a:rPr>
-              <a:t>Is_First_Captured</a:t>
-            </a:r>
-            <a:r>
-              <a:rPr lang="en-HK" sz="1100" b="0" dirty="0">
-                <a:effectLst/>
-                <a:latin typeface="Consolas" panose="020B0609020204030204" pitchFamily="49" charset="0"/>
-              </a:rPr>
-              <a:t>) // if the first value is not captured</a:t>
-            </a:r>
-          </a:p>
-          <a:p>
-            <a:r>
-              <a:rPr lang="en-HK" sz="1100" b="0" dirty="0">
-                <a:effectLst/>
-                <a:latin typeface="Consolas" panose="020B0609020204030204" pitchFamily="49" charset="0"/>
-              </a:rPr>
-              <a:t>        {</a:t>
-            </a:r>
-          </a:p>
-          <a:p>
-            <a:r>
-              <a:rPr lang="en-HK" sz="1100" b="0" dirty="0">
-                <a:effectLst/>
-                <a:latin typeface="Consolas" panose="020B0609020204030204" pitchFamily="49" charset="0"/>
-              </a:rPr>
-              <a:t>            </a:t>
-            </a:r>
-            <a:r>
-              <a:rPr lang="en-HK" sz="1100" b="0" dirty="0" err="1">
-                <a:effectLst/>
-                <a:latin typeface="Consolas" panose="020B0609020204030204" pitchFamily="49" charset="0"/>
-              </a:rPr>
-              <a:t>First_Val</a:t>
-            </a:r>
-            <a:r>
-              <a:rPr lang="en-HK" sz="1100" b="0" dirty="0">
-                <a:effectLst/>
-                <a:latin typeface="Consolas" panose="020B0609020204030204" pitchFamily="49" charset="0"/>
-              </a:rPr>
-              <a:t> = </a:t>
-            </a:r>
-            <a:r>
-              <a:rPr lang="en-HK" sz="1100" b="0" dirty="0" err="1">
-                <a:effectLst/>
-                <a:latin typeface="Consolas" panose="020B0609020204030204" pitchFamily="49" charset="0"/>
-              </a:rPr>
-              <a:t>HAL_TIM_ReadCapturedValue</a:t>
-            </a:r>
-            <a:r>
-              <a:rPr lang="en-HK" sz="1100" b="0" dirty="0">
-                <a:effectLst/>
-                <a:latin typeface="Consolas" panose="020B0609020204030204" pitchFamily="49" charset="0"/>
-              </a:rPr>
-              <a:t>(</a:t>
-            </a:r>
-            <a:r>
-              <a:rPr lang="en-HK" sz="1100" b="0" dirty="0" err="1">
-                <a:effectLst/>
-                <a:latin typeface="Consolas" panose="020B0609020204030204" pitchFamily="49" charset="0"/>
-              </a:rPr>
-              <a:t>htim</a:t>
-            </a:r>
-            <a:r>
-              <a:rPr lang="en-HK" sz="1100" b="0" dirty="0">
-                <a:effectLst/>
-                <a:latin typeface="Consolas" panose="020B0609020204030204" pitchFamily="49" charset="0"/>
-              </a:rPr>
-              <a:t>, TIM_CHANNEL_1); // read the first value</a:t>
-            </a:r>
-          </a:p>
-          <a:p>
-            <a:r>
-              <a:rPr lang="en-HK" sz="1100" b="0" dirty="0">
-                <a:effectLst/>
-                <a:latin typeface="Consolas" panose="020B0609020204030204" pitchFamily="49" charset="0"/>
-              </a:rPr>
-              <a:t>            // Now change the polarity to falling edge</a:t>
-            </a:r>
-          </a:p>
-          <a:p>
-            <a:r>
-              <a:rPr lang="en-HK" sz="1100" b="0" dirty="0">
-                <a:effectLst/>
-                <a:latin typeface="Consolas" panose="020B0609020204030204" pitchFamily="49" charset="0"/>
-              </a:rPr>
-              <a:t>            __HAL_TIM_SET_CAPTUREPOLARITY(</a:t>
-            </a:r>
-            <a:r>
-              <a:rPr lang="en-HK" sz="1100" b="0" dirty="0" err="1">
-                <a:effectLst/>
-                <a:latin typeface="Consolas" panose="020B0609020204030204" pitchFamily="49" charset="0"/>
-              </a:rPr>
-              <a:t>htim</a:t>
-            </a:r>
-            <a:r>
-              <a:rPr lang="en-HK" sz="1100" b="0" dirty="0">
-                <a:effectLst/>
-                <a:latin typeface="Consolas" panose="020B0609020204030204" pitchFamily="49" charset="0"/>
-              </a:rPr>
-              <a:t>, TIM_CHANNEL_1, TIM_INPUTCHANNELPOLARITY_FALLING);</a:t>
-            </a:r>
-          </a:p>
-          <a:p>
-            <a:r>
-              <a:rPr lang="en-HK" sz="1100" b="0" dirty="0">
-                <a:effectLst/>
-                <a:latin typeface="Consolas" panose="020B0609020204030204" pitchFamily="49" charset="0"/>
-              </a:rPr>
-              <a:t>            </a:t>
-            </a:r>
-            <a:r>
-              <a:rPr lang="en-HK" sz="1100" b="0" dirty="0" err="1">
-                <a:effectLst/>
-                <a:latin typeface="Consolas" panose="020B0609020204030204" pitchFamily="49" charset="0"/>
-              </a:rPr>
-              <a:t>Is_First_Captured</a:t>
-            </a:r>
-            <a:r>
-              <a:rPr lang="en-HK" sz="1100" b="0" dirty="0">
-                <a:effectLst/>
-                <a:latin typeface="Consolas" panose="020B0609020204030204" pitchFamily="49" charset="0"/>
-              </a:rPr>
-              <a:t> = 1;  // set the first captured as true</a:t>
-            </a:r>
-          </a:p>
-          <a:p>
-            <a:r>
-              <a:rPr lang="en-HK" sz="1100" b="0" dirty="0">
-                <a:effectLst/>
-                <a:latin typeface="Consolas" panose="020B0609020204030204" pitchFamily="49" charset="0"/>
-              </a:rPr>
-              <a:t>        }</a:t>
-            </a:r>
-          </a:p>
-          <a:p>
-            <a:r>
-              <a:rPr lang="en-HK" sz="1100" b="0" dirty="0">
-                <a:effectLst/>
-                <a:latin typeface="Consolas" panose="020B0609020204030204" pitchFamily="49" charset="0"/>
-              </a:rPr>
-              <a:t>        else</a:t>
-            </a:r>
-          </a:p>
-          <a:p>
-            <a:r>
-              <a:rPr lang="en-HK" sz="1100" b="0" dirty="0">
-                <a:effectLst/>
-                <a:latin typeface="Consolas" panose="020B0609020204030204" pitchFamily="49" charset="0"/>
-              </a:rPr>
-              <a:t>        {</a:t>
-            </a:r>
-          </a:p>
-          <a:p>
-            <a:r>
-              <a:rPr lang="en-HK" sz="1100" b="0" dirty="0">
-                <a:effectLst/>
-                <a:latin typeface="Consolas" panose="020B0609020204030204" pitchFamily="49" charset="0"/>
-              </a:rPr>
-              <a:t>            </a:t>
-            </a:r>
-            <a:r>
-              <a:rPr lang="en-HK" sz="1100" b="0" dirty="0" err="1">
-                <a:effectLst/>
-                <a:latin typeface="Consolas" panose="020B0609020204030204" pitchFamily="49" charset="0"/>
-              </a:rPr>
-              <a:t>Sec_Val</a:t>
-            </a:r>
-            <a:r>
-              <a:rPr lang="en-HK" sz="1100" b="0" dirty="0">
-                <a:effectLst/>
-                <a:latin typeface="Consolas" panose="020B0609020204030204" pitchFamily="49" charset="0"/>
-              </a:rPr>
-              <a:t> = </a:t>
-            </a:r>
-            <a:r>
-              <a:rPr lang="en-HK" sz="1100" b="0" dirty="0" err="1">
-                <a:effectLst/>
-                <a:latin typeface="Consolas" panose="020B0609020204030204" pitchFamily="49" charset="0"/>
-              </a:rPr>
-              <a:t>HAL_TIM_ReadCapturedValue</a:t>
-            </a:r>
-            <a:r>
-              <a:rPr lang="en-HK" sz="1100" b="0" dirty="0">
-                <a:effectLst/>
-                <a:latin typeface="Consolas" panose="020B0609020204030204" pitchFamily="49" charset="0"/>
-              </a:rPr>
-              <a:t>(</a:t>
-            </a:r>
-            <a:r>
-              <a:rPr lang="en-HK" sz="1100" b="0" dirty="0" err="1">
-                <a:effectLst/>
-                <a:latin typeface="Consolas" panose="020B0609020204030204" pitchFamily="49" charset="0"/>
-              </a:rPr>
-              <a:t>htim</a:t>
-            </a:r>
-            <a:r>
-              <a:rPr lang="en-HK" sz="1100" b="0" dirty="0">
-                <a:effectLst/>
-                <a:latin typeface="Consolas" panose="020B0609020204030204" pitchFamily="49" charset="0"/>
-              </a:rPr>
-              <a:t>, TIM_CHANNEL_1);  // read second value</a:t>
-            </a:r>
-          </a:p>
-          <a:p>
-            <a:r>
-              <a:rPr lang="en-HK" sz="1100" b="0" dirty="0">
-                <a:effectLst/>
-                <a:latin typeface="Consolas" panose="020B0609020204030204" pitchFamily="49" charset="0"/>
-              </a:rPr>
-              <a:t>            __HAL_TIM_SET_COUNTER(</a:t>
-            </a:r>
-            <a:r>
-              <a:rPr lang="en-HK" sz="1100" b="0" dirty="0" err="1">
-                <a:effectLst/>
-                <a:latin typeface="Consolas" panose="020B0609020204030204" pitchFamily="49" charset="0"/>
-              </a:rPr>
-              <a:t>htim</a:t>
-            </a:r>
-            <a:r>
-              <a:rPr lang="en-HK" sz="1100" b="0" dirty="0">
-                <a:effectLst/>
-                <a:latin typeface="Consolas" panose="020B0609020204030204" pitchFamily="49" charset="0"/>
-              </a:rPr>
-              <a:t>, 0);  // reset the counter</a:t>
-            </a:r>
-          </a:p>
-          <a:p>
-            <a:br>
-              <a:rPr lang="en-HK" sz="1100" b="0" dirty="0">
-                <a:effectLst/>
-                <a:latin typeface="Consolas" panose="020B0609020204030204" pitchFamily="49" charset="0"/>
-              </a:rPr>
-            </a:br>
-            <a:r>
-              <a:rPr lang="en-HK" sz="1100" b="0" dirty="0">
-                <a:effectLst/>
-                <a:latin typeface="Consolas" panose="020B0609020204030204" pitchFamily="49" charset="0"/>
-              </a:rPr>
-              <a:t>            if (</a:t>
-            </a:r>
-            <a:r>
-              <a:rPr lang="en-HK" sz="1100" b="0" dirty="0" err="1">
-                <a:effectLst/>
-                <a:latin typeface="Consolas" panose="020B0609020204030204" pitchFamily="49" charset="0"/>
-              </a:rPr>
-              <a:t>Sec_Val</a:t>
-            </a:r>
-            <a:r>
-              <a:rPr lang="en-HK" sz="1100" b="0" dirty="0">
-                <a:effectLst/>
-                <a:latin typeface="Consolas" panose="020B0609020204030204" pitchFamily="49" charset="0"/>
-              </a:rPr>
-              <a:t> &gt; </a:t>
-            </a:r>
-            <a:r>
-              <a:rPr lang="en-HK" sz="1100" b="0" dirty="0" err="1">
-                <a:effectLst/>
-                <a:latin typeface="Consolas" panose="020B0609020204030204" pitchFamily="49" charset="0"/>
-              </a:rPr>
-              <a:t>First_Val</a:t>
-            </a:r>
-            <a:r>
-              <a:rPr lang="en-HK" sz="1100" b="0" dirty="0">
-                <a:effectLst/>
-                <a:latin typeface="Consolas" panose="020B0609020204030204" pitchFamily="49" charset="0"/>
-              </a:rPr>
-              <a:t>)</a:t>
-            </a:r>
-          </a:p>
-          <a:p>
-            <a:r>
-              <a:rPr lang="en-HK" sz="1100" b="0" dirty="0">
-                <a:effectLst/>
-                <a:latin typeface="Consolas" panose="020B0609020204030204" pitchFamily="49" charset="0"/>
-              </a:rPr>
-              <a:t>            {</a:t>
-            </a:r>
-          </a:p>
-          <a:p>
-            <a:r>
-              <a:rPr lang="en-HK" sz="1100" b="0" dirty="0">
-                <a:effectLst/>
-                <a:latin typeface="Consolas" panose="020B0609020204030204" pitchFamily="49" charset="0"/>
-              </a:rPr>
-              <a:t>                Difference = </a:t>
-            </a:r>
-            <a:r>
-              <a:rPr lang="en-HK" sz="1100" b="0" dirty="0" err="1">
-                <a:effectLst/>
-                <a:latin typeface="Consolas" panose="020B0609020204030204" pitchFamily="49" charset="0"/>
-              </a:rPr>
-              <a:t>Sec_Val-First_Val</a:t>
-            </a:r>
-            <a:r>
-              <a:rPr lang="en-HK" sz="1100" b="0" dirty="0">
-                <a:effectLst/>
-                <a:latin typeface="Consolas" panose="020B0609020204030204" pitchFamily="49" charset="0"/>
-              </a:rPr>
-              <a:t>;</a:t>
-            </a:r>
-          </a:p>
-          <a:p>
-            <a:r>
-              <a:rPr lang="en-HK" sz="1100" b="0" dirty="0">
-                <a:effectLst/>
-                <a:latin typeface="Consolas" panose="020B0609020204030204" pitchFamily="49" charset="0"/>
-              </a:rPr>
-              <a:t>            }</a:t>
-            </a:r>
-          </a:p>
-          <a:p>
-            <a:br>
-              <a:rPr lang="en-HK" sz="1100" b="0" dirty="0">
-                <a:effectLst/>
-                <a:latin typeface="Consolas" panose="020B0609020204030204" pitchFamily="49" charset="0"/>
-              </a:rPr>
-            </a:br>
-            <a:r>
-              <a:rPr lang="en-HK" sz="1100" b="0" dirty="0">
-                <a:effectLst/>
-                <a:latin typeface="Consolas" panose="020B0609020204030204" pitchFamily="49" charset="0"/>
-              </a:rPr>
-              <a:t>            else if (</a:t>
-            </a:r>
-            <a:r>
-              <a:rPr lang="en-HK" sz="1100" b="0" dirty="0" err="1">
-                <a:effectLst/>
-                <a:latin typeface="Consolas" panose="020B0609020204030204" pitchFamily="49" charset="0"/>
-              </a:rPr>
-              <a:t>First_Val</a:t>
-            </a:r>
-            <a:r>
-              <a:rPr lang="en-HK" sz="1100" b="0" dirty="0">
-                <a:effectLst/>
-                <a:latin typeface="Consolas" panose="020B0609020204030204" pitchFamily="49" charset="0"/>
-              </a:rPr>
-              <a:t> &gt; </a:t>
-            </a:r>
-            <a:r>
-              <a:rPr lang="en-HK" sz="1100" b="0" dirty="0" err="1">
-                <a:effectLst/>
-                <a:latin typeface="Consolas" panose="020B0609020204030204" pitchFamily="49" charset="0"/>
-              </a:rPr>
-              <a:t>Sec_Val</a:t>
-            </a:r>
-            <a:r>
-              <a:rPr lang="en-HK" sz="1100" b="0" dirty="0">
-                <a:effectLst/>
-                <a:latin typeface="Consolas" panose="020B0609020204030204" pitchFamily="49" charset="0"/>
-              </a:rPr>
-              <a:t>)</a:t>
-            </a:r>
-          </a:p>
-          <a:p>
-            <a:r>
-              <a:rPr lang="en-HK" sz="1100" b="0" dirty="0">
-                <a:effectLst/>
-                <a:latin typeface="Consolas" panose="020B0609020204030204" pitchFamily="49" charset="0"/>
-              </a:rPr>
-              <a:t>            {</a:t>
-            </a:r>
-          </a:p>
-          <a:p>
-            <a:r>
-              <a:rPr lang="en-HK" sz="1100" b="0" dirty="0">
-                <a:effectLst/>
-                <a:latin typeface="Consolas" panose="020B0609020204030204" pitchFamily="49" charset="0"/>
-              </a:rPr>
-              <a:t>                Difference = (0xffff - </a:t>
-            </a:r>
-            <a:r>
-              <a:rPr lang="en-HK" sz="1100" b="0" dirty="0" err="1">
-                <a:effectLst/>
-                <a:latin typeface="Consolas" panose="020B0609020204030204" pitchFamily="49" charset="0"/>
-              </a:rPr>
-              <a:t>First_Val</a:t>
-            </a:r>
-            <a:r>
-              <a:rPr lang="en-HK" sz="1100" b="0" dirty="0">
-                <a:effectLst/>
-                <a:latin typeface="Consolas" panose="020B0609020204030204" pitchFamily="49" charset="0"/>
-              </a:rPr>
-              <a:t>) + </a:t>
-            </a:r>
-            <a:r>
-              <a:rPr lang="en-HK" sz="1100" b="0" dirty="0" err="1">
-                <a:effectLst/>
-                <a:latin typeface="Consolas" panose="020B0609020204030204" pitchFamily="49" charset="0"/>
-              </a:rPr>
-              <a:t>Sec_Val</a:t>
-            </a:r>
-            <a:r>
-              <a:rPr lang="en-HK" sz="1100" b="0" dirty="0">
-                <a:effectLst/>
-                <a:latin typeface="Consolas" panose="020B0609020204030204" pitchFamily="49" charset="0"/>
-              </a:rPr>
-              <a:t>;</a:t>
-            </a:r>
-          </a:p>
-          <a:p>
-            <a:r>
-              <a:rPr lang="en-HK" sz="1100" b="0" dirty="0">
-                <a:effectLst/>
-                <a:latin typeface="Consolas" panose="020B0609020204030204" pitchFamily="49" charset="0"/>
-              </a:rPr>
-              <a:t>            }</a:t>
-            </a:r>
-          </a:p>
-          <a:p>
-            <a:br>
-              <a:rPr lang="en-HK" sz="1100" b="0" dirty="0">
-                <a:effectLst/>
-                <a:latin typeface="Consolas" panose="020B0609020204030204" pitchFamily="49" charset="0"/>
-              </a:rPr>
-            </a:br>
-            <a:r>
-              <a:rPr lang="en-HK" sz="1100" b="0" dirty="0">
-                <a:effectLst/>
-                <a:latin typeface="Consolas" panose="020B0609020204030204" pitchFamily="49" charset="0"/>
-              </a:rPr>
-              <a:t>            Distance = Difference * .034/2;</a:t>
-            </a:r>
-          </a:p>
-          <a:p>
-            <a:r>
-              <a:rPr lang="en-HK" sz="1100" b="0" dirty="0">
-                <a:effectLst/>
-                <a:latin typeface="Consolas" panose="020B0609020204030204" pitchFamily="49" charset="0"/>
-              </a:rPr>
-              <a:t>            // set polarity to rising edge</a:t>
-            </a:r>
-          </a:p>
-          <a:p>
-            <a:r>
-              <a:rPr lang="en-HK" sz="1100" b="0" dirty="0">
-                <a:effectLst/>
-                <a:latin typeface="Consolas" panose="020B0609020204030204" pitchFamily="49" charset="0"/>
-              </a:rPr>
-              <a:t>            __HAL_TIM_SET_CAPTUREPOLARITY(</a:t>
-            </a:r>
-            <a:r>
-              <a:rPr lang="en-HK" sz="1100" b="0" dirty="0" err="1">
-                <a:effectLst/>
-                <a:latin typeface="Consolas" panose="020B0609020204030204" pitchFamily="49" charset="0"/>
-              </a:rPr>
-              <a:t>htim</a:t>
-            </a:r>
-            <a:r>
-              <a:rPr lang="en-HK" sz="1100" b="0" dirty="0">
-                <a:effectLst/>
-                <a:latin typeface="Consolas" panose="020B0609020204030204" pitchFamily="49" charset="0"/>
-              </a:rPr>
-              <a:t>, TIM_CHANNEL_1, TIM_INPUTCHANNELPOLARITY_RISING);</a:t>
-            </a:r>
-          </a:p>
-          <a:p>
-            <a:r>
-              <a:rPr lang="en-HK" sz="1100" b="0" dirty="0">
-                <a:effectLst/>
-                <a:latin typeface="Consolas" panose="020B0609020204030204" pitchFamily="49" charset="0"/>
-              </a:rPr>
-              <a:t>            __HAL_TIM_DISABLE_IT(&amp;htim1, TIM_IT_CC1);</a:t>
-            </a:r>
-          </a:p>
-          <a:p>
-            <a:r>
-              <a:rPr lang="en-HK" sz="1100" b="0" dirty="0">
-                <a:effectLst/>
-                <a:latin typeface="Consolas" panose="020B0609020204030204" pitchFamily="49" charset="0"/>
-              </a:rPr>
-              <a:t>            </a:t>
-            </a:r>
-            <a:r>
-              <a:rPr lang="en-HK" sz="1100" b="0" dirty="0" err="1">
-                <a:effectLst/>
-                <a:latin typeface="Consolas" panose="020B0609020204030204" pitchFamily="49" charset="0"/>
-              </a:rPr>
-              <a:t>Is_First_Captured</a:t>
-            </a:r>
-            <a:r>
-              <a:rPr lang="en-HK" sz="1100" b="0" dirty="0">
-                <a:effectLst/>
-                <a:latin typeface="Consolas" panose="020B0609020204030204" pitchFamily="49" charset="0"/>
-              </a:rPr>
-              <a:t> = 0; // set it back to false</a:t>
-            </a:r>
-          </a:p>
-          <a:p>
-            <a:r>
-              <a:rPr lang="en-HK" sz="1100" b="0" dirty="0">
-                <a:effectLst/>
-                <a:latin typeface="Consolas" panose="020B0609020204030204" pitchFamily="49" charset="0"/>
-              </a:rPr>
-              <a:t>        }</a:t>
-            </a:r>
-          </a:p>
-          <a:p>
-            <a:br>
-              <a:rPr lang="en-HK" sz="1100" b="0" dirty="0">
-                <a:effectLst/>
-                <a:latin typeface="Consolas" panose="020B0609020204030204" pitchFamily="49" charset="0"/>
-              </a:rPr>
-            </a:br>
-            <a:r>
-              <a:rPr lang="en-HK" sz="1100" b="0" dirty="0">
-                <a:effectLst/>
-                <a:latin typeface="Consolas" panose="020B0609020204030204" pitchFamily="49" charset="0"/>
-              </a:rPr>
-              <a:t>    }</a:t>
-            </a:r>
-          </a:p>
-          <a:p>
-            <a:br>
-              <a:rPr lang="en-HK" sz="1100" b="0" dirty="0">
-                <a:effectLst/>
-                <a:latin typeface="Consolas" panose="020B0609020204030204" pitchFamily="49" charset="0"/>
-              </a:rPr>
-            </a:br>
-            <a:r>
-              <a:rPr lang="en-HK" sz="1100" b="0" dirty="0">
-                <a:effectLst/>
-                <a:latin typeface="Consolas" panose="020B0609020204030204" pitchFamily="49" charset="0"/>
-              </a:rPr>
-              <a:t>}</a:t>
-            </a:r>
-          </a:p>
-        </p:txBody>
-      </p:sp>
-    </p:spTree>
-    <p:extLst>
-      <p:ext uri="{BB962C8B-B14F-4D97-AF65-F5344CB8AC3E}">
-        <p14:creationId xmlns:p14="http://schemas.microsoft.com/office/powerpoint/2010/main" val="2964043466"/>
-      </p:ext>
-    </p:extLst>
-  </p:cSld>
-  <p:clrMapOvr>
-    <a:masterClrMapping/>
-  </p:clrMapOvr>
-</p:sld>
-</file>
-
-<file path=ppt/slides/slide27.xml><?xml version="1.0" encoding="utf-8"?>
-<p:sld xmlns:a="http://schemas.openxmlformats.org/drawingml/2006/main" xmlns:r="http://schemas.openxmlformats.org/officeDocument/2006/relationships" xmlns:p="http://schemas.openxmlformats.org/presentationml/2006/main">
-  <p:cSld>
-    <p:spTree>
-      <p:nvGrpSpPr>
-        <p:cNvPr id="1" name=""/>
-        <p:cNvGrpSpPr/>
-        <p:nvPr/>
-      </p:nvGrpSpPr>
-      <p:grpSpPr>
-        <a:xfrm>
-          <a:off x="0" y="0"/>
-          <a:ext cx="0" cy="0"/>
-          <a:chOff x="0" y="0"/>
-          <a:chExt cx="0" cy="0"/>
-        </a:xfrm>
-      </p:grpSpPr>
-      <p:sp>
-        <p:nvSpPr>
-          <p:cNvPr id="4" name="Title 3">
-            <a:extLst>
-              <a:ext uri="{FF2B5EF4-FFF2-40B4-BE49-F238E27FC236}">
-                <a16:creationId xmlns:a16="http://schemas.microsoft.com/office/drawing/2014/main" id="{84CA475F-3AE0-456D-9A63-2387951201FC}"/>
-              </a:ext>
-            </a:extLst>
-          </p:cNvPr>
-          <p:cNvSpPr>
-            <a:spLocks noGrp="1"/>
-          </p:cNvSpPr>
-          <p:nvPr>
-            <p:ph type="title"/>
-          </p:nvPr>
-        </p:nvSpPr>
-        <p:spPr/>
-        <p:txBody>
-          <a:bodyPr/>
-          <a:lstStyle/>
-          <a:p>
-            <a:r>
-              <a:rPr lang="en-US" dirty="0"/>
-              <a:t>UART</a:t>
-            </a:r>
-            <a:endParaRPr lang="en-HK" dirty="0"/>
-          </a:p>
-        </p:txBody>
-      </p:sp>
-      <p:sp>
-        <p:nvSpPr>
-          <p:cNvPr id="5" name="Text Placeholder 4">
-            <a:extLst>
-              <a:ext uri="{FF2B5EF4-FFF2-40B4-BE49-F238E27FC236}">
-                <a16:creationId xmlns:a16="http://schemas.microsoft.com/office/drawing/2014/main" id="{6E55FA59-493C-4320-9EFF-8F509D4F9BC6}"/>
-              </a:ext>
-            </a:extLst>
-          </p:cNvPr>
-          <p:cNvSpPr>
-            <a:spLocks noGrp="1"/>
-          </p:cNvSpPr>
-          <p:nvPr>
-            <p:ph type="body" idx="1"/>
-          </p:nvPr>
-        </p:nvSpPr>
-        <p:spPr/>
-        <p:txBody>
-          <a:bodyPr/>
-          <a:lstStyle/>
-          <a:p>
-            <a:endParaRPr lang="en-HK"/>
-          </a:p>
-        </p:txBody>
-      </p:sp>
-    </p:spTree>
-    <p:extLst>
-      <p:ext uri="{BB962C8B-B14F-4D97-AF65-F5344CB8AC3E}">
-        <p14:creationId xmlns:p14="http://schemas.microsoft.com/office/powerpoint/2010/main" val="2313483707"/>
-      </p:ext>
-    </p:extLst>
-  </p:cSld>
-  <p:clrMapOvr>
-    <a:masterClrMapping/>
-  </p:clrMapOvr>
-</p:sld>
-</file>
-
-<file path=ppt/slides/slide28.xml><?xml version="1.0" encoding="utf-8"?>
-<p:sld xmlns:a="http://schemas.openxmlformats.org/drawingml/2006/main" xmlns:r="http://schemas.openxmlformats.org/officeDocument/2006/relationships" xmlns:p="http://schemas.openxmlformats.org/presentationml/2006/main">
-  <p:cSld>
-    <p:spTree>
-      <p:nvGrpSpPr>
-        <p:cNvPr id="1" name=""/>
-        <p:cNvGrpSpPr/>
-        <p:nvPr/>
-      </p:nvGrpSpPr>
-      <p:grpSpPr>
-        <a:xfrm>
-          <a:off x="0" y="0"/>
-          <a:ext cx="0" cy="0"/>
-          <a:chOff x="0" y="0"/>
-          <a:chExt cx="0" cy="0"/>
-        </a:xfrm>
-      </p:grpSpPr>
-      <p:sp>
-        <p:nvSpPr>
-          <p:cNvPr id="4" name="Title 3">
-            <a:extLst>
-              <a:ext uri="{FF2B5EF4-FFF2-40B4-BE49-F238E27FC236}">
-                <a16:creationId xmlns:a16="http://schemas.microsoft.com/office/drawing/2014/main" id="{AB0CE8B8-0CEF-45D2-BA8B-2EF195922D36}"/>
-              </a:ext>
-            </a:extLst>
-          </p:cNvPr>
-          <p:cNvSpPr>
-            <a:spLocks noGrp="1"/>
-          </p:cNvSpPr>
-          <p:nvPr>
-            <p:ph type="title"/>
-          </p:nvPr>
-        </p:nvSpPr>
-        <p:spPr/>
-        <p:txBody>
-          <a:bodyPr/>
-          <a:lstStyle/>
-          <a:p>
-            <a:r>
-              <a:rPr lang="en-US" dirty="0"/>
-              <a:t>Setup UART</a:t>
-            </a:r>
-            <a:endParaRPr lang="en-HK" dirty="0"/>
-          </a:p>
-        </p:txBody>
-      </p:sp>
-      <p:sp>
-        <p:nvSpPr>
-          <p:cNvPr id="5" name="Content Placeholder 4">
-            <a:extLst>
-              <a:ext uri="{FF2B5EF4-FFF2-40B4-BE49-F238E27FC236}">
-                <a16:creationId xmlns:a16="http://schemas.microsoft.com/office/drawing/2014/main" id="{FA049857-2EC5-4A90-8E77-884E4053CF5B}"/>
-              </a:ext>
-            </a:extLst>
-          </p:cNvPr>
-          <p:cNvSpPr>
-            <a:spLocks noGrp="1"/>
-          </p:cNvSpPr>
-          <p:nvPr>
-            <p:ph idx="1"/>
-          </p:nvPr>
-        </p:nvSpPr>
-        <p:spPr>
-          <a:xfrm>
-            <a:off x="838200" y="1825625"/>
-            <a:ext cx="4949414" cy="4351338"/>
-          </a:xfrm>
-        </p:spPr>
-        <p:txBody>
-          <a:bodyPr/>
-          <a:lstStyle/>
-          <a:p>
-            <a:r>
-              <a:rPr lang="en-US" dirty="0"/>
-              <a:t>Enable USART1 and set the Baud Rate to </a:t>
-            </a:r>
-            <a:r>
-              <a:rPr lang="en-US" dirty="0">
-                <a:solidFill>
-                  <a:srgbClr val="C00000"/>
-                </a:solidFill>
-              </a:rPr>
-              <a:t>9600</a:t>
-            </a:r>
-          </a:p>
-          <a:p>
-            <a:endParaRPr lang="en-HK" dirty="0"/>
-          </a:p>
-        </p:txBody>
-      </p:sp>
-      <p:pic>
-        <p:nvPicPr>
-          <p:cNvPr id="7" name="Picture 6">
-            <a:extLst>
-              <a:ext uri="{FF2B5EF4-FFF2-40B4-BE49-F238E27FC236}">
-                <a16:creationId xmlns:a16="http://schemas.microsoft.com/office/drawing/2014/main" id="{AC078ED6-4CB1-47B8-9B63-AB9CE8A8FFD3}"/>
-              </a:ext>
-            </a:extLst>
-          </p:cNvPr>
-          <p:cNvPicPr>
-            <a:picLocks noChangeAspect="1"/>
-          </p:cNvPicPr>
-          <p:nvPr/>
-        </p:nvPicPr>
-        <p:blipFill rotWithShape="1">
-          <a:blip r:embed="rId2"/>
-          <a:srcRect b="14009"/>
-          <a:stretch/>
-        </p:blipFill>
-        <p:spPr>
-          <a:xfrm>
-            <a:off x="6245678" y="260244"/>
-            <a:ext cx="5764338" cy="5897264"/>
-          </a:xfrm>
-          <a:prstGeom prst="rect">
-            <a:avLst/>
-          </a:prstGeom>
-        </p:spPr>
-      </p:pic>
-      <p:sp>
-        <p:nvSpPr>
-          <p:cNvPr id="8" name="Rectangle: Rounded Corners 7">
-            <a:extLst>
-              <a:ext uri="{FF2B5EF4-FFF2-40B4-BE49-F238E27FC236}">
-                <a16:creationId xmlns:a16="http://schemas.microsoft.com/office/drawing/2014/main" id="{CB068638-A407-44E8-9274-BE966AF84620}"/>
-              </a:ext>
-            </a:extLst>
-          </p:cNvPr>
-          <p:cNvSpPr/>
-          <p:nvPr/>
-        </p:nvSpPr>
-        <p:spPr>
-          <a:xfrm>
-            <a:off x="7957713" y="729675"/>
-            <a:ext cx="3944186" cy="205222"/>
-          </a:xfrm>
-          <a:prstGeom prst="roundRect">
-            <a:avLst/>
-          </a:prstGeom>
-          <a:noFill/>
-          <a:ln w="57150">
-            <a:solidFill>
-              <a:srgbClr val="C00000"/>
-            </a:solidFill>
-          </a:ln>
-        </p:spPr>
-        <p:style>
-          <a:lnRef idx="2">
-            <a:schemeClr val="accent1">
-              <a:shade val="50000"/>
-            </a:schemeClr>
-          </a:lnRef>
-          <a:fillRef idx="1">
-            <a:schemeClr val="accent1"/>
-          </a:fillRef>
-          <a:effectRef idx="0">
-            <a:schemeClr val="accent1"/>
-          </a:effectRef>
-          <a:fontRef idx="minor">
-            <a:schemeClr val="lt1"/>
-          </a:fontRef>
-        </p:style>
-        <p:txBody>
-          <a:bodyPr rtlCol="0" anchor="ctr"/>
-          <a:lstStyle/>
-          <a:p>
-            <a:pPr algn="ctr"/>
-            <a:endParaRPr lang="en-US" dirty="0"/>
-          </a:p>
-        </p:txBody>
-      </p:sp>
-      <p:sp>
-        <p:nvSpPr>
-          <p:cNvPr id="9" name="Rectangle: Rounded Corners 8">
-            <a:extLst>
-              <a:ext uri="{FF2B5EF4-FFF2-40B4-BE49-F238E27FC236}">
-                <a16:creationId xmlns:a16="http://schemas.microsoft.com/office/drawing/2014/main" id="{ACE22CE4-9AF0-44C9-8AFE-57BF85E66C4B}"/>
-              </a:ext>
-            </a:extLst>
-          </p:cNvPr>
-          <p:cNvSpPr/>
-          <p:nvPr/>
-        </p:nvSpPr>
-        <p:spPr>
-          <a:xfrm>
-            <a:off x="8012836" y="3304262"/>
-            <a:ext cx="3944186" cy="205222"/>
-          </a:xfrm>
-          <a:prstGeom prst="roundRect">
-            <a:avLst/>
-          </a:prstGeom>
-          <a:noFill/>
-          <a:ln w="57150">
-            <a:solidFill>
-              <a:srgbClr val="C00000"/>
-            </a:solidFill>
-          </a:ln>
-        </p:spPr>
-        <p:style>
-          <a:lnRef idx="2">
-            <a:schemeClr val="accent1">
-              <a:shade val="50000"/>
-            </a:schemeClr>
-          </a:lnRef>
-          <a:fillRef idx="1">
-            <a:schemeClr val="accent1"/>
-          </a:fillRef>
-          <a:effectRef idx="0">
-            <a:schemeClr val="accent1"/>
-          </a:effectRef>
-          <a:fontRef idx="minor">
-            <a:schemeClr val="lt1"/>
-          </a:fontRef>
-        </p:style>
-        <p:txBody>
-          <a:bodyPr rtlCol="0" anchor="ctr"/>
-          <a:lstStyle/>
-          <a:p>
-            <a:pPr algn="ctr"/>
-            <a:endParaRPr lang="en-US" dirty="0"/>
-          </a:p>
-        </p:txBody>
-      </p:sp>
-    </p:spTree>
-    <p:extLst>
-      <p:ext uri="{BB962C8B-B14F-4D97-AF65-F5344CB8AC3E}">
-        <p14:creationId xmlns:p14="http://schemas.microsoft.com/office/powerpoint/2010/main" val="2804101608"/>
-      </p:ext>
-    </p:extLst>
-  </p:cSld>
-  <p:clrMapOvr>
-    <a:masterClrMapping/>
-  </p:clrMapOvr>
-</p:sld>
-</file>
-
 <file path=ppt/slides/slide29.xml><?xml version="1.0" encoding="utf-8"?>
 <p:sld xmlns:a="http://schemas.openxmlformats.org/drawingml/2006/main" xmlns:r="http://schemas.openxmlformats.org/officeDocument/2006/relationships" xmlns:p="http://schemas.openxmlformats.org/presentationml/2006/main">
   <p:cSld>
@@ -9840,7 +9658,7 @@
           <p:cNvPr id="2" name="Title 1">
             <a:extLst>
               <a:ext uri="{FF2B5EF4-FFF2-40B4-BE49-F238E27FC236}">
-                <a16:creationId xmlns:a16="http://schemas.microsoft.com/office/drawing/2014/main" id="{A400DC82-111E-4040-925C-93EB13EEF5D4}"/>
+                <a16:creationId xmlns:a16="http://schemas.microsoft.com/office/drawing/2014/main" id="{257C2BD4-224D-4FFE-9670-BA8B38A7DFCC}"/>
               </a:ext>
             </a:extLst>
           </p:cNvPr>
@@ -9856,7 +9674,11 @@
           <a:bodyPr/>
           <a:lstStyle/>
           <a:p>
-            <a:endParaRPr lang="en-HK"/>
+            <a:r>
+              <a:rPr lang="en-US" dirty="0"/>
+              <a:t>User code</a:t>
+            </a:r>
+            <a:endParaRPr lang="en-HK" dirty="0"/>
           </a:p>
         </p:txBody>
       </p:sp>
@@ -9865,7 +9687,7 @@
           <p:cNvPr id="3" name="Content Placeholder 2">
             <a:extLst>
               <a:ext uri="{FF2B5EF4-FFF2-40B4-BE49-F238E27FC236}">
-                <a16:creationId xmlns:a16="http://schemas.microsoft.com/office/drawing/2014/main" id="{A4E7449E-E1B6-414B-9E6B-843E157F45CC}"/>
+                <a16:creationId xmlns:a16="http://schemas.microsoft.com/office/drawing/2014/main" id="{E459DE43-5923-4F9A-81BE-C3FB48871B92}"/>
               </a:ext>
             </a:extLst>
           </p:cNvPr>
@@ -9879,7 +9701,7 @@
         <p:spPr>
           <a:xfrm>
             <a:off x="838200" y="1825625"/>
-            <a:ext cx="4784387" cy="4351338"/>
+            <a:ext cx="5400230" cy="4351338"/>
           </a:xfrm>
         </p:spPr>
         <p:txBody>
@@ -9888,110 +9710,118 @@
           <a:p>
             <a:r>
               <a:rPr lang="en-US" dirty="0"/>
-              <a:t>Enable interrupt in </a:t>
-            </a:r>
-            <a:r>
-              <a:rPr lang="en-US" dirty="0">
-                <a:solidFill>
-                  <a:srgbClr val="C00000"/>
-                </a:solidFill>
-              </a:rPr>
-              <a:t>NVIC Settings</a:t>
-            </a:r>
-            <a:endParaRPr lang="en-HK" dirty="0">
-              <a:solidFill>
-                <a:srgbClr val="C00000"/>
-              </a:solidFill>
-            </a:endParaRPr>
-          </a:p>
-        </p:txBody>
-      </p:sp>
-      <p:pic>
-        <p:nvPicPr>
-          <p:cNvPr id="5" name="Picture 4">
+              <a:t>Enable the PWM generation as the configuration</a:t>
+            </a:r>
+            <a:endParaRPr lang="en-HK" dirty="0"/>
+          </a:p>
+        </p:txBody>
+      </p:sp>
+      <p:sp>
+        <p:nvSpPr>
+          <p:cNvPr id="4" name="TextBox 3">
             <a:extLst>
               <a:ext uri="{FF2B5EF4-FFF2-40B4-BE49-F238E27FC236}">
-                <a16:creationId xmlns:a16="http://schemas.microsoft.com/office/drawing/2014/main" id="{FBC0CB78-88BB-4142-8FAE-3D01C208D521}"/>
+                <a16:creationId xmlns:a16="http://schemas.microsoft.com/office/drawing/2014/main" id="{3D24EAA8-65B8-405C-81B0-07DA3FE7DEE7}"/>
               </a:ext>
             </a:extLst>
           </p:cNvPr>
-          <p:cNvPicPr>
-            <a:picLocks noChangeAspect="1"/>
-          </p:cNvPicPr>
+          <p:cNvSpPr txBox="1"/>
           <p:nvPr/>
-        </p:nvPicPr>
-        <p:blipFill>
-          <a:blip r:embed="rId2"/>
-          <a:stretch>
-            <a:fillRect/>
-          </a:stretch>
-        </p:blipFill>
+        </p:nvSpPr>
         <p:spPr>
           <a:xfrm>
-            <a:off x="6569415" y="1960266"/>
-            <a:ext cx="4915586" cy="2314898"/>
+            <a:off x="6388768" y="2132596"/>
+            <a:ext cx="5049252" cy="938719"/>
           </a:xfrm>
           <a:prstGeom prst="rect">
             <a:avLst/>
           </a:prstGeom>
+          <a:noFill/>
         </p:spPr>
-      </p:pic>
-      <p:sp>
-        <p:nvSpPr>
-          <p:cNvPr id="6" name="Rectangle: Rounded Corners 5">
-            <a:extLst>
-              <a:ext uri="{FF2B5EF4-FFF2-40B4-BE49-F238E27FC236}">
-                <a16:creationId xmlns:a16="http://schemas.microsoft.com/office/drawing/2014/main" id="{F3F34E05-69A2-423A-B9F2-01F878DD2240}"/>
-              </a:ext>
-            </a:extLst>
-          </p:cNvPr>
-          <p:cNvSpPr/>
-          <p:nvPr/>
-        </p:nvSpPr>
-        <p:spPr>
-          <a:xfrm>
-            <a:off x="6534231" y="2983248"/>
-            <a:ext cx="4950770" cy="217151"/>
-          </a:xfrm>
-          <a:prstGeom prst="roundRect">
-            <a:avLst/>
-          </a:prstGeom>
-          <a:noFill/>
-          <a:ln w="57150">
-            <a:solidFill>
-              <a:srgbClr val="C00000"/>
-            </a:solidFill>
-          </a:ln>
-        </p:spPr>
-        <p:style>
-          <a:lnRef idx="2">
-            <a:schemeClr val="accent1">
-              <a:shade val="50000"/>
-            </a:schemeClr>
-          </a:lnRef>
-          <a:fillRef idx="1">
-            <a:schemeClr val="accent1"/>
-          </a:fillRef>
-          <a:effectRef idx="0">
-            <a:schemeClr val="accent1"/>
-          </a:effectRef>
-          <a:fontRef idx="minor">
-            <a:schemeClr val="lt1"/>
-          </a:fontRef>
-        </p:style>
-        <p:txBody>
-          <a:bodyPr rtlCol="0" anchor="ctr"/>
-          <a:lstStyle/>
-          <a:p>
-            <a:pPr algn="ctr"/>
-            <a:endParaRPr lang="en-US" dirty="0"/>
+        <p:txBody>
+          <a:bodyPr rot="0" spcFirstLastPara="0" vertOverflow="overflow" horzOverflow="overflow" vert="horz" wrap="square" lIns="91440" tIns="45720" rIns="91440" bIns="45720" numCol="1" spcCol="0" rtlCol="0" fromWordArt="0" anchor="t" anchorCtr="0" forceAA="0" compatLnSpc="1">
+            <a:prstTxWarp prst="textNoShape">
+              <a:avLst/>
+            </a:prstTxWarp>
+            <a:spAutoFit/>
+          </a:bodyPr>
+          <a:lstStyle/>
+          <a:p>
+            <a:r>
+              <a:rPr lang="en-US" sz="1100" dirty="0">
+                <a:latin typeface="Consolas"/>
+                <a:ea typeface="+mn-lt"/>
+                <a:cs typeface="+mn-lt"/>
+              </a:rPr>
+              <a:t>int main() {</a:t>
+            </a:r>
+          </a:p>
+          <a:p>
+            <a:r>
+              <a:rPr lang="en-US" sz="1100" dirty="0">
+                <a:latin typeface="Consolas"/>
+                <a:ea typeface="+mn-lt"/>
+                <a:cs typeface="+mn-lt"/>
+              </a:rPr>
+              <a:t>    ...</a:t>
+            </a:r>
+          </a:p>
+          <a:p>
+            <a:r>
+              <a:rPr lang="en-US" sz="1100" dirty="0">
+                <a:latin typeface="Consolas"/>
+                <a:ea typeface="+mn-lt"/>
+                <a:cs typeface="+mn-lt"/>
+              </a:rPr>
+              <a:t>    </a:t>
+            </a:r>
+            <a:r>
+              <a:rPr lang="en-US" sz="1100" dirty="0" err="1">
+                <a:latin typeface="Consolas"/>
+                <a:ea typeface="+mn-lt"/>
+                <a:cs typeface="+mn-lt"/>
+              </a:rPr>
+              <a:t>HAL_TIM_PWM_Start</a:t>
+            </a:r>
+            <a:r>
+              <a:rPr lang="en-US" sz="1100" dirty="0">
+                <a:latin typeface="Consolas"/>
+                <a:ea typeface="+mn-lt"/>
+                <a:cs typeface="+mn-lt"/>
+              </a:rPr>
+              <a:t>(&amp;htim3, TIM_CHANNEL_3);</a:t>
+            </a:r>
+          </a:p>
+          <a:p>
+            <a:r>
+              <a:rPr lang="en-US" sz="1100" dirty="0">
+                <a:latin typeface="Consolas"/>
+                <a:ea typeface="+mn-lt"/>
+                <a:cs typeface="+mn-lt"/>
+              </a:rPr>
+              <a:t>    while (1){...}</a:t>
+            </a:r>
+          </a:p>
+          <a:p>
+            <a:r>
+              <a:rPr lang="en-US" sz="1100" dirty="0">
+                <a:latin typeface="Consolas"/>
+                <a:ea typeface="+mn-lt"/>
+                <a:cs typeface="+mn-lt"/>
+              </a:rPr>
+              <a:t>}</a:t>
+            </a:r>
+            <a:endParaRPr lang="en-US" dirty="0">
+              <a:ea typeface="+mn-lt"/>
+              <a:cs typeface="+mn-lt"/>
+            </a:endParaRPr>
           </a:p>
         </p:txBody>
       </p:sp>
     </p:spTree>
     <p:extLst>
       <p:ext uri="{BB962C8B-B14F-4D97-AF65-F5344CB8AC3E}">
-        <p14:creationId xmlns:p14="http://schemas.microsoft.com/office/powerpoint/2010/main" val="2324313033"/>
+        <p14:creationId xmlns:p14="http://schemas.microsoft.com/office/powerpoint/2010/main" val="149410324"/>
       </p:ext>
     </p:extLst>
   </p:cSld>
@@ -10289,7 +10119,7 @@
           <p:cNvPr id="2" name="Title 1">
             <a:extLst>
               <a:ext uri="{FF2B5EF4-FFF2-40B4-BE49-F238E27FC236}">
-                <a16:creationId xmlns:a16="http://schemas.microsoft.com/office/drawing/2014/main" id="{D80A04A1-8B10-4302-BE33-66ACDCE7C052}"/>
+                <a16:creationId xmlns:a16="http://schemas.microsoft.com/office/drawing/2014/main" id="{F18289CD-877E-4C34-A08D-AC71531CFB2B}"/>
               </a:ext>
             </a:extLst>
           </p:cNvPr>
@@ -10305,7 +10135,11 @@
           <a:bodyPr/>
           <a:lstStyle/>
           <a:p>
-            <a:endParaRPr lang="en-HK"/>
+            <a:r>
+              <a:rPr lang="en-US" dirty="0"/>
+              <a:t>Setup Timer for Input Capture</a:t>
+            </a:r>
+            <a:endParaRPr lang="en-HK" dirty="0"/>
           </a:p>
         </p:txBody>
       </p:sp>
@@ -10314,7 +10148,7 @@
           <p:cNvPr id="3" name="Content Placeholder 2">
             <a:extLst>
               <a:ext uri="{FF2B5EF4-FFF2-40B4-BE49-F238E27FC236}">
-                <a16:creationId xmlns:a16="http://schemas.microsoft.com/office/drawing/2014/main" id="{051F9865-59C7-4910-BBF2-0F86D6F95DF8}"/>
+                <a16:creationId xmlns:a16="http://schemas.microsoft.com/office/drawing/2014/main" id="{9310D425-FA22-4D96-BA50-660F87CB1557}"/>
               </a:ext>
             </a:extLst>
           </p:cNvPr>
@@ -10328,7 +10162,7 @@
         <p:spPr>
           <a:xfrm>
             <a:off x="838200" y="1825625"/>
-            <a:ext cx="5045765" cy="4351338"/>
+            <a:ext cx="5101840" cy="4351338"/>
           </a:xfrm>
         </p:spPr>
         <p:txBody>
@@ -10337,7 +10171,7 @@
           <a:p>
             <a:r>
               <a:rPr lang="en-US" dirty="0"/>
-              <a:t>Enable float formatting in setting by right click the project-&gt; Properties -&gt; C/C++ Build -&gt; Settings -&gt; MCU settings -&gt; check </a:t>
+              <a:t>Change TIM1 Channel 1 to </a:t>
             </a:r>
             <a:r>
               <a:rPr lang="en-US" dirty="0">
@@ -10345,34 +10179,44 @@
                   <a:srgbClr val="C00000"/>
                 </a:solidFill>
               </a:rPr>
-              <a:t>Use float with </a:t>
-            </a:r>
-            <a:r>
-              <a:rPr lang="en-US" dirty="0" err="1">
+              <a:t>Input Capture direct mode</a:t>
+            </a:r>
+          </a:p>
+          <a:p>
+            <a:r>
+              <a:rPr lang="en-HK" dirty="0"/>
+              <a:t>Configure </a:t>
+            </a:r>
+            <a:r>
+              <a:rPr lang="en-HK" dirty="0">
                 <a:solidFill>
                   <a:srgbClr val="C00000"/>
                 </a:solidFill>
               </a:rPr>
-              <a:t>printf</a:t>
-            </a:r>
-            <a:r>
-              <a:rPr lang="en-US" dirty="0">
+              <a:t>Pre-scaler</a:t>
+            </a:r>
+            <a:r>
+              <a:rPr lang="en-HK" dirty="0"/>
+              <a:t> to 48 – 1 and </a:t>
+            </a:r>
+            <a:r>
+              <a:rPr lang="en-HK" dirty="0">
                 <a:solidFill>
                   <a:srgbClr val="C00000"/>
                 </a:solidFill>
               </a:rPr>
-              <a:t>…</a:t>
-            </a:r>
-          </a:p>
-          <a:p>
-            <a:pPr marL="0" indent="0">
-              <a:buNone/>
-            </a:pPr>
-            <a:endParaRPr lang="en-HK" dirty="0">
-              <a:solidFill>
-                <a:srgbClr val="C00000"/>
-              </a:solidFill>
-            </a:endParaRPr>
+              <a:t>Counter Period</a:t>
+            </a:r>
+            <a:r>
+              <a:rPr lang="en-HK" dirty="0"/>
+              <a:t> to 0xffff – 1</a:t>
+            </a:r>
+          </a:p>
+          <a:p>
+            <a:endParaRPr lang="en-HK" dirty="0"/>
+          </a:p>
+          <a:p>
+            <a:endParaRPr lang="en-HK" dirty="0"/>
           </a:p>
         </p:txBody>
       </p:sp>
@@ -10381,7 +10225,7 @@
           <p:cNvPr id="5" name="Picture 4">
             <a:extLst>
               <a:ext uri="{FF2B5EF4-FFF2-40B4-BE49-F238E27FC236}">
-                <a16:creationId xmlns:a16="http://schemas.microsoft.com/office/drawing/2014/main" id="{04E1E1ED-ADC4-46BC-A359-068E30F0B246}"/>
+                <a16:creationId xmlns:a16="http://schemas.microsoft.com/office/drawing/2014/main" id="{A61DD11B-60CC-473C-8321-6443752808A6}"/>
               </a:ext>
             </a:extLst>
           </p:cNvPr>
@@ -10398,8 +10242,8 @@
         </p:blipFill>
         <p:spPr>
           <a:xfrm>
-            <a:off x="6001966" y="0"/>
-            <a:ext cx="6584323" cy="6858000"/>
+            <a:off x="6096000" y="1391055"/>
+            <a:ext cx="5198706" cy="5466945"/>
           </a:xfrm>
           <a:prstGeom prst="rect">
             <a:avLst/>
@@ -10411,7 +10255,7 @@
           <p:cNvPr id="6" name="Rectangle: Rounded Corners 5">
             <a:extLst>
               <a:ext uri="{FF2B5EF4-FFF2-40B4-BE49-F238E27FC236}">
-                <a16:creationId xmlns:a16="http://schemas.microsoft.com/office/drawing/2014/main" id="{3BD06AB0-4265-414D-AC64-52692C6C3540}"/>
+                <a16:creationId xmlns:a16="http://schemas.microsoft.com/office/drawing/2014/main" id="{77A1155F-9932-43B0-A3D1-D21EF173BD4C}"/>
               </a:ext>
             </a:extLst>
           </p:cNvPr>
@@ -10420,8 +10264,8 @@
         </p:nvSpPr>
         <p:spPr>
           <a:xfrm>
-            <a:off x="9309369" y="2817879"/>
-            <a:ext cx="2723745" cy="178240"/>
+            <a:off x="8546129" y="4950438"/>
+            <a:ext cx="2636770" cy="145900"/>
           </a:xfrm>
           <a:prstGeom prst="roundRect">
             <a:avLst/>
@@ -10458,10 +10302,114 @@
           </a:p>
         </p:txBody>
       </p:sp>
+      <p:sp>
+        <p:nvSpPr>
+          <p:cNvPr id="7" name="Rectangle: Rounded Corners 6">
+            <a:extLst>
+              <a:ext uri="{FF2B5EF4-FFF2-40B4-BE49-F238E27FC236}">
+                <a16:creationId xmlns:a16="http://schemas.microsoft.com/office/drawing/2014/main" id="{95147C30-B37D-4C53-827B-D8D3F9279BDC}"/>
+              </a:ext>
+            </a:extLst>
+          </p:cNvPr>
+          <p:cNvSpPr/>
+          <p:nvPr/>
+        </p:nvSpPr>
+        <p:spPr>
+          <a:xfrm>
+            <a:off x="8546129" y="5220751"/>
+            <a:ext cx="2672438" cy="145900"/>
+          </a:xfrm>
+          <a:prstGeom prst="roundRect">
+            <a:avLst/>
+          </a:prstGeom>
+          <a:noFill/>
+          <a:ln w="57150">
+            <a:solidFill>
+              <a:srgbClr val="C00000"/>
+            </a:solidFill>
+          </a:ln>
+        </p:spPr>
+        <p:style>
+          <a:lnRef idx="2">
+            <a:schemeClr val="accent1">
+              <a:shade val="50000"/>
+            </a:schemeClr>
+          </a:lnRef>
+          <a:fillRef idx="1">
+            <a:schemeClr val="accent1"/>
+          </a:fillRef>
+          <a:effectRef idx="0">
+            <a:schemeClr val="accent1"/>
+          </a:effectRef>
+          <a:fontRef idx="minor">
+            <a:schemeClr val="lt1"/>
+          </a:fontRef>
+        </p:style>
+        <p:txBody>
+          <a:bodyPr rtlCol="0" anchor="ctr"/>
+          <a:lstStyle/>
+          <a:p>
+            <a:pPr algn="ctr"/>
+            <a:endParaRPr lang="en-US" dirty="0"/>
+          </a:p>
+        </p:txBody>
+      </p:sp>
+      <p:sp>
+        <p:nvSpPr>
+          <p:cNvPr id="8" name="Rectangle: Rounded Corners 7">
+            <a:extLst>
+              <a:ext uri="{FF2B5EF4-FFF2-40B4-BE49-F238E27FC236}">
+                <a16:creationId xmlns:a16="http://schemas.microsoft.com/office/drawing/2014/main" id="{C253D7B2-A1F1-41F4-8607-399E1649AA48}"/>
+              </a:ext>
+            </a:extLst>
+          </p:cNvPr>
+          <p:cNvSpPr/>
+          <p:nvPr/>
+        </p:nvSpPr>
+        <p:spPr>
+          <a:xfrm>
+            <a:off x="8501976" y="2274181"/>
+            <a:ext cx="2636770" cy="145900"/>
+          </a:xfrm>
+          <a:prstGeom prst="roundRect">
+            <a:avLst/>
+          </a:prstGeom>
+          <a:noFill/>
+          <a:ln w="57150">
+            <a:solidFill>
+              <a:srgbClr val="C00000"/>
+            </a:solidFill>
+          </a:ln>
+        </p:spPr>
+        <p:style>
+          <a:lnRef idx="2">
+            <a:schemeClr val="accent1">
+              <a:shade val="50000"/>
+            </a:schemeClr>
+          </a:lnRef>
+          <a:fillRef idx="1">
+            <a:schemeClr val="accent1"/>
+          </a:fillRef>
+          <a:effectRef idx="0">
+            <a:schemeClr val="accent1"/>
+          </a:effectRef>
+          <a:fontRef idx="minor">
+            <a:schemeClr val="lt1"/>
+          </a:fontRef>
+        </p:style>
+        <p:txBody>
+          <a:bodyPr rtlCol="0" anchor="ctr"/>
+          <a:lstStyle/>
+          <a:p>
+            <a:pPr algn="ctr"/>
+            <a:endParaRPr lang="en-US" dirty="0"/>
+          </a:p>
+        </p:txBody>
+      </p:sp>
     </p:spTree>
     <p:extLst>
       <p:ext uri="{BB962C8B-B14F-4D97-AF65-F5344CB8AC3E}">
-        <p14:creationId xmlns:p14="http://schemas.microsoft.com/office/powerpoint/2010/main" val="1242472313"/>
+        <p14:creationId xmlns:p14="http://schemas.microsoft.com/office/powerpoint/2010/main" val="1833161037"/>
       </p:ext>
     </p:extLst>
   </p:cSld>
@@ -10493,7 +10441,7 @@
           <p:cNvPr id="2" name="Title 1">
             <a:extLst>
               <a:ext uri="{FF2B5EF4-FFF2-40B4-BE49-F238E27FC236}">
-                <a16:creationId xmlns:a16="http://schemas.microsoft.com/office/drawing/2014/main" id="{10A6F85C-53F3-4486-91F8-3F6406982767}"/>
+                <a16:creationId xmlns:a16="http://schemas.microsoft.com/office/drawing/2014/main" id="{1DDED15C-D0F8-4012-9AE3-5EDF5984AA8E}"/>
               </a:ext>
             </a:extLst>
           </p:cNvPr>
@@ -10511,7 +10459,7 @@
           <a:p>
             <a:r>
               <a:rPr lang="en-US" dirty="0"/>
-              <a:t>Send data with interrupt	</a:t>
+              <a:t>User code for ultrasonic sensor</a:t>
             </a:r>
             <a:endParaRPr lang="en-HK" dirty="0"/>
           </a:p>
@@ -10522,7 +10470,7 @@
           <p:cNvPr id="3" name="Content Placeholder 2">
             <a:extLst>
               <a:ext uri="{FF2B5EF4-FFF2-40B4-BE49-F238E27FC236}">
-                <a16:creationId xmlns:a16="http://schemas.microsoft.com/office/drawing/2014/main" id="{9EB07193-79DD-4B34-9190-28DF3BA63888}"/>
+                <a16:creationId xmlns:a16="http://schemas.microsoft.com/office/drawing/2014/main" id="{F131E356-A846-4ABF-81E9-4825C8637467}"/>
               </a:ext>
             </a:extLst>
           </p:cNvPr>
@@ -10536,49 +10484,63 @@
         <p:spPr>
           <a:xfrm>
             <a:off x="838200" y="1825625"/>
-            <a:ext cx="5257800" cy="4351338"/>
+            <a:ext cx="5468596" cy="4351338"/>
           </a:xfrm>
         </p:spPr>
         <p:txBody>
-          <a:bodyPr/>
+          <a:bodyPr>
+            <a:normAutofit lnSpcReduction="10000"/>
+          </a:bodyPr>
           <a:lstStyle/>
           <a:p>
             <a:r>
               <a:rPr lang="en-US" dirty="0"/>
-              <a:t>Use </a:t>
-            </a:r>
-            <a:r>
-              <a:rPr lang="en-US" dirty="0" err="1">
-                <a:solidFill>
-                  <a:srgbClr val="C00000"/>
-                </a:solidFill>
-              </a:rPr>
-              <a:t>HAL_UART_Transmit_IT</a:t>
-            </a:r>
-            <a:r>
-              <a:rPr lang="en-US" dirty="0">
-                <a:solidFill>
-                  <a:srgbClr val="C00000"/>
-                </a:solidFill>
-              </a:rPr>
-              <a:t>() </a:t>
-            </a:r>
+              <a:t>Enable Input Capture interrupt</a:t>
+            </a:r>
+          </a:p>
+          <a:p>
+            <a:endParaRPr lang="en-US" dirty="0"/>
+          </a:p>
+          <a:p>
             <a:r>
               <a:rPr lang="en-US" dirty="0"/>
-              <a:t>function to send data.</a:t>
+              <a:t>Create a function for delay in us</a:t>
+            </a:r>
+          </a:p>
+          <a:p>
+            <a:endParaRPr lang="en-US" dirty="0"/>
+          </a:p>
+          <a:p>
+            <a:r>
+              <a:rPr lang="en-US" dirty="0"/>
+              <a:t>Create a function for sending trigger pulse to the ultrasonic sensor</a:t>
             </a:r>
           </a:p>
           <a:p>
             <a:endParaRPr lang="en-HK" dirty="0"/>
           </a:p>
-        </p:txBody>
-      </p:sp>
-      <p:sp>
-        <p:nvSpPr>
-          <p:cNvPr id="5" name="TextBox 4">
+          <a:p>
+            <a:r>
+              <a:rPr lang="en-HK" dirty="0"/>
+              <a:t>Override the interrupt </a:t>
+            </a:r>
+            <a:r>
+              <a:rPr lang="en-HK" dirty="0" err="1"/>
+              <a:t>callback</a:t>
+            </a:r>
+            <a:r>
+              <a:rPr lang="en-HK" dirty="0"/>
+              <a:t> function</a:t>
+            </a:r>
+          </a:p>
+        </p:txBody>
+      </p:sp>
+      <p:sp>
+        <p:nvSpPr>
+          <p:cNvPr id="4" name="TextBox 3">
             <a:extLst>
               <a:ext uri="{FF2B5EF4-FFF2-40B4-BE49-F238E27FC236}">
-                <a16:creationId xmlns:a16="http://schemas.microsoft.com/office/drawing/2014/main" id="{31DF5A58-63A5-4136-B8B0-925CF3A2AF64}"/>
+                <a16:creationId xmlns:a16="http://schemas.microsoft.com/office/drawing/2014/main" id="{BD685E0F-4480-4B4C-851D-04AD27006D20}"/>
               </a:ext>
             </a:extLst>
           </p:cNvPr>
@@ -10587,8 +10549,8 @@
         </p:nvSpPr>
         <p:spPr>
           <a:xfrm>
-            <a:off x="5797686" y="1815261"/>
-            <a:ext cx="6264612" cy="2800767"/>
+            <a:off x="6489895" y="2878554"/>
+            <a:ext cx="5049252" cy="938719"/>
           </a:xfrm>
           <a:prstGeom prst="rect">
             <a:avLst/>
@@ -10610,17 +10572,255 @@
                 <a:ea typeface="+mn-lt"/>
                 <a:cs typeface="+mn-lt"/>
               </a:rPr>
-              <a:t>char counter = 0;</a:t>
-            </a:r>
-          </a:p>
-          <a:p>
-            <a:r>
-              <a:rPr lang="en-US" sz="1100" dirty="0">
-                <a:latin typeface="Consolas"/>
-                <a:ea typeface="+mn-lt"/>
-                <a:cs typeface="+mn-lt"/>
-              </a:rPr>
-              <a:t>char buffer[16] = { 0 }; </a:t>
+              <a:t>void delay (uint16_t time)</a:t>
+            </a:r>
+          </a:p>
+          <a:p>
+            <a:r>
+              <a:rPr lang="en-US" sz="1100" dirty="0">
+                <a:latin typeface="Consolas"/>
+                <a:ea typeface="+mn-lt"/>
+                <a:cs typeface="+mn-lt"/>
+              </a:rPr>
+              <a:t>{</a:t>
+            </a:r>
+          </a:p>
+          <a:p>
+            <a:r>
+              <a:rPr lang="en-US" sz="1100" dirty="0">
+                <a:latin typeface="Consolas"/>
+                <a:ea typeface="+mn-lt"/>
+                <a:cs typeface="+mn-lt"/>
+              </a:rPr>
+              <a:t>    __HAL_TIM_SET_COUNTER(&amp;htim1, 0);</a:t>
+            </a:r>
+          </a:p>
+          <a:p>
+            <a:r>
+              <a:rPr lang="en-US" sz="1100" dirty="0">
+                <a:latin typeface="Consolas"/>
+                <a:ea typeface="+mn-lt"/>
+                <a:cs typeface="+mn-lt"/>
+              </a:rPr>
+              <a:t>    while (__HAL_TIM_GET_COUNTER (&amp;htim1) &lt; time);</a:t>
+            </a:r>
+          </a:p>
+          <a:p>
+            <a:r>
+              <a:rPr lang="en-US" sz="1100" dirty="0">
+                <a:latin typeface="Consolas"/>
+                <a:ea typeface="+mn-lt"/>
+                <a:cs typeface="+mn-lt"/>
+              </a:rPr>
+              <a:t>}</a:t>
+            </a:r>
+            <a:endParaRPr lang="en-US" dirty="0">
+              <a:ea typeface="+mn-lt"/>
+              <a:cs typeface="+mn-lt"/>
+            </a:endParaRPr>
+          </a:p>
+        </p:txBody>
+      </p:sp>
+      <p:sp>
+        <p:nvSpPr>
+          <p:cNvPr id="5" name="TextBox 4">
+            <a:extLst>
+              <a:ext uri="{FF2B5EF4-FFF2-40B4-BE49-F238E27FC236}">
+                <a16:creationId xmlns:a16="http://schemas.microsoft.com/office/drawing/2014/main" id="{595DCC0F-50E7-4B57-84E6-A444B8C26F90}"/>
+              </a:ext>
+            </a:extLst>
+          </p:cNvPr>
+          <p:cNvSpPr txBox="1"/>
+          <p:nvPr/>
+        </p:nvSpPr>
+        <p:spPr>
+          <a:xfrm>
+            <a:off x="6558260" y="4147506"/>
+            <a:ext cx="5633739" cy="1446550"/>
+          </a:xfrm>
+          <a:prstGeom prst="rect">
+            <a:avLst/>
+          </a:prstGeom>
+          <a:noFill/>
+        </p:spPr>
+        <p:txBody>
+          <a:bodyPr rot="0" spcFirstLastPara="0" vertOverflow="overflow" horzOverflow="overflow" vert="horz" wrap="square" lIns="91440" tIns="45720" rIns="91440" bIns="45720" numCol="1" spcCol="0" rtlCol="0" fromWordArt="0" anchor="t" anchorCtr="0" forceAA="0" compatLnSpc="1">
+            <a:prstTxWarp prst="textNoShape">
+              <a:avLst/>
+            </a:prstTxWarp>
+            <a:spAutoFit/>
+          </a:bodyPr>
+          <a:lstStyle/>
+          <a:p>
+            <a:r>
+              <a:rPr lang="en-US" sz="1100" dirty="0">
+                <a:latin typeface="Consolas"/>
+                <a:ea typeface="+mn-lt"/>
+                <a:cs typeface="+mn-lt"/>
+              </a:rPr>
+              <a:t>void </a:t>
+            </a:r>
+            <a:r>
+              <a:rPr lang="en-US" sz="1100" dirty="0" err="1">
+                <a:latin typeface="Consolas"/>
+                <a:ea typeface="+mn-lt"/>
+                <a:cs typeface="+mn-lt"/>
+              </a:rPr>
+              <a:t>Ultrasonic_Read</a:t>
+            </a:r>
+            <a:r>
+              <a:rPr lang="en-US" sz="1100" dirty="0">
+                <a:latin typeface="Consolas"/>
+                <a:ea typeface="+mn-lt"/>
+                <a:cs typeface="+mn-lt"/>
+              </a:rPr>
+              <a:t>()</a:t>
+            </a:r>
+          </a:p>
+          <a:p>
+            <a:r>
+              <a:rPr lang="en-US" sz="1100" dirty="0">
+                <a:latin typeface="Consolas"/>
+                <a:ea typeface="+mn-lt"/>
+                <a:cs typeface="+mn-lt"/>
+              </a:rPr>
+              <a:t>{</a:t>
+            </a:r>
+          </a:p>
+          <a:p>
+            <a:r>
+              <a:rPr lang="en-US" sz="1100" dirty="0">
+                <a:latin typeface="Consolas"/>
+                <a:ea typeface="+mn-lt"/>
+                <a:cs typeface="+mn-lt"/>
+              </a:rPr>
+              <a:t>    </a:t>
+            </a:r>
+            <a:r>
+              <a:rPr lang="en-US" sz="1100" dirty="0" err="1">
+                <a:latin typeface="Consolas"/>
+                <a:ea typeface="+mn-lt"/>
+                <a:cs typeface="+mn-lt"/>
+              </a:rPr>
+              <a:t>HAL_GPIO_WritePin</a:t>
+            </a:r>
+            <a:r>
+              <a:rPr lang="en-US" sz="1100" dirty="0">
+                <a:latin typeface="Consolas"/>
+                <a:ea typeface="+mn-lt"/>
+                <a:cs typeface="+mn-lt"/>
+              </a:rPr>
+              <a:t>(</a:t>
+            </a:r>
+            <a:r>
+              <a:rPr lang="en-US" sz="1100" dirty="0" err="1">
+                <a:latin typeface="Consolas"/>
+                <a:ea typeface="+mn-lt"/>
+                <a:cs typeface="+mn-lt"/>
+              </a:rPr>
+              <a:t>US_TRIG_GPIO_Port</a:t>
+            </a:r>
+            <a:r>
+              <a:rPr lang="en-US" sz="1100" dirty="0">
+                <a:latin typeface="Consolas"/>
+                <a:ea typeface="+mn-lt"/>
+                <a:cs typeface="+mn-lt"/>
+              </a:rPr>
+              <a:t>, </a:t>
+            </a:r>
+            <a:r>
+              <a:rPr lang="en-US" sz="1100" dirty="0" err="1">
+                <a:latin typeface="Consolas"/>
+                <a:ea typeface="+mn-lt"/>
+                <a:cs typeface="+mn-lt"/>
+              </a:rPr>
+              <a:t>US_TRIG_Pin</a:t>
+            </a:r>
+            <a:r>
+              <a:rPr lang="en-US" sz="1100" dirty="0">
+                <a:latin typeface="Consolas"/>
+                <a:ea typeface="+mn-lt"/>
+                <a:cs typeface="+mn-lt"/>
+              </a:rPr>
+              <a:t>, GPIO_PIN_SET);</a:t>
+            </a:r>
+          </a:p>
+          <a:p>
+            <a:r>
+              <a:rPr lang="en-US" sz="1100" dirty="0">
+                <a:latin typeface="Consolas"/>
+                <a:ea typeface="+mn-lt"/>
+                <a:cs typeface="+mn-lt"/>
+              </a:rPr>
+              <a:t>    delay(10);</a:t>
+            </a:r>
+          </a:p>
+          <a:p>
+            <a:r>
+              <a:rPr lang="en-US" sz="1100" dirty="0">
+                <a:latin typeface="Consolas"/>
+                <a:ea typeface="+mn-lt"/>
+                <a:cs typeface="+mn-lt"/>
+              </a:rPr>
+              <a:t>    </a:t>
+            </a:r>
+            <a:r>
+              <a:rPr lang="en-US" sz="1100" dirty="0" err="1">
+                <a:latin typeface="Consolas"/>
+                <a:ea typeface="+mn-lt"/>
+                <a:cs typeface="+mn-lt"/>
+              </a:rPr>
+              <a:t>HAL_GPIO_WritePin</a:t>
+            </a:r>
+            <a:r>
+              <a:rPr lang="en-US" sz="1100" dirty="0">
+                <a:latin typeface="Consolas"/>
+                <a:ea typeface="+mn-lt"/>
+                <a:cs typeface="+mn-lt"/>
+              </a:rPr>
+              <a:t>(</a:t>
+            </a:r>
+            <a:r>
+              <a:rPr lang="en-US" sz="1100" dirty="0" err="1">
+                <a:latin typeface="Consolas"/>
+                <a:ea typeface="+mn-lt"/>
+                <a:cs typeface="+mn-lt"/>
+              </a:rPr>
+              <a:t>US_TRIG_GPIO_Port</a:t>
+            </a:r>
+            <a:r>
+              <a:rPr lang="en-US" sz="1100" dirty="0">
+                <a:latin typeface="Consolas"/>
+                <a:ea typeface="+mn-lt"/>
+                <a:cs typeface="+mn-lt"/>
+              </a:rPr>
+              <a:t>, </a:t>
+            </a:r>
+            <a:r>
+              <a:rPr lang="en-US" sz="1100" dirty="0" err="1">
+                <a:latin typeface="Consolas"/>
+                <a:ea typeface="+mn-lt"/>
+                <a:cs typeface="+mn-lt"/>
+              </a:rPr>
+              <a:t>US_TRIG_Pin</a:t>
+            </a:r>
+            <a:r>
+              <a:rPr lang="en-US" sz="1100" dirty="0">
+                <a:latin typeface="Consolas"/>
+                <a:ea typeface="+mn-lt"/>
+                <a:cs typeface="+mn-lt"/>
+              </a:rPr>
+              <a:t>, GPIO_PIN_RESET);</a:t>
+            </a:r>
+          </a:p>
+          <a:p>
+            <a:r>
+              <a:rPr lang="en-US" sz="1100" dirty="0">
+                <a:latin typeface="Consolas"/>
+                <a:ea typeface="+mn-lt"/>
+                <a:cs typeface="+mn-lt"/>
+              </a:rPr>
+              <a:t>    __HAL_TIM_ENABLE_IT(&amp;htim1, TIM_IT_CC1);</a:t>
             </a:r>
           </a:p>
           <a:p>
@@ -10631,12 +10831,51 @@
             </a:endParaRPr>
           </a:p>
           <a:p>
-            <a:endParaRPr lang="en-US" sz="1100" dirty="0">
-              <a:latin typeface="Consolas"/>
+            <a:r>
+              <a:rPr lang="en-US" sz="1100" dirty="0">
+                <a:latin typeface="Consolas"/>
+                <a:ea typeface="+mn-lt"/>
+                <a:cs typeface="+mn-lt"/>
+              </a:rPr>
+              <a:t>}</a:t>
+            </a:r>
+            <a:endParaRPr lang="en-US" dirty="0">
               <a:ea typeface="+mn-lt"/>
               <a:cs typeface="+mn-lt"/>
             </a:endParaRPr>
           </a:p>
+        </p:txBody>
+      </p:sp>
+      <p:sp>
+        <p:nvSpPr>
+          <p:cNvPr id="7" name="TextBox 6">
+            <a:extLst>
+              <a:ext uri="{FF2B5EF4-FFF2-40B4-BE49-F238E27FC236}">
+                <a16:creationId xmlns:a16="http://schemas.microsoft.com/office/drawing/2014/main" id="{5654F973-1616-4F66-B30C-ED3D92A01814}"/>
+              </a:ext>
+            </a:extLst>
+          </p:cNvPr>
+          <p:cNvSpPr txBox="1"/>
+          <p:nvPr/>
+        </p:nvSpPr>
+        <p:spPr>
+          <a:xfrm>
+            <a:off x="6489895" y="1815261"/>
+            <a:ext cx="5049252" cy="938719"/>
+          </a:xfrm>
+          <a:prstGeom prst="rect">
+            <a:avLst/>
+          </a:prstGeom>
+          <a:noFill/>
+        </p:spPr>
+        <p:txBody>
+          <a:bodyPr rot="0" spcFirstLastPara="0" vertOverflow="overflow" horzOverflow="overflow" vert="horz" wrap="square" lIns="91440" tIns="45720" rIns="91440" bIns="45720" numCol="1" spcCol="0" rtlCol="0" fromWordArt="0" anchor="t" anchorCtr="0" forceAA="0" compatLnSpc="1">
+            <a:prstTxWarp prst="textNoShape">
+              <a:avLst/>
+            </a:prstTxWarp>
+            <a:spAutoFit/>
+          </a:bodyPr>
+          <a:lstStyle/>
           <a:p>
             <a:r>
               <a:rPr lang="en-US" sz="1100" dirty="0">
@@ -10654,173 +10893,65 @@
                 <a:ea typeface="+mn-lt"/>
                 <a:cs typeface="+mn-lt"/>
               </a:rPr>
-              <a:t>    char pause = 0;</a:t>
-            </a:r>
-          </a:p>
-          <a:p>
-            <a:endParaRPr lang="en-US" sz="1100" dirty="0">
-              <a:latin typeface="Consolas"/>
+              <a:t>    ...</a:t>
+            </a:r>
+          </a:p>
+          <a:p>
+            <a:r>
+              <a:rPr lang="en-US" sz="1100" dirty="0">
+                <a:latin typeface="Consolas"/>
+                <a:ea typeface="+mn-lt"/>
+                <a:cs typeface="+mn-lt"/>
+              </a:rPr>
+              <a:t>    </a:t>
+            </a:r>
+            <a:r>
+              <a:rPr lang="en-US" sz="1100" dirty="0" err="1">
+                <a:latin typeface="Consolas"/>
+                <a:ea typeface="+mn-lt"/>
+                <a:cs typeface="+mn-lt"/>
+              </a:rPr>
+              <a:t>HAL_TIM_IC_Start_IT</a:t>
+            </a:r>
+            <a:r>
+              <a:rPr lang="en-US" sz="1100" dirty="0">
+                <a:latin typeface="Consolas"/>
+                <a:ea typeface="+mn-lt"/>
+                <a:cs typeface="+mn-lt"/>
+              </a:rPr>
+              <a:t>(&amp;htim1, TIM_CHANNEL_1);</a:t>
+            </a:r>
+          </a:p>
+          <a:p>
+            <a:r>
+              <a:rPr lang="en-US" sz="1100" dirty="0">
+                <a:latin typeface="Consolas"/>
+                <a:ea typeface="+mn-lt"/>
+                <a:cs typeface="+mn-lt"/>
+              </a:rPr>
+              <a:t>    while (1){...}</a:t>
+            </a:r>
+          </a:p>
+          <a:p>
+            <a:r>
+              <a:rPr lang="en-US" sz="1100" dirty="0">
+                <a:latin typeface="Consolas"/>
+                <a:ea typeface="+mn-lt"/>
+                <a:cs typeface="+mn-lt"/>
+              </a:rPr>
+              <a:t>}</a:t>
+            </a:r>
+            <a:endParaRPr lang="en-US" dirty="0">
               <a:ea typeface="+mn-lt"/>
               <a:cs typeface="+mn-lt"/>
             </a:endParaRPr>
           </a:p>
-          <a:p>
-            <a:r>
-              <a:rPr lang="en-US" sz="1100" dirty="0">
-                <a:latin typeface="Consolas"/>
-                <a:ea typeface="+mn-lt"/>
-                <a:cs typeface="+mn-lt"/>
-              </a:rPr>
-              <a:t>    while(1) {</a:t>
-            </a:r>
-          </a:p>
-          <a:p>
-            <a:r>
-              <a:rPr lang="en-US" sz="1100" dirty="0">
-                <a:latin typeface="Consolas"/>
-                <a:ea typeface="+mn-lt"/>
-                <a:cs typeface="+mn-lt"/>
-              </a:rPr>
-              <a:t>        if (pause == 0) {</a:t>
-            </a:r>
-          </a:p>
-          <a:p>
-            <a:r>
-              <a:rPr lang="en-US" sz="1100" dirty="0">
-                <a:latin typeface="Consolas"/>
-                <a:ea typeface="+mn-lt"/>
-                <a:cs typeface="+mn-lt"/>
-              </a:rPr>
-              <a:t>            </a:t>
-            </a:r>
-            <a:r>
-              <a:rPr lang="en-US" sz="1100" dirty="0" err="1">
-                <a:latin typeface="Consolas"/>
-                <a:ea typeface="+mn-lt"/>
-                <a:cs typeface="+mn-lt"/>
-              </a:rPr>
-              <a:t>sprintf</a:t>
-            </a:r>
-            <a:r>
-              <a:rPr lang="en-US" sz="1100" dirty="0">
-                <a:latin typeface="Consolas"/>
-                <a:ea typeface="+mn-lt"/>
-                <a:cs typeface="+mn-lt"/>
-              </a:rPr>
-              <a:t>(buffer, "counter=%03d\n\r", counter++);</a:t>
-            </a:r>
-          </a:p>
-          <a:p>
-            <a:r>
-              <a:rPr lang="en-US" sz="1100" dirty="0">
-                <a:latin typeface="Consolas"/>
-                <a:ea typeface="+mn-lt"/>
-                <a:cs typeface="+mn-lt"/>
-              </a:rPr>
-              <a:t>	</a:t>
-            </a:r>
-            <a:r>
-              <a:rPr lang="en-US" sz="1100" dirty="0" err="1">
-                <a:latin typeface="Consolas"/>
-                <a:ea typeface="+mn-lt"/>
-                <a:cs typeface="+mn-lt"/>
-              </a:rPr>
-              <a:t>HAL_UART_Transmit_IT</a:t>
-            </a:r>
-            <a:r>
-              <a:rPr lang="en-US" sz="1100" dirty="0">
-                <a:latin typeface="Consolas"/>
-                <a:ea typeface="+mn-lt"/>
-                <a:cs typeface="+mn-lt"/>
-              </a:rPr>
-              <a:t>(&amp;huart1, (uint8_t*) buffer, </a:t>
-            </a:r>
-            <a:r>
-              <a:rPr lang="en-US" sz="1100" dirty="0" err="1">
-                <a:latin typeface="Consolas"/>
-                <a:ea typeface="+mn-lt"/>
-                <a:cs typeface="+mn-lt"/>
-              </a:rPr>
-              <a:t>strlen</a:t>
-            </a:r>
-            <a:r>
-              <a:rPr lang="en-US" sz="1100" dirty="0">
-                <a:latin typeface="Consolas"/>
-                <a:ea typeface="+mn-lt"/>
-                <a:cs typeface="+mn-lt"/>
-              </a:rPr>
-              <a:t>(buffer));</a:t>
-            </a:r>
-          </a:p>
-          <a:p>
-            <a:r>
-              <a:rPr lang="en-US" sz="1100" dirty="0">
-                <a:latin typeface="Consolas"/>
-                <a:ea typeface="+mn-lt"/>
-                <a:cs typeface="+mn-lt"/>
-              </a:rPr>
-              <a:t>        }</a:t>
-            </a:r>
-          </a:p>
-          <a:p>
-            <a:r>
-              <a:rPr lang="en-US" sz="1100" dirty="0">
-                <a:latin typeface="Consolas"/>
-                <a:ea typeface="+mn-lt"/>
-                <a:cs typeface="+mn-lt"/>
-              </a:rPr>
-              <a:t>        </a:t>
-            </a:r>
-            <a:r>
-              <a:rPr lang="en-US" sz="1100" dirty="0" err="1">
-                <a:latin typeface="Consolas"/>
-                <a:ea typeface="+mn-lt"/>
-                <a:cs typeface="+mn-lt"/>
-              </a:rPr>
-              <a:t>HAL_Delay</a:t>
-            </a:r>
-            <a:r>
-              <a:rPr lang="en-US" sz="1100" dirty="0">
-                <a:latin typeface="Consolas"/>
-                <a:ea typeface="+mn-lt"/>
-                <a:cs typeface="+mn-lt"/>
-              </a:rPr>
-              <a:t>(1000);</a:t>
-            </a:r>
-          </a:p>
-          <a:p>
-            <a:r>
-              <a:rPr lang="en-US" sz="1100" dirty="0">
-                <a:latin typeface="Consolas"/>
-                <a:ea typeface="+mn-lt"/>
-                <a:cs typeface="+mn-lt"/>
-              </a:rPr>
-              <a:t>    }</a:t>
-            </a:r>
-          </a:p>
-          <a:p>
-            <a:r>
-              <a:rPr lang="en-US" sz="1100" dirty="0">
-                <a:latin typeface="Consolas"/>
-                <a:ea typeface="+mn-lt"/>
-                <a:cs typeface="+mn-lt"/>
-              </a:rPr>
-              <a:t>}</a:t>
-            </a:r>
-          </a:p>
-          <a:p>
-            <a:endParaRPr lang="en-US" sz="1100" dirty="0">
-              <a:latin typeface="Consolas"/>
-              <a:ea typeface="+mn-lt"/>
-              <a:cs typeface="+mn-lt"/>
-            </a:endParaRPr>
-          </a:p>
         </p:txBody>
       </p:sp>
     </p:spTree>
     <p:extLst>
       <p:ext uri="{BB962C8B-B14F-4D97-AF65-F5344CB8AC3E}">
-        <p14:creationId xmlns:p14="http://schemas.microsoft.com/office/powerpoint/2010/main" val="2966078274"/>
+        <p14:creationId xmlns:p14="http://schemas.microsoft.com/office/powerpoint/2010/main" val="2112451957"/>
       </p:ext>
     </p:extLst>
   </p:cSld>
@@ -10849,118 +10980,10 @@
       </p:grpSpPr>
       <p:sp>
         <p:nvSpPr>
-          <p:cNvPr id="2" name="Title 1">
+          <p:cNvPr id="4" name="TextBox 3">
             <a:extLst>
               <a:ext uri="{FF2B5EF4-FFF2-40B4-BE49-F238E27FC236}">
-                <a16:creationId xmlns:a16="http://schemas.microsoft.com/office/drawing/2014/main" id="{3C6FAF5D-CFC7-46EE-A19A-05119836CAE4}"/>
-              </a:ext>
-            </a:extLst>
-          </p:cNvPr>
-          <p:cNvSpPr>
-            <a:spLocks noGrp="1"/>
-          </p:cNvSpPr>
-          <p:nvPr>
-            <p:ph type="title"/>
-          </p:nvPr>
-        </p:nvSpPr>
-        <p:spPr/>
-        <p:txBody>
-          <a:bodyPr/>
-          <a:lstStyle/>
-          <a:p>
-            <a:r>
-              <a:rPr lang="en-US" dirty="0"/>
-              <a:t>Receive data with interrupt</a:t>
-            </a:r>
-            <a:endParaRPr lang="en-HK" dirty="0"/>
-          </a:p>
-        </p:txBody>
-      </p:sp>
-      <p:sp>
-        <p:nvSpPr>
-          <p:cNvPr id="3" name="Content Placeholder 2">
-            <a:extLst>
-              <a:ext uri="{FF2B5EF4-FFF2-40B4-BE49-F238E27FC236}">
-                <a16:creationId xmlns:a16="http://schemas.microsoft.com/office/drawing/2014/main" id="{1B953A5A-CC88-429E-9D89-DDE601F3F297}"/>
-              </a:ext>
-            </a:extLst>
-          </p:cNvPr>
-          <p:cNvSpPr>
-            <a:spLocks noGrp="1"/>
-          </p:cNvSpPr>
-          <p:nvPr>
-            <p:ph idx="1"/>
-          </p:nvPr>
-        </p:nvSpPr>
-        <p:spPr>
-          <a:xfrm>
-            <a:off x="838200" y="1825625"/>
-            <a:ext cx="4764932" cy="4351338"/>
-          </a:xfrm>
-        </p:spPr>
-        <p:txBody>
-          <a:bodyPr/>
-          <a:lstStyle/>
-          <a:p>
-            <a:r>
-              <a:rPr lang="en-US" dirty="0"/>
-              <a:t>Use </a:t>
-            </a:r>
-            <a:r>
-              <a:rPr lang="en-US" dirty="0" err="1">
-                <a:solidFill>
-                  <a:srgbClr val="C00000"/>
-                </a:solidFill>
-              </a:rPr>
-              <a:t>HAL_UART_Receive_IT</a:t>
-            </a:r>
-            <a:r>
-              <a:rPr lang="en-US" dirty="0">
-                <a:solidFill>
-                  <a:srgbClr val="C00000"/>
-                </a:solidFill>
-              </a:rPr>
-              <a:t>() </a:t>
-            </a:r>
-            <a:r>
-              <a:rPr lang="en-US" dirty="0"/>
-              <a:t>to read data</a:t>
-            </a:r>
-          </a:p>
-          <a:p>
-            <a:r>
-              <a:rPr lang="en-HK" dirty="0"/>
-              <a:t>Interrupt will issue when the receiver get enough byte and run </a:t>
-            </a:r>
-            <a:r>
-              <a:rPr lang="en-HK" dirty="0" err="1">
-                <a:solidFill>
-                  <a:srgbClr val="C00000"/>
-                </a:solidFill>
-              </a:rPr>
-              <a:t>HAL_UART_RxCpltCallback</a:t>
-            </a:r>
-            <a:r>
-              <a:rPr lang="en-HK" dirty="0">
-                <a:solidFill>
-                  <a:srgbClr val="C00000"/>
-                </a:solidFill>
-              </a:rPr>
-              <a:t>() </a:t>
-            </a:r>
-            <a:r>
-              <a:rPr lang="en-HK" dirty="0"/>
-              <a:t>function</a:t>
-            </a:r>
-          </a:p>
-        </p:txBody>
-      </p:sp>
-      <p:sp>
-        <p:nvSpPr>
-          <p:cNvPr id="4" name="TextBox 3">
-            <a:extLst>
-              <a:ext uri="{FF2B5EF4-FFF2-40B4-BE49-F238E27FC236}">
-                <a16:creationId xmlns:a16="http://schemas.microsoft.com/office/drawing/2014/main" id="{717A612C-D66A-43E2-8609-DE8DED68F76B}"/>
+                <a16:creationId xmlns:a16="http://schemas.microsoft.com/office/drawing/2014/main" id="{694B5067-AEFB-484F-AA56-21AD37052456}"/>
               </a:ext>
             </a:extLst>
           </p:cNvPr>
@@ -10969,8 +10992,8 @@
         </p:nvSpPr>
         <p:spPr>
           <a:xfrm>
-            <a:off x="5700409" y="1387244"/>
-            <a:ext cx="6264612" cy="5847755"/>
+            <a:off x="571500" y="181445"/>
+            <a:ext cx="10777094" cy="6186309"/>
           </a:xfrm>
           <a:prstGeom prst="rect">
             <a:avLst/>
@@ -10987,562 +11010,655 @@
           <a:lstStyle/>
           <a:p>
             <a:r>
-              <a:rPr lang="en-US" sz="1100" dirty="0">
-                <a:latin typeface="Consolas"/>
-                <a:ea typeface="+mn-lt"/>
-                <a:cs typeface="+mn-lt"/>
-              </a:rPr>
-              <a:t>char counter = 0;</a:t>
-            </a:r>
-          </a:p>
-          <a:p>
-            <a:r>
-              <a:rPr lang="en-US" sz="1100" dirty="0">
-                <a:latin typeface="Consolas"/>
-                <a:ea typeface="+mn-lt"/>
-                <a:cs typeface="+mn-lt"/>
-              </a:rPr>
-              <a:t>char buffer[16] = { 0 }; </a:t>
-            </a:r>
-          </a:p>
-          <a:p>
-            <a:r>
-              <a:rPr lang="en-US" sz="1100" dirty="0">
-                <a:latin typeface="Consolas"/>
-                <a:ea typeface="+mn-lt"/>
-                <a:cs typeface="+mn-lt"/>
-              </a:rPr>
-              <a:t>Char </a:t>
-            </a:r>
-            <a:r>
-              <a:rPr lang="en-US" sz="1100" dirty="0" err="1">
-                <a:latin typeface="Consolas"/>
-                <a:ea typeface="+mn-lt"/>
-                <a:cs typeface="+mn-lt"/>
-              </a:rPr>
-              <a:t>rx_buffer</a:t>
-            </a:r>
-            <a:r>
-              <a:rPr lang="en-US" sz="1100" dirty="0">
-                <a:latin typeface="Consolas"/>
-                <a:ea typeface="+mn-lt"/>
-                <a:cs typeface="+mn-lt"/>
-              </a:rPr>
-              <a:t>[16] = {0};</a:t>
-            </a:r>
-          </a:p>
-          <a:p>
-            <a:endParaRPr lang="en-US" sz="1100" dirty="0">
-              <a:latin typeface="Consolas"/>
-              <a:ea typeface="+mn-lt"/>
-              <a:cs typeface="+mn-lt"/>
-            </a:endParaRPr>
-          </a:p>
-          <a:p>
-            <a:endParaRPr lang="en-US" sz="1100" dirty="0">
-              <a:latin typeface="Consolas"/>
-              <a:ea typeface="+mn-lt"/>
-              <a:cs typeface="+mn-lt"/>
-            </a:endParaRPr>
-          </a:p>
-          <a:p>
-            <a:r>
-              <a:rPr lang="en-US" sz="1100" dirty="0">
-                <a:latin typeface="Consolas"/>
-                <a:ea typeface="+mn-lt"/>
-                <a:cs typeface="+mn-lt"/>
+              <a:rPr lang="en-HK" sz="1100" b="0" dirty="0">
+                <a:effectLst/>
+                <a:latin typeface="Consolas" panose="020B0609020204030204" pitchFamily="49" charset="0"/>
               </a:rPr>
               <a:t>void </a:t>
             </a:r>
             <a:r>
-              <a:rPr lang="en-US" sz="1100" dirty="0" err="1">
-                <a:latin typeface="Consolas"/>
-                <a:ea typeface="+mn-lt"/>
-                <a:cs typeface="+mn-lt"/>
-              </a:rPr>
-              <a:t>HAL_UART_RxCpltCallback</a:t>
-            </a:r>
-            <a:r>
-              <a:rPr lang="en-US" sz="1100" dirty="0">
-                <a:latin typeface="Consolas"/>
-                <a:ea typeface="+mn-lt"/>
-                <a:cs typeface="+mn-lt"/>
+              <a:rPr lang="en-HK" sz="1100" b="0" dirty="0" err="1">
+                <a:effectLst/>
+                <a:latin typeface="Consolas" panose="020B0609020204030204" pitchFamily="49" charset="0"/>
+              </a:rPr>
+              <a:t>HAL_TIM_IC_CaptureCallback</a:t>
+            </a:r>
+            <a:r>
+              <a:rPr lang="en-HK" sz="1100" b="0" dirty="0">
+                <a:effectLst/>
+                <a:latin typeface="Consolas" panose="020B0609020204030204" pitchFamily="49" charset="0"/>
               </a:rPr>
               <a:t>(</a:t>
             </a:r>
             <a:r>
-              <a:rPr lang="en-US" sz="1100" dirty="0" err="1">
-                <a:latin typeface="Consolas"/>
-                <a:ea typeface="+mn-lt"/>
-                <a:cs typeface="+mn-lt"/>
-              </a:rPr>
-              <a:t>UART_HandleTypeDef</a:t>
-            </a:r>
-            <a:r>
-              <a:rPr lang="en-US" sz="1100" dirty="0">
-                <a:latin typeface="Consolas"/>
-                <a:ea typeface="+mn-lt"/>
-                <a:cs typeface="+mn-lt"/>
+              <a:rPr lang="en-HK" sz="1100" b="0" dirty="0" err="1">
+                <a:effectLst/>
+                <a:latin typeface="Consolas" panose="020B0609020204030204" pitchFamily="49" charset="0"/>
+              </a:rPr>
+              <a:t>TIM_HandleTypeDef</a:t>
+            </a:r>
+            <a:r>
+              <a:rPr lang="en-HK" sz="1100" b="0" dirty="0">
+                <a:effectLst/>
+                <a:latin typeface="Consolas" panose="020B0609020204030204" pitchFamily="49" charset="0"/>
               </a:rPr>
               <a:t> *</a:t>
             </a:r>
             <a:r>
-              <a:rPr lang="en-US" sz="1100" dirty="0" err="1">
-                <a:latin typeface="Consolas"/>
-                <a:ea typeface="+mn-lt"/>
-                <a:cs typeface="+mn-lt"/>
-              </a:rPr>
-              <a:t>huart</a:t>
-            </a:r>
-            <a:r>
-              <a:rPr lang="en-US" sz="1100" dirty="0">
-                <a:latin typeface="Consolas"/>
-                <a:ea typeface="+mn-lt"/>
-                <a:cs typeface="+mn-lt"/>
-              </a:rPr>
-              <a:t>) {</a:t>
-            </a:r>
-          </a:p>
-          <a:p>
-            <a:r>
-              <a:rPr lang="en-US" sz="1100" dirty="0">
-                <a:latin typeface="Consolas"/>
-                <a:ea typeface="+mn-lt"/>
-                <a:cs typeface="+mn-lt"/>
-              </a:rPr>
-              <a:t>    if (</a:t>
-            </a:r>
-            <a:r>
-              <a:rPr lang="en-US" sz="1100" dirty="0" err="1">
-                <a:latin typeface="Consolas"/>
-                <a:ea typeface="+mn-lt"/>
-                <a:cs typeface="+mn-lt"/>
-              </a:rPr>
-              <a:t>huart</a:t>
-            </a:r>
-            <a:r>
-              <a:rPr lang="en-US" sz="1100" dirty="0">
-                <a:latin typeface="Consolas"/>
-                <a:ea typeface="+mn-lt"/>
-                <a:cs typeface="+mn-lt"/>
-              </a:rPr>
-              <a:t> == &amp;huart1) { </a:t>
-            </a:r>
-            <a:r>
-              <a:rPr lang="en-US" sz="1100" dirty="0" err="1">
-                <a:latin typeface="Consolas"/>
-                <a:ea typeface="+mn-lt"/>
-                <a:cs typeface="+mn-lt"/>
-              </a:rPr>
-              <a:t>uart_rx_int</a:t>
-            </a:r>
-            <a:r>
-              <a:rPr lang="en-US" sz="1100" dirty="0">
-                <a:latin typeface="Consolas"/>
-                <a:ea typeface="+mn-lt"/>
-                <a:cs typeface="+mn-lt"/>
-              </a:rPr>
-              <a:t> = 1; }</a:t>
-            </a:r>
-          </a:p>
-          <a:p>
-            <a:r>
-              <a:rPr lang="en-US" sz="1100" dirty="0">
-                <a:latin typeface="Consolas"/>
-                <a:ea typeface="+mn-lt"/>
-                <a:cs typeface="+mn-lt"/>
+              <a:rPr lang="en-HK" sz="1100" b="0" dirty="0" err="1">
+                <a:effectLst/>
+                <a:latin typeface="Consolas" panose="020B0609020204030204" pitchFamily="49" charset="0"/>
+              </a:rPr>
+              <a:t>htim</a:t>
+            </a:r>
+            <a:r>
+              <a:rPr lang="en-HK" sz="1100" b="0" dirty="0">
+                <a:effectLst/>
+                <a:latin typeface="Consolas" panose="020B0609020204030204" pitchFamily="49" charset="0"/>
+              </a:rPr>
+              <a:t>)</a:t>
+            </a:r>
+          </a:p>
+          <a:p>
+            <a:r>
+              <a:rPr lang="en-HK" sz="1100" b="0" dirty="0">
+                <a:effectLst/>
+                <a:latin typeface="Consolas" panose="020B0609020204030204" pitchFamily="49" charset="0"/>
+              </a:rPr>
+              <a:t>{</a:t>
+            </a:r>
+          </a:p>
+          <a:p>
+            <a:r>
+              <a:rPr lang="en-HK" sz="1100" b="0" dirty="0">
+                <a:effectLst/>
+                <a:latin typeface="Consolas" panose="020B0609020204030204" pitchFamily="49" charset="0"/>
+              </a:rPr>
+              <a:t>    if((</a:t>
+            </a:r>
+            <a:r>
+              <a:rPr lang="en-HK" sz="1100" b="0" dirty="0" err="1">
+                <a:effectLst/>
+                <a:latin typeface="Consolas" panose="020B0609020204030204" pitchFamily="49" charset="0"/>
+              </a:rPr>
+              <a:t>htim</a:t>
+            </a:r>
+            <a:r>
+              <a:rPr lang="en-HK" sz="1100" b="0" dirty="0">
+                <a:effectLst/>
+                <a:latin typeface="Consolas" panose="020B0609020204030204" pitchFamily="49" charset="0"/>
+              </a:rPr>
+              <a:t>-&gt;Instance == TIM1) &amp;&amp; (</a:t>
+            </a:r>
+            <a:r>
+              <a:rPr lang="en-HK" sz="1100" b="0" dirty="0" err="1">
+                <a:effectLst/>
+                <a:latin typeface="Consolas" panose="020B0609020204030204" pitchFamily="49" charset="0"/>
+              </a:rPr>
+              <a:t>htim</a:t>
+            </a:r>
+            <a:r>
+              <a:rPr lang="en-HK" sz="1100" b="0" dirty="0">
+                <a:effectLst/>
+                <a:latin typeface="Consolas" panose="020B0609020204030204" pitchFamily="49" charset="0"/>
+              </a:rPr>
+              <a:t>-&gt; Channel == HAL_TIM_ACTIVE_CHANNEL_1))    // if the interrupt source is channel1</a:t>
+            </a:r>
+          </a:p>
+          <a:p>
+            <a:r>
+              <a:rPr lang="en-HK" sz="1100" b="0" dirty="0">
+                <a:effectLst/>
+                <a:latin typeface="Consolas" panose="020B0609020204030204" pitchFamily="49" charset="0"/>
+              </a:rPr>
+              <a:t>    {</a:t>
+            </a:r>
+          </a:p>
+          <a:p>
+            <a:r>
+              <a:rPr lang="en-HK" sz="1100" b="0" dirty="0">
+                <a:effectLst/>
+                <a:latin typeface="Consolas" panose="020B0609020204030204" pitchFamily="49" charset="0"/>
+              </a:rPr>
+              <a:t>        if (!</a:t>
+            </a:r>
+            <a:r>
+              <a:rPr lang="en-HK" sz="1100" b="0" dirty="0" err="1">
+                <a:effectLst/>
+                <a:latin typeface="Consolas" panose="020B0609020204030204" pitchFamily="49" charset="0"/>
+              </a:rPr>
+              <a:t>Is_First_Captured</a:t>
+            </a:r>
+            <a:r>
+              <a:rPr lang="en-HK" sz="1100" b="0" dirty="0">
+                <a:effectLst/>
+                <a:latin typeface="Consolas" panose="020B0609020204030204" pitchFamily="49" charset="0"/>
+              </a:rPr>
+              <a:t>) // if the first value is not captured</a:t>
+            </a:r>
+          </a:p>
+          <a:p>
+            <a:r>
+              <a:rPr lang="en-HK" sz="1100" b="0" dirty="0">
+                <a:effectLst/>
+                <a:latin typeface="Consolas" panose="020B0609020204030204" pitchFamily="49" charset="0"/>
+              </a:rPr>
+              <a:t>        {</a:t>
+            </a:r>
+          </a:p>
+          <a:p>
+            <a:r>
+              <a:rPr lang="en-HK" sz="1100" b="0" dirty="0">
+                <a:effectLst/>
+                <a:latin typeface="Consolas" panose="020B0609020204030204" pitchFamily="49" charset="0"/>
+              </a:rPr>
+              <a:t>            </a:t>
+            </a:r>
+            <a:r>
+              <a:rPr lang="en-HK" sz="1100" b="0" dirty="0" err="1">
+                <a:effectLst/>
+                <a:latin typeface="Consolas" panose="020B0609020204030204" pitchFamily="49" charset="0"/>
+              </a:rPr>
+              <a:t>First_Val</a:t>
+            </a:r>
+            <a:r>
+              <a:rPr lang="en-HK" sz="1100" b="0" dirty="0">
+                <a:effectLst/>
+                <a:latin typeface="Consolas" panose="020B0609020204030204" pitchFamily="49" charset="0"/>
+              </a:rPr>
+              <a:t> = </a:t>
+            </a:r>
+            <a:r>
+              <a:rPr lang="en-HK" sz="1100" b="0" dirty="0" err="1">
+                <a:effectLst/>
+                <a:latin typeface="Consolas" panose="020B0609020204030204" pitchFamily="49" charset="0"/>
+              </a:rPr>
+              <a:t>HAL_TIM_ReadCapturedValue</a:t>
+            </a:r>
+            <a:r>
+              <a:rPr lang="en-HK" sz="1100" b="0" dirty="0">
+                <a:effectLst/>
+                <a:latin typeface="Consolas" panose="020B0609020204030204" pitchFamily="49" charset="0"/>
+              </a:rPr>
+              <a:t>(</a:t>
+            </a:r>
+            <a:r>
+              <a:rPr lang="en-HK" sz="1100" b="0" dirty="0" err="1">
+                <a:effectLst/>
+                <a:latin typeface="Consolas" panose="020B0609020204030204" pitchFamily="49" charset="0"/>
+              </a:rPr>
+              <a:t>htim</a:t>
+            </a:r>
+            <a:r>
+              <a:rPr lang="en-HK" sz="1100" b="0" dirty="0">
+                <a:effectLst/>
+                <a:latin typeface="Consolas" panose="020B0609020204030204" pitchFamily="49" charset="0"/>
+              </a:rPr>
+              <a:t>, TIM_CHANNEL_1); // read the first value</a:t>
+            </a:r>
+          </a:p>
+          <a:p>
+            <a:r>
+              <a:rPr lang="en-HK" sz="1100" b="0" dirty="0">
+                <a:effectLst/>
+                <a:latin typeface="Consolas" panose="020B0609020204030204" pitchFamily="49" charset="0"/>
+              </a:rPr>
+              <a:t>            // Now change the polarity to falling edge</a:t>
+            </a:r>
+          </a:p>
+          <a:p>
+            <a:r>
+              <a:rPr lang="en-HK" sz="1100" b="0" dirty="0">
+                <a:effectLst/>
+                <a:latin typeface="Consolas" panose="020B0609020204030204" pitchFamily="49" charset="0"/>
+              </a:rPr>
+              <a:t>            __HAL_TIM_SET_CAPTUREPOLARITY(</a:t>
+            </a:r>
+            <a:r>
+              <a:rPr lang="en-HK" sz="1100" b="0" dirty="0" err="1">
+                <a:effectLst/>
+                <a:latin typeface="Consolas" panose="020B0609020204030204" pitchFamily="49" charset="0"/>
+              </a:rPr>
+              <a:t>htim</a:t>
+            </a:r>
+            <a:r>
+              <a:rPr lang="en-HK" sz="1100" b="0" dirty="0">
+                <a:effectLst/>
+                <a:latin typeface="Consolas" panose="020B0609020204030204" pitchFamily="49" charset="0"/>
+              </a:rPr>
+              <a:t>, TIM_CHANNEL_1, TIM_INPUTCHANNELPOLARITY_FALLING);</a:t>
+            </a:r>
+          </a:p>
+          <a:p>
+            <a:r>
+              <a:rPr lang="en-HK" sz="1100" b="0" dirty="0">
+                <a:effectLst/>
+                <a:latin typeface="Consolas" panose="020B0609020204030204" pitchFamily="49" charset="0"/>
+              </a:rPr>
+              <a:t>            </a:t>
+            </a:r>
+            <a:r>
+              <a:rPr lang="en-HK" sz="1100" b="0" dirty="0" err="1">
+                <a:effectLst/>
+                <a:latin typeface="Consolas" panose="020B0609020204030204" pitchFamily="49" charset="0"/>
+              </a:rPr>
+              <a:t>Is_First_Captured</a:t>
+            </a:r>
+            <a:r>
+              <a:rPr lang="en-HK" sz="1100" b="0" dirty="0">
+                <a:effectLst/>
+                <a:latin typeface="Consolas" panose="020B0609020204030204" pitchFamily="49" charset="0"/>
+              </a:rPr>
+              <a:t> = 1;  // set the first captured as true</a:t>
+            </a:r>
+          </a:p>
+          <a:p>
+            <a:r>
+              <a:rPr lang="en-HK" sz="1100" b="0" dirty="0">
+                <a:effectLst/>
+                <a:latin typeface="Consolas" panose="020B0609020204030204" pitchFamily="49" charset="0"/>
+              </a:rPr>
+              <a:t>        }</a:t>
+            </a:r>
+          </a:p>
+          <a:p>
+            <a:r>
+              <a:rPr lang="en-HK" sz="1100" b="0" dirty="0">
+                <a:effectLst/>
+                <a:latin typeface="Consolas" panose="020B0609020204030204" pitchFamily="49" charset="0"/>
+              </a:rPr>
+              <a:t>        else</a:t>
+            </a:r>
+          </a:p>
+          <a:p>
+            <a:r>
+              <a:rPr lang="en-HK" sz="1100" b="0" dirty="0">
+                <a:effectLst/>
+                <a:latin typeface="Consolas" panose="020B0609020204030204" pitchFamily="49" charset="0"/>
+              </a:rPr>
+              <a:t>        {</a:t>
+            </a:r>
+          </a:p>
+          <a:p>
+            <a:r>
+              <a:rPr lang="en-HK" sz="1100" b="0" dirty="0">
+                <a:effectLst/>
+                <a:latin typeface="Consolas" panose="020B0609020204030204" pitchFamily="49" charset="0"/>
+              </a:rPr>
+              <a:t>            </a:t>
+            </a:r>
+            <a:r>
+              <a:rPr lang="en-HK" sz="1100" b="0" dirty="0" err="1">
+                <a:effectLst/>
+                <a:latin typeface="Consolas" panose="020B0609020204030204" pitchFamily="49" charset="0"/>
+              </a:rPr>
+              <a:t>Sec_Val</a:t>
+            </a:r>
+            <a:r>
+              <a:rPr lang="en-HK" sz="1100" b="0" dirty="0">
+                <a:effectLst/>
+                <a:latin typeface="Consolas" panose="020B0609020204030204" pitchFamily="49" charset="0"/>
+              </a:rPr>
+              <a:t> = </a:t>
+            </a:r>
+            <a:r>
+              <a:rPr lang="en-HK" sz="1100" b="0" dirty="0" err="1">
+                <a:effectLst/>
+                <a:latin typeface="Consolas" panose="020B0609020204030204" pitchFamily="49" charset="0"/>
+              </a:rPr>
+              <a:t>HAL_TIM_ReadCapturedValue</a:t>
+            </a:r>
+            <a:r>
+              <a:rPr lang="en-HK" sz="1100" b="0" dirty="0">
+                <a:effectLst/>
+                <a:latin typeface="Consolas" panose="020B0609020204030204" pitchFamily="49" charset="0"/>
+              </a:rPr>
+              <a:t>(</a:t>
+            </a:r>
+            <a:r>
+              <a:rPr lang="en-HK" sz="1100" b="0" dirty="0" err="1">
+                <a:effectLst/>
+                <a:latin typeface="Consolas" panose="020B0609020204030204" pitchFamily="49" charset="0"/>
+              </a:rPr>
+              <a:t>htim</a:t>
+            </a:r>
+            <a:r>
+              <a:rPr lang="en-HK" sz="1100" b="0" dirty="0">
+                <a:effectLst/>
+                <a:latin typeface="Consolas" panose="020B0609020204030204" pitchFamily="49" charset="0"/>
+              </a:rPr>
+              <a:t>, TIM_CHANNEL_1);  // read second value</a:t>
+            </a:r>
+          </a:p>
+          <a:p>
+            <a:r>
+              <a:rPr lang="en-HK" sz="1100" b="0" dirty="0">
+                <a:effectLst/>
+                <a:latin typeface="Consolas" panose="020B0609020204030204" pitchFamily="49" charset="0"/>
+              </a:rPr>
+              <a:t>            __HAL_TIM_SET_COUNTER(</a:t>
+            </a:r>
+            <a:r>
+              <a:rPr lang="en-HK" sz="1100" b="0" dirty="0" err="1">
+                <a:effectLst/>
+                <a:latin typeface="Consolas" panose="020B0609020204030204" pitchFamily="49" charset="0"/>
+              </a:rPr>
+              <a:t>htim</a:t>
+            </a:r>
+            <a:r>
+              <a:rPr lang="en-HK" sz="1100" b="0" dirty="0">
+                <a:effectLst/>
+                <a:latin typeface="Consolas" panose="020B0609020204030204" pitchFamily="49" charset="0"/>
+              </a:rPr>
+              <a:t>, 0);  // reset the counter</a:t>
+            </a:r>
+          </a:p>
+          <a:p>
+            <a:br>
+              <a:rPr lang="en-HK" sz="1100" b="0" dirty="0">
+                <a:effectLst/>
+                <a:latin typeface="Consolas" panose="020B0609020204030204" pitchFamily="49" charset="0"/>
+              </a:rPr>
+            </a:br>
+            <a:r>
+              <a:rPr lang="en-HK" sz="1100" b="0" dirty="0">
+                <a:effectLst/>
+                <a:latin typeface="Consolas" panose="020B0609020204030204" pitchFamily="49" charset="0"/>
+              </a:rPr>
+              <a:t>            if (</a:t>
+            </a:r>
+            <a:r>
+              <a:rPr lang="en-HK" sz="1100" b="0" dirty="0" err="1">
+                <a:effectLst/>
+                <a:latin typeface="Consolas" panose="020B0609020204030204" pitchFamily="49" charset="0"/>
+              </a:rPr>
+              <a:t>Sec_Val</a:t>
+            </a:r>
+            <a:r>
+              <a:rPr lang="en-HK" sz="1100" b="0" dirty="0">
+                <a:effectLst/>
+                <a:latin typeface="Consolas" panose="020B0609020204030204" pitchFamily="49" charset="0"/>
+              </a:rPr>
+              <a:t> &gt; </a:t>
+            </a:r>
+            <a:r>
+              <a:rPr lang="en-HK" sz="1100" b="0" dirty="0" err="1">
+                <a:effectLst/>
+                <a:latin typeface="Consolas" panose="020B0609020204030204" pitchFamily="49" charset="0"/>
+              </a:rPr>
+              <a:t>First_Val</a:t>
+            </a:r>
+            <a:r>
+              <a:rPr lang="en-HK" sz="1100" b="0" dirty="0">
+                <a:effectLst/>
+                <a:latin typeface="Consolas" panose="020B0609020204030204" pitchFamily="49" charset="0"/>
+              </a:rPr>
+              <a:t>)</a:t>
+            </a:r>
+          </a:p>
+          <a:p>
+            <a:r>
+              <a:rPr lang="en-HK" sz="1100" b="0" dirty="0">
+                <a:effectLst/>
+                <a:latin typeface="Consolas" panose="020B0609020204030204" pitchFamily="49" charset="0"/>
+              </a:rPr>
+              <a:t>            {</a:t>
+            </a:r>
+          </a:p>
+          <a:p>
+            <a:r>
+              <a:rPr lang="en-HK" sz="1100" b="0" dirty="0">
+                <a:effectLst/>
+                <a:latin typeface="Consolas" panose="020B0609020204030204" pitchFamily="49" charset="0"/>
+              </a:rPr>
+              <a:t>                Difference = </a:t>
+            </a:r>
+            <a:r>
+              <a:rPr lang="en-HK" sz="1100" b="0" dirty="0" err="1">
+                <a:effectLst/>
+                <a:latin typeface="Consolas" panose="020B0609020204030204" pitchFamily="49" charset="0"/>
+              </a:rPr>
+              <a:t>Sec_Val-First_Val</a:t>
+            </a:r>
+            <a:r>
+              <a:rPr lang="en-HK" sz="1100" b="0" dirty="0">
+                <a:effectLst/>
+                <a:latin typeface="Consolas" panose="020B0609020204030204" pitchFamily="49" charset="0"/>
+              </a:rPr>
+              <a:t>;</a:t>
+            </a:r>
+          </a:p>
+          <a:p>
+            <a:r>
+              <a:rPr lang="en-HK" sz="1100" b="0" dirty="0">
+                <a:effectLst/>
+                <a:latin typeface="Consolas" panose="020B0609020204030204" pitchFamily="49" charset="0"/>
+              </a:rPr>
+              <a:t>            }</a:t>
+            </a:r>
+          </a:p>
+          <a:p>
+            <a:br>
+              <a:rPr lang="en-HK" sz="1100" b="0" dirty="0">
+                <a:effectLst/>
+                <a:latin typeface="Consolas" panose="020B0609020204030204" pitchFamily="49" charset="0"/>
+              </a:rPr>
+            </a:br>
+            <a:r>
+              <a:rPr lang="en-HK" sz="1100" b="0" dirty="0">
+                <a:effectLst/>
+                <a:latin typeface="Consolas" panose="020B0609020204030204" pitchFamily="49" charset="0"/>
+              </a:rPr>
+              <a:t>            else if (</a:t>
+            </a:r>
+            <a:r>
+              <a:rPr lang="en-HK" sz="1100" b="0" dirty="0" err="1">
+                <a:effectLst/>
+                <a:latin typeface="Consolas" panose="020B0609020204030204" pitchFamily="49" charset="0"/>
+              </a:rPr>
+              <a:t>First_Val</a:t>
+            </a:r>
+            <a:r>
+              <a:rPr lang="en-HK" sz="1100" b="0" dirty="0">
+                <a:effectLst/>
+                <a:latin typeface="Consolas" panose="020B0609020204030204" pitchFamily="49" charset="0"/>
+              </a:rPr>
+              <a:t> &gt; </a:t>
+            </a:r>
+            <a:r>
+              <a:rPr lang="en-HK" sz="1100" b="0" dirty="0" err="1">
+                <a:effectLst/>
+                <a:latin typeface="Consolas" panose="020B0609020204030204" pitchFamily="49" charset="0"/>
+              </a:rPr>
+              <a:t>Sec_Val</a:t>
+            </a:r>
+            <a:r>
+              <a:rPr lang="en-HK" sz="1100" b="0" dirty="0">
+                <a:effectLst/>
+                <a:latin typeface="Consolas" panose="020B0609020204030204" pitchFamily="49" charset="0"/>
+              </a:rPr>
+              <a:t>)</a:t>
+            </a:r>
+          </a:p>
+          <a:p>
+            <a:r>
+              <a:rPr lang="en-HK" sz="1100" b="0" dirty="0">
+                <a:effectLst/>
+                <a:latin typeface="Consolas" panose="020B0609020204030204" pitchFamily="49" charset="0"/>
+              </a:rPr>
+              <a:t>            {</a:t>
+            </a:r>
+          </a:p>
+          <a:p>
+            <a:r>
+              <a:rPr lang="en-HK" sz="1100" b="0" dirty="0">
+                <a:effectLst/>
+                <a:latin typeface="Consolas" panose="020B0609020204030204" pitchFamily="49" charset="0"/>
+              </a:rPr>
+              <a:t>                Difference = (0xffff - </a:t>
+            </a:r>
+            <a:r>
+              <a:rPr lang="en-HK" sz="1100" b="0" dirty="0" err="1">
+                <a:effectLst/>
+                <a:latin typeface="Consolas" panose="020B0609020204030204" pitchFamily="49" charset="0"/>
+              </a:rPr>
+              <a:t>First_Val</a:t>
+            </a:r>
+            <a:r>
+              <a:rPr lang="en-HK" sz="1100" b="0" dirty="0">
+                <a:effectLst/>
+                <a:latin typeface="Consolas" panose="020B0609020204030204" pitchFamily="49" charset="0"/>
+              </a:rPr>
+              <a:t>) + </a:t>
+            </a:r>
+            <a:r>
+              <a:rPr lang="en-HK" sz="1100" b="0" dirty="0" err="1">
+                <a:effectLst/>
+                <a:latin typeface="Consolas" panose="020B0609020204030204" pitchFamily="49" charset="0"/>
+              </a:rPr>
+              <a:t>Sec_Val</a:t>
+            </a:r>
+            <a:r>
+              <a:rPr lang="en-HK" sz="1100" b="0" dirty="0">
+                <a:effectLst/>
+                <a:latin typeface="Consolas" panose="020B0609020204030204" pitchFamily="49" charset="0"/>
+              </a:rPr>
+              <a:t>;</a:t>
+            </a:r>
+          </a:p>
+          <a:p>
+            <a:r>
+              <a:rPr lang="en-HK" sz="1100" b="0" dirty="0">
+                <a:effectLst/>
+                <a:latin typeface="Consolas" panose="020B0609020204030204" pitchFamily="49" charset="0"/>
+              </a:rPr>
+              <a:t>            }</a:t>
+            </a:r>
+          </a:p>
+          <a:p>
+            <a:br>
+              <a:rPr lang="en-HK" sz="1100" b="0" dirty="0">
+                <a:effectLst/>
+                <a:latin typeface="Consolas" panose="020B0609020204030204" pitchFamily="49" charset="0"/>
+              </a:rPr>
+            </a:br>
+            <a:r>
+              <a:rPr lang="en-HK" sz="1100" b="0" dirty="0">
+                <a:effectLst/>
+                <a:latin typeface="Consolas" panose="020B0609020204030204" pitchFamily="49" charset="0"/>
+              </a:rPr>
+              <a:t>            Distance = Difference * .034/2;</a:t>
+            </a:r>
+          </a:p>
+          <a:p>
+            <a:r>
+              <a:rPr lang="en-HK" sz="1100" b="0" dirty="0">
+                <a:effectLst/>
+                <a:latin typeface="Consolas" panose="020B0609020204030204" pitchFamily="49" charset="0"/>
+              </a:rPr>
+              <a:t>            // set polarity to rising edge</a:t>
+            </a:r>
+          </a:p>
+          <a:p>
+            <a:r>
+              <a:rPr lang="en-HK" sz="1100" b="0" dirty="0">
+                <a:effectLst/>
+                <a:latin typeface="Consolas" panose="020B0609020204030204" pitchFamily="49" charset="0"/>
+              </a:rPr>
+              <a:t>            __HAL_TIM_SET_CAPTUREPOLARITY(</a:t>
+            </a:r>
+            <a:r>
+              <a:rPr lang="en-HK" sz="1100" b="0" dirty="0" err="1">
+                <a:effectLst/>
+                <a:latin typeface="Consolas" panose="020B0609020204030204" pitchFamily="49" charset="0"/>
+              </a:rPr>
+              <a:t>htim</a:t>
+            </a:r>
+            <a:r>
+              <a:rPr lang="en-HK" sz="1100" b="0" dirty="0">
+                <a:effectLst/>
+                <a:latin typeface="Consolas" panose="020B0609020204030204" pitchFamily="49" charset="0"/>
+              </a:rPr>
+              <a:t>, TIM_CHANNEL_1, TIM_INPUTCHANNELPOLARITY_RISING);</a:t>
+            </a:r>
+          </a:p>
+          <a:p>
+            <a:r>
+              <a:rPr lang="en-HK" sz="1100" b="0" dirty="0">
+                <a:effectLst/>
+                <a:latin typeface="Consolas" panose="020B0609020204030204" pitchFamily="49" charset="0"/>
+              </a:rPr>
+              <a:t>            __HAL_TIM_DISABLE_IT(&amp;htim1, TIM_IT_CC1);</a:t>
+            </a:r>
+          </a:p>
+          <a:p>
+            <a:r>
+              <a:rPr lang="en-HK" sz="1100" b="0" dirty="0">
+                <a:effectLst/>
+                <a:latin typeface="Consolas" panose="020B0609020204030204" pitchFamily="49" charset="0"/>
+              </a:rPr>
+              <a:t>            </a:t>
+            </a:r>
+            <a:r>
+              <a:rPr lang="en-HK" sz="1100" b="0" dirty="0" err="1">
+                <a:effectLst/>
+                <a:latin typeface="Consolas" panose="020B0609020204030204" pitchFamily="49" charset="0"/>
+              </a:rPr>
+              <a:t>Is_First_Captured</a:t>
+            </a:r>
+            <a:r>
+              <a:rPr lang="en-HK" sz="1100" b="0" dirty="0">
+                <a:effectLst/>
+                <a:latin typeface="Consolas" panose="020B0609020204030204" pitchFamily="49" charset="0"/>
+              </a:rPr>
+              <a:t> = 0; // set it back to false</a:t>
+            </a:r>
+          </a:p>
+          <a:p>
+            <a:r>
+              <a:rPr lang="en-HK" sz="1100" b="0" dirty="0">
+                <a:effectLst/>
+                <a:latin typeface="Consolas" panose="020B0609020204030204" pitchFamily="49" charset="0"/>
+              </a:rPr>
+              <a:t>        }</a:t>
+            </a:r>
+          </a:p>
+          <a:p>
+            <a:br>
+              <a:rPr lang="en-HK" sz="1100" b="0" dirty="0">
+                <a:effectLst/>
+                <a:latin typeface="Consolas" panose="020B0609020204030204" pitchFamily="49" charset="0"/>
+              </a:rPr>
+            </a:br>
+            <a:r>
+              <a:rPr lang="en-HK" sz="1100" b="0" dirty="0">
+                <a:effectLst/>
+                <a:latin typeface="Consolas" panose="020B0609020204030204" pitchFamily="49" charset="0"/>
+              </a:rPr>
+              <a:t>    }</a:t>
+            </a:r>
+          </a:p>
+          <a:p>
+            <a:br>
+              <a:rPr lang="en-HK" sz="1100" b="0" dirty="0">
+                <a:effectLst/>
+                <a:latin typeface="Consolas" panose="020B0609020204030204" pitchFamily="49" charset="0"/>
+              </a:rPr>
+            </a:br>
+            <a:r>
+              <a:rPr lang="en-HK" sz="1100" b="0" dirty="0">
+                <a:effectLst/>
+                <a:latin typeface="Consolas" panose="020B0609020204030204" pitchFamily="49" charset="0"/>
               </a:rPr>
               <a:t>}</a:t>
             </a:r>
-          </a:p>
-          <a:p>
-            <a:endParaRPr lang="en-US" sz="1100" dirty="0">
-              <a:latin typeface="Consolas"/>
-              <a:ea typeface="+mn-lt"/>
-              <a:cs typeface="+mn-lt"/>
-            </a:endParaRPr>
-          </a:p>
-          <a:p>
-            <a:r>
-              <a:rPr lang="en-US" sz="1100" dirty="0">
-                <a:latin typeface="Consolas"/>
-                <a:ea typeface="+mn-lt"/>
-                <a:cs typeface="+mn-lt"/>
-              </a:rPr>
-              <a:t>int main() {</a:t>
-            </a:r>
-          </a:p>
-          <a:p>
-            <a:r>
-              <a:rPr lang="en-US" sz="1100" dirty="0">
-                <a:latin typeface="Consolas"/>
-                <a:ea typeface="+mn-lt"/>
-                <a:cs typeface="+mn-lt"/>
-              </a:rPr>
-              <a:t>    char pause = 0;</a:t>
-            </a:r>
-          </a:p>
-          <a:p>
-            <a:endParaRPr lang="en-US" sz="1100" dirty="0">
-              <a:latin typeface="Consolas"/>
-              <a:ea typeface="+mn-lt"/>
-              <a:cs typeface="+mn-lt"/>
-            </a:endParaRPr>
-          </a:p>
-          <a:p>
-            <a:r>
-              <a:rPr lang="en-US" sz="1100" dirty="0">
-                <a:latin typeface="Consolas"/>
-                <a:ea typeface="+mn-lt"/>
-                <a:cs typeface="+mn-lt"/>
-              </a:rPr>
-              <a:t>    while(1) {</a:t>
-            </a:r>
-          </a:p>
-          <a:p>
-            <a:r>
-              <a:rPr lang="en-US" sz="1100" dirty="0">
-                <a:latin typeface="Consolas"/>
-                <a:ea typeface="+mn-lt"/>
-                <a:cs typeface="+mn-lt"/>
-              </a:rPr>
-              <a:t>        if (pause == 0) {</a:t>
-            </a:r>
-          </a:p>
-          <a:p>
-            <a:r>
-              <a:rPr lang="en-US" sz="1100" dirty="0">
-                <a:latin typeface="Consolas"/>
-                <a:ea typeface="+mn-lt"/>
-                <a:cs typeface="+mn-lt"/>
-              </a:rPr>
-              <a:t>            </a:t>
-            </a:r>
-            <a:r>
-              <a:rPr lang="en-US" sz="1100" dirty="0" err="1">
-                <a:latin typeface="Consolas"/>
-                <a:ea typeface="+mn-lt"/>
-                <a:cs typeface="+mn-lt"/>
-              </a:rPr>
-              <a:t>sprintf</a:t>
-            </a:r>
-            <a:r>
-              <a:rPr lang="en-US" sz="1100" dirty="0">
-                <a:latin typeface="Consolas"/>
-                <a:ea typeface="+mn-lt"/>
-                <a:cs typeface="+mn-lt"/>
-              </a:rPr>
-              <a:t>(buffer, "counter=%03d\n\r", counter++);</a:t>
-            </a:r>
-          </a:p>
-          <a:p>
-            <a:r>
-              <a:rPr lang="en-US" sz="1100" dirty="0">
-                <a:latin typeface="Consolas"/>
-                <a:ea typeface="+mn-lt"/>
-                <a:cs typeface="+mn-lt"/>
-              </a:rPr>
-              <a:t>	</a:t>
-            </a:r>
-            <a:r>
-              <a:rPr lang="en-US" sz="1100" dirty="0" err="1">
-                <a:latin typeface="Consolas"/>
-                <a:ea typeface="+mn-lt"/>
-                <a:cs typeface="+mn-lt"/>
-              </a:rPr>
-              <a:t>HAL_UART_Transmit_IT</a:t>
-            </a:r>
-            <a:r>
-              <a:rPr lang="en-US" sz="1100" dirty="0">
-                <a:latin typeface="Consolas"/>
-                <a:ea typeface="+mn-lt"/>
-                <a:cs typeface="+mn-lt"/>
-              </a:rPr>
-              <a:t>(&amp;huart1, (uint8_t*) buffer, </a:t>
-            </a:r>
-            <a:r>
-              <a:rPr lang="en-US" sz="1100" dirty="0" err="1">
-                <a:latin typeface="Consolas"/>
-                <a:ea typeface="+mn-lt"/>
-                <a:cs typeface="+mn-lt"/>
-              </a:rPr>
-              <a:t>strlen</a:t>
-            </a:r>
-            <a:r>
-              <a:rPr lang="en-US" sz="1100" dirty="0">
-                <a:latin typeface="Consolas"/>
-                <a:ea typeface="+mn-lt"/>
-                <a:cs typeface="+mn-lt"/>
-              </a:rPr>
-              <a:t>(buffer));</a:t>
-            </a:r>
-          </a:p>
-          <a:p>
-            <a:r>
-              <a:rPr lang="en-US" sz="1100" dirty="0">
-                <a:latin typeface="Consolas"/>
-                <a:ea typeface="+mn-lt"/>
-                <a:cs typeface="+mn-lt"/>
-              </a:rPr>
-              <a:t>        }</a:t>
-            </a:r>
-          </a:p>
-          <a:p>
-            <a:r>
-              <a:rPr lang="en-US" sz="1100" dirty="0">
-                <a:latin typeface="Consolas"/>
-                <a:ea typeface="+mn-lt"/>
-                <a:cs typeface="+mn-lt"/>
-              </a:rPr>
-              <a:t>        if (</a:t>
-            </a:r>
-            <a:r>
-              <a:rPr lang="en-US" sz="1100" dirty="0" err="1">
-                <a:latin typeface="Consolas"/>
-                <a:ea typeface="+mn-lt"/>
-                <a:cs typeface="+mn-lt"/>
-              </a:rPr>
-              <a:t>uart_rx_int</a:t>
-            </a:r>
-            <a:r>
-              <a:rPr lang="en-US" sz="1100" dirty="0">
-                <a:latin typeface="Consolas"/>
-                <a:ea typeface="+mn-lt"/>
-                <a:cs typeface="+mn-lt"/>
-              </a:rPr>
-              <a:t> == 1) {</a:t>
-            </a:r>
-          </a:p>
-          <a:p>
-            <a:r>
-              <a:rPr lang="en-US" sz="1100" dirty="0">
-                <a:latin typeface="Consolas"/>
-                <a:ea typeface="+mn-lt"/>
-                <a:cs typeface="+mn-lt"/>
-              </a:rPr>
-              <a:t>            </a:t>
-            </a:r>
-            <a:r>
-              <a:rPr lang="en-US" sz="1100" dirty="0" err="1">
-                <a:latin typeface="Consolas"/>
-                <a:ea typeface="+mn-lt"/>
-                <a:cs typeface="+mn-lt"/>
-              </a:rPr>
-              <a:t>uart_rx_int</a:t>
-            </a:r>
-            <a:r>
-              <a:rPr lang="en-US" sz="1100" dirty="0">
-                <a:latin typeface="Consolas"/>
-                <a:ea typeface="+mn-lt"/>
-                <a:cs typeface="+mn-lt"/>
-              </a:rPr>
-              <a:t> = 0;</a:t>
-            </a:r>
-          </a:p>
-          <a:p>
-            <a:r>
-              <a:rPr lang="en-US" sz="1100" dirty="0">
-                <a:latin typeface="Consolas"/>
-                <a:ea typeface="+mn-lt"/>
-                <a:cs typeface="+mn-lt"/>
-              </a:rPr>
-              <a:t>            if (</a:t>
-            </a:r>
-            <a:r>
-              <a:rPr lang="en-US" sz="1100" dirty="0" err="1">
-                <a:latin typeface="Consolas"/>
-                <a:ea typeface="+mn-lt"/>
-                <a:cs typeface="+mn-lt"/>
-              </a:rPr>
-              <a:t>strncmp</a:t>
-            </a:r>
-            <a:r>
-              <a:rPr lang="en-US" sz="1100" dirty="0">
-                <a:latin typeface="Consolas"/>
-                <a:ea typeface="+mn-lt"/>
-                <a:cs typeface="+mn-lt"/>
-              </a:rPr>
-              <a:t>(command, "stop", 4) == 0) </a:t>
-            </a:r>
-          </a:p>
-          <a:p>
-            <a:r>
-              <a:rPr lang="en-US" sz="1100" dirty="0">
-                <a:latin typeface="Consolas"/>
-                <a:ea typeface="+mn-lt"/>
-                <a:cs typeface="+mn-lt"/>
-              </a:rPr>
-              <a:t>            {</a:t>
-            </a:r>
-          </a:p>
-          <a:p>
-            <a:r>
-              <a:rPr lang="en-US" sz="1100" dirty="0">
-                <a:latin typeface="Consolas"/>
-                <a:ea typeface="+mn-lt"/>
-                <a:cs typeface="+mn-lt"/>
-              </a:rPr>
-              <a:t>                pause = 1;</a:t>
-            </a:r>
-          </a:p>
-          <a:p>
-            <a:r>
-              <a:rPr lang="en-US" sz="1100" dirty="0">
-                <a:latin typeface="Consolas"/>
-                <a:ea typeface="+mn-lt"/>
-                <a:cs typeface="+mn-lt"/>
-              </a:rPr>
-              <a:t>            } else if (</a:t>
-            </a:r>
-            <a:r>
-              <a:rPr lang="en-US" sz="1100" dirty="0" err="1">
-                <a:latin typeface="Consolas"/>
-                <a:ea typeface="+mn-lt"/>
-                <a:cs typeface="+mn-lt"/>
-              </a:rPr>
-              <a:t>strncmp</a:t>
-            </a:r>
-            <a:r>
-              <a:rPr lang="en-US" sz="1100" dirty="0">
-                <a:latin typeface="Consolas"/>
-                <a:ea typeface="+mn-lt"/>
-                <a:cs typeface="+mn-lt"/>
-              </a:rPr>
-              <a:t>(command, "resume", 6) == 0) </a:t>
-            </a:r>
-          </a:p>
-          <a:p>
-            <a:r>
-              <a:rPr lang="en-US" sz="1100" dirty="0">
-                <a:latin typeface="Consolas"/>
-                <a:ea typeface="+mn-lt"/>
-                <a:cs typeface="+mn-lt"/>
-              </a:rPr>
-              <a:t>            {</a:t>
-            </a:r>
-          </a:p>
-          <a:p>
-            <a:r>
-              <a:rPr lang="en-US" sz="1100" dirty="0">
-                <a:latin typeface="Consolas"/>
-                <a:ea typeface="+mn-lt"/>
-                <a:cs typeface="+mn-lt"/>
-              </a:rPr>
-              <a:t>                pause = 0; </a:t>
-            </a:r>
-          </a:p>
-          <a:p>
-            <a:r>
-              <a:rPr lang="en-US" sz="1100" dirty="0">
-                <a:latin typeface="Consolas"/>
-                <a:ea typeface="+mn-lt"/>
-                <a:cs typeface="+mn-lt"/>
-              </a:rPr>
-              <a:t>            }</a:t>
-            </a:r>
-          </a:p>
-          <a:p>
-            <a:r>
-              <a:rPr lang="en-US" sz="1100" dirty="0">
-                <a:latin typeface="Consolas"/>
-                <a:ea typeface="+mn-lt"/>
-                <a:cs typeface="+mn-lt"/>
-              </a:rPr>
-              <a:t>        }</a:t>
-            </a:r>
-          </a:p>
-          <a:p>
-            <a:r>
-              <a:rPr lang="en-US" sz="1100" dirty="0">
-                <a:latin typeface="Consolas"/>
-                <a:ea typeface="+mn-lt"/>
-                <a:cs typeface="+mn-lt"/>
-              </a:rPr>
-              <a:t>        </a:t>
-            </a:r>
-            <a:r>
-              <a:rPr lang="en-US" sz="1100" dirty="0" err="1">
-                <a:latin typeface="Consolas"/>
-                <a:ea typeface="+mn-lt"/>
-                <a:cs typeface="+mn-lt"/>
-              </a:rPr>
-              <a:t>HAL_UART_Receive_IT</a:t>
-            </a:r>
-            <a:r>
-              <a:rPr lang="en-US" sz="1100" dirty="0">
-                <a:latin typeface="Consolas"/>
-                <a:ea typeface="+mn-lt"/>
-                <a:cs typeface="+mn-lt"/>
-              </a:rPr>
-              <a:t>(&amp;huart1, (uint8_t*) buffer, n);</a:t>
-            </a:r>
-          </a:p>
-          <a:p>
-            <a:r>
-              <a:rPr lang="en-US" sz="1100" dirty="0">
-                <a:latin typeface="Consolas"/>
-                <a:ea typeface="+mn-lt"/>
-                <a:cs typeface="+mn-lt"/>
-              </a:rPr>
-              <a:t>        </a:t>
-            </a:r>
-            <a:r>
-              <a:rPr lang="en-US" sz="1100" dirty="0" err="1">
-                <a:latin typeface="Consolas"/>
-                <a:ea typeface="+mn-lt"/>
-                <a:cs typeface="+mn-lt"/>
-              </a:rPr>
-              <a:t>HAL_Delay</a:t>
-            </a:r>
-            <a:r>
-              <a:rPr lang="en-US" sz="1100" dirty="0">
-                <a:latin typeface="Consolas"/>
-                <a:ea typeface="+mn-lt"/>
-                <a:cs typeface="+mn-lt"/>
-              </a:rPr>
-              <a:t>(1000);</a:t>
-            </a:r>
-          </a:p>
-          <a:p>
-            <a:r>
-              <a:rPr lang="en-US" sz="1100" dirty="0">
-                <a:latin typeface="Consolas"/>
-                <a:ea typeface="+mn-lt"/>
-                <a:cs typeface="+mn-lt"/>
-              </a:rPr>
-              <a:t>    }</a:t>
-            </a:r>
-          </a:p>
-          <a:p>
-            <a:r>
-              <a:rPr lang="en-US" sz="1100" dirty="0">
-                <a:latin typeface="Consolas"/>
-                <a:ea typeface="+mn-lt"/>
-                <a:cs typeface="+mn-lt"/>
-              </a:rPr>
-              <a:t>}</a:t>
-            </a:r>
-          </a:p>
-          <a:p>
-            <a:endParaRPr lang="en-US" sz="1100" dirty="0">
-              <a:latin typeface="Consolas"/>
-              <a:ea typeface="+mn-lt"/>
-              <a:cs typeface="+mn-lt"/>
-            </a:endParaRPr>
-          </a:p>
-          <a:p>
-            <a:endParaRPr lang="en-US" sz="1100" dirty="0">
-              <a:latin typeface="Consolas"/>
-              <a:ea typeface="+mn-lt"/>
-              <a:cs typeface="+mn-lt"/>
-            </a:endParaRPr>
           </a:p>
         </p:txBody>
       </p:sp>
     </p:spTree>
     <p:extLst>
       <p:ext uri="{BB962C8B-B14F-4D97-AF65-F5344CB8AC3E}">
-        <p14:creationId xmlns:p14="http://schemas.microsoft.com/office/powerpoint/2010/main" val="847657413"/>
+        <p14:creationId xmlns:p14="http://schemas.microsoft.com/office/powerpoint/2010/main" val="2964043466"/>
       </p:ext>
     </p:extLst>
   </p:cSld>
@@ -11574,7 +11690,7 @@
           <p:cNvPr id="4" name="Title 3">
             <a:extLst>
               <a:ext uri="{FF2B5EF4-FFF2-40B4-BE49-F238E27FC236}">
-                <a16:creationId xmlns:a16="http://schemas.microsoft.com/office/drawing/2014/main" id="{8D0F6454-3FEF-4A3A-90BD-FDE60B53E38B}"/>
+                <a16:creationId xmlns:a16="http://schemas.microsoft.com/office/drawing/2014/main" id="{089012A8-45E9-4E60-BE7A-769C047436DD}"/>
               </a:ext>
             </a:extLst>
           </p:cNvPr>
@@ -11592,91 +11708,7 @@
           <a:p>
             <a:r>
               <a:rPr lang="en-US" dirty="0"/>
-              <a:t>Challenge</a:t>
-            </a:r>
-            <a:endParaRPr lang="en-HK" dirty="0"/>
-          </a:p>
-        </p:txBody>
-      </p:sp>
-      <p:sp>
-        <p:nvSpPr>
-          <p:cNvPr id="5" name="Text Placeholder 4">
-            <a:extLst>
-              <a:ext uri="{FF2B5EF4-FFF2-40B4-BE49-F238E27FC236}">
-                <a16:creationId xmlns:a16="http://schemas.microsoft.com/office/drawing/2014/main" id="{B92AFE48-FB15-4675-938F-A28278BBF9CB}"/>
-              </a:ext>
-            </a:extLst>
-          </p:cNvPr>
-          <p:cNvSpPr>
-            <a:spLocks noGrp="1"/>
-          </p:cNvSpPr>
-          <p:nvPr>
-            <p:ph type="body" idx="1"/>
-          </p:nvPr>
-        </p:nvSpPr>
-        <p:spPr/>
-        <p:txBody>
-          <a:bodyPr/>
-          <a:lstStyle/>
-          <a:p>
-            <a:endParaRPr lang="en-HK" dirty="0"/>
-          </a:p>
-        </p:txBody>
-      </p:sp>
-    </p:spTree>
-    <p:extLst>
-      <p:ext uri="{BB962C8B-B14F-4D97-AF65-F5344CB8AC3E}">
-        <p14:creationId xmlns:p14="http://schemas.microsoft.com/office/powerpoint/2010/main" val="636508288"/>
-      </p:ext>
-    </p:extLst>
-  </p:cSld>
-  <p:clrMapOvr>
-    <a:masterClrMapping/>
-  </p:clrMapOvr>
-</p:sld>
-</file>
-
-<file path=ppt/slides/slide34.xml><?xml version="1.0" encoding="utf-8"?>
-<p:sld xmlns:a="http://schemas.openxmlformats.org/drawingml/2006/main" xmlns:r="http://schemas.openxmlformats.org/officeDocument/2006/relationships" xmlns:p="http://schemas.openxmlformats.org/presentationml/2006/main">
-  <p:cSld>
-    <p:spTree>
-      <p:nvGrpSpPr>
-        <p:cNvPr id="1" name=""/>
-        <p:cNvGrpSpPr/>
-        <p:nvPr/>
-      </p:nvGrpSpPr>
-      <p:grpSpPr>
-        <a:xfrm>
-          <a:off x="0" y="0"/>
-          <a:ext cx="0" cy="0"/>
-          <a:chOff x="0" y="0"/>
-          <a:chExt cx="0" cy="0"/>
-        </a:xfrm>
-      </p:grpSpPr>
-      <p:sp>
-        <p:nvSpPr>
-          <p:cNvPr id="4" name="Title 3">
-            <a:extLst>
-              <a:ext uri="{FF2B5EF4-FFF2-40B4-BE49-F238E27FC236}">
-                <a16:creationId xmlns:a16="http://schemas.microsoft.com/office/drawing/2014/main" id="{089012A8-45E9-4E60-BE7A-769C047436DD}"/>
-              </a:ext>
-            </a:extLst>
-          </p:cNvPr>
-          <p:cNvSpPr>
-            <a:spLocks noGrp="1"/>
-          </p:cNvSpPr>
-          <p:nvPr>
-            <p:ph type="title"/>
-          </p:nvPr>
-        </p:nvSpPr>
-        <p:spPr/>
-        <p:txBody>
-          <a:bodyPr/>
-          <a:lstStyle/>
-          <a:p>
-            <a:r>
-              <a:rPr lang="en-US" dirty="0"/>
-              <a:t>Try using UART to send the reading from the ultrasonic sensor</a:t>
+              <a:t>Tasks</a:t>
             </a:r>
             <a:endParaRPr lang="en-HK" dirty="0"/>
           </a:p>
@@ -11703,7 +11735,17 @@
           <a:bodyPr/>
           <a:lstStyle/>
           <a:p>
-            <a:endParaRPr lang="en-HK"/>
+            <a:r>
+              <a:rPr lang="en-US" dirty="0"/>
+              <a:t>Try using UART to send the reading from the ultrasonic sensor</a:t>
+            </a:r>
+          </a:p>
+          <a:p>
+            <a:r>
+              <a:rPr lang="en-US" dirty="0"/>
+              <a:t>Try using the ultrasonic sensor to control the speed of the motor</a:t>
+            </a:r>
+            <a:endParaRPr lang="en-HK" dirty="0"/>
           </a:p>
         </p:txBody>
       </p:sp>
@@ -12216,6 +12258,9 @@
             <a:pPr lvl="1"/>
             <a:r>
               <a:rPr lang="en-US" i="1" dirty="0">
+                <a:solidFill>
+                  <a:srgbClr val="C00000"/>
+                </a:solidFill>
                 <a:cs typeface="Calibri"/>
               </a:rPr>
               <a:t>STM32F051R8</a:t>
